--- a/documentation/presentation.pptx
+++ b/documentation/presentation.pptx
@@ -1,40 +1,41 @@
 
 <file path=ppt/presentation.xml><?xml version="1.0" encoding="utf-8"?>
-<p:presentation xmlns:a="http://schemas.openxmlformats.org/drawingml/2006/main" xmlns:r="http://schemas.openxmlformats.org/officeDocument/2006/relationships" xmlns:mc="http://schemas.openxmlformats.org/markup-compatibility/2006" xmlns:mv="urn:schemas-microsoft-com:mac:vml" xmlns:p="http://schemas.openxmlformats.org/presentationml/2006/main" xmlns:c="http://schemas.openxmlformats.org/drawingml/2006/chart" xmlns:dgm="http://schemas.openxmlformats.org/drawingml/2006/diagram" xmlns:o="urn:schemas-microsoft-com:office:office" xmlns:v="urn:schemas-microsoft-com:vml" xmlns:pvml="urn:schemas-microsoft-com:office:powerpoint" xmlns:com="http://schemas.openxmlformats.org/drawingml/2006/compatibility" xmlns:p14="http://schemas.microsoft.com/office/powerpoint/2010/main" xmlns:p15="http://schemas.microsoft.com/office/powerpoint/2012/main" xmlns:ahyp="http://schemas.microsoft.com/office/drawing/2018/hyperlinkcolor" autoCompressPictures="0" embedTrueTypeFonts="1" strictFirstAndLastChars="0" saveSubsetFonts="1">
+<p:presentation xmlns:a="http://schemas.openxmlformats.org/drawingml/2006/main" xmlns:r="http://schemas.openxmlformats.org/officeDocument/2006/relationships" xmlns:p="http://schemas.openxmlformats.org/presentationml/2006/main" strictFirstAndLastChars="0" embedTrueTypeFonts="1" saveSubsetFonts="1" autoCompressPictures="0">
   <p:sldMasterIdLst>
-    <p:sldMasterId id="2147483659" r:id="rId4"/>
+    <p:sldMasterId id="2147483659" r:id="rId1"/>
   </p:sldMasterIdLst>
   <p:notesMasterIdLst>
-    <p:notesMasterId r:id="rId5"/>
+    <p:notesMasterId r:id="rId11"/>
   </p:notesMasterIdLst>
   <p:sldIdLst>
-    <p:sldId id="256" r:id="rId6"/>
-    <p:sldId id="257" r:id="rId7"/>
-    <p:sldId id="258" r:id="rId8"/>
-    <p:sldId id="259" r:id="rId9"/>
-    <p:sldId id="260" r:id="rId10"/>
-    <p:sldId id="261" r:id="rId11"/>
-    <p:sldId id="262" r:id="rId12"/>
-    <p:sldId id="263" r:id="rId13"/>
+    <p:sldId id="256" r:id="rId2"/>
+    <p:sldId id="264" r:id="rId3"/>
+    <p:sldId id="257" r:id="rId4"/>
+    <p:sldId id="258" r:id="rId5"/>
+    <p:sldId id="259" r:id="rId6"/>
+    <p:sldId id="260" r:id="rId7"/>
+    <p:sldId id="261" r:id="rId8"/>
+    <p:sldId id="262" r:id="rId9"/>
+    <p:sldId id="263" r:id="rId10"/>
   </p:sldIdLst>
-  <p:sldSz cy="5143500" cx="9144000"/>
+  <p:sldSz cx="9144000" cy="5143500" type="screen16x9"/>
   <p:notesSz cx="6858000" cy="9144000"/>
   <p:embeddedFontLst>
     <p:embeddedFont>
-      <p:font typeface="PT Sans Narrow"/>
-      <p:regular r:id="rId14"/>
-      <p:bold r:id="rId15"/>
+      <p:font typeface="Open Sans" panose="020B0706030804020204" pitchFamily="34" charset="0"/>
+      <p:regular r:id="rId12"/>
+      <p:bold r:id="rId13"/>
+      <p:italic r:id="rId14"/>
+      <p:boldItalic r:id="rId15"/>
     </p:embeddedFont>
     <p:embeddedFont>
-      <p:font typeface="Open Sans"/>
+      <p:font typeface="PT Sans Narrow" panose="020B0506020203020204" pitchFamily="34" charset="77"/>
       <p:regular r:id="rId16"/>
       <p:bold r:id="rId17"/>
-      <p:italic r:id="rId18"/>
-      <p:boldItalic r:id="rId19"/>
     </p:embeddedFont>
   </p:embeddedFontLst>
   <p:defaultTextStyle>
-    <a:defPPr lvl="0" marR="0" rtl="0" algn="l">
+    <a:defPPr marR="0" lvl="0" algn="l" rtl="0">
       <a:lnSpc>
         <a:spcPct val="100000"/>
       </a:lnSpc>
@@ -45,7 +46,7 @@
         <a:spcPts val="0"/>
       </a:spcAft>
     </a:defPPr>
-    <a:lvl1pPr lvl="0" marR="0" rtl="0" algn="l">
+    <a:lvl1pPr marR="0" lvl="0" algn="l" rtl="0">
       <a:lnSpc>
         <a:spcPct val="100000"/>
       </a:lnSpc>
@@ -59,7 +60,7 @@
         <a:srgbClr val="000000"/>
       </a:buClr>
       <a:buFont typeface="Arial"/>
-      <a:defRPr b="0" i="0" sz="1400" u="none" cap="none" strike="noStrike">
+      <a:defRPr sz="1400" b="0" i="0" u="none" strike="noStrike" cap="none">
         <a:solidFill>
           <a:srgbClr val="000000"/>
         </a:solidFill>
@@ -69,7 +70,7 @@
         <a:sym typeface="Arial"/>
       </a:defRPr>
     </a:lvl1pPr>
-    <a:lvl2pPr lvl="1" marR="0" rtl="0" algn="l">
+    <a:lvl2pPr marR="0" lvl="1" algn="l" rtl="0">
       <a:lnSpc>
         <a:spcPct val="100000"/>
       </a:lnSpc>
@@ -83,7 +84,7 @@
         <a:srgbClr val="000000"/>
       </a:buClr>
       <a:buFont typeface="Arial"/>
-      <a:defRPr b="0" i="0" sz="1400" u="none" cap="none" strike="noStrike">
+      <a:defRPr sz="1400" b="0" i="0" u="none" strike="noStrike" cap="none">
         <a:solidFill>
           <a:srgbClr val="000000"/>
         </a:solidFill>
@@ -93,7 +94,7 @@
         <a:sym typeface="Arial"/>
       </a:defRPr>
     </a:lvl2pPr>
-    <a:lvl3pPr lvl="2" marR="0" rtl="0" algn="l">
+    <a:lvl3pPr marR="0" lvl="2" algn="l" rtl="0">
       <a:lnSpc>
         <a:spcPct val="100000"/>
       </a:lnSpc>
@@ -107,7 +108,7 @@
         <a:srgbClr val="000000"/>
       </a:buClr>
       <a:buFont typeface="Arial"/>
-      <a:defRPr b="0" i="0" sz="1400" u="none" cap="none" strike="noStrike">
+      <a:defRPr sz="1400" b="0" i="0" u="none" strike="noStrike" cap="none">
         <a:solidFill>
           <a:srgbClr val="000000"/>
         </a:solidFill>
@@ -117,7 +118,7 @@
         <a:sym typeface="Arial"/>
       </a:defRPr>
     </a:lvl3pPr>
-    <a:lvl4pPr lvl="3" marR="0" rtl="0" algn="l">
+    <a:lvl4pPr marR="0" lvl="3" algn="l" rtl="0">
       <a:lnSpc>
         <a:spcPct val="100000"/>
       </a:lnSpc>
@@ -131,7 +132,7 @@
         <a:srgbClr val="000000"/>
       </a:buClr>
       <a:buFont typeface="Arial"/>
-      <a:defRPr b="0" i="0" sz="1400" u="none" cap="none" strike="noStrike">
+      <a:defRPr sz="1400" b="0" i="0" u="none" strike="noStrike" cap="none">
         <a:solidFill>
           <a:srgbClr val="000000"/>
         </a:solidFill>
@@ -141,7 +142,7 @@
         <a:sym typeface="Arial"/>
       </a:defRPr>
     </a:lvl4pPr>
-    <a:lvl5pPr lvl="4" marR="0" rtl="0" algn="l">
+    <a:lvl5pPr marR="0" lvl="4" algn="l" rtl="0">
       <a:lnSpc>
         <a:spcPct val="100000"/>
       </a:lnSpc>
@@ -155,7 +156,7 @@
         <a:srgbClr val="000000"/>
       </a:buClr>
       <a:buFont typeface="Arial"/>
-      <a:defRPr b="0" i="0" sz="1400" u="none" cap="none" strike="noStrike">
+      <a:defRPr sz="1400" b="0" i="0" u="none" strike="noStrike" cap="none">
         <a:solidFill>
           <a:srgbClr val="000000"/>
         </a:solidFill>
@@ -165,7 +166,7 @@
         <a:sym typeface="Arial"/>
       </a:defRPr>
     </a:lvl5pPr>
-    <a:lvl6pPr lvl="5" marR="0" rtl="0" algn="l">
+    <a:lvl6pPr marR="0" lvl="5" algn="l" rtl="0">
       <a:lnSpc>
         <a:spcPct val="100000"/>
       </a:lnSpc>
@@ -179,7 +180,7 @@
         <a:srgbClr val="000000"/>
       </a:buClr>
       <a:buFont typeface="Arial"/>
-      <a:defRPr b="0" i="0" sz="1400" u="none" cap="none" strike="noStrike">
+      <a:defRPr sz="1400" b="0" i="0" u="none" strike="noStrike" cap="none">
         <a:solidFill>
           <a:srgbClr val="000000"/>
         </a:solidFill>
@@ -189,7 +190,7 @@
         <a:sym typeface="Arial"/>
       </a:defRPr>
     </a:lvl6pPr>
-    <a:lvl7pPr lvl="6" marR="0" rtl="0" algn="l">
+    <a:lvl7pPr marR="0" lvl="6" algn="l" rtl="0">
       <a:lnSpc>
         <a:spcPct val="100000"/>
       </a:lnSpc>
@@ -203,7 +204,7 @@
         <a:srgbClr val="000000"/>
       </a:buClr>
       <a:buFont typeface="Arial"/>
-      <a:defRPr b="0" i="0" sz="1400" u="none" cap="none" strike="noStrike">
+      <a:defRPr sz="1400" b="0" i="0" u="none" strike="noStrike" cap="none">
         <a:solidFill>
           <a:srgbClr val="000000"/>
         </a:solidFill>
@@ -213,7 +214,7 @@
         <a:sym typeface="Arial"/>
       </a:defRPr>
     </a:lvl7pPr>
-    <a:lvl8pPr lvl="7" marR="0" rtl="0" algn="l">
+    <a:lvl8pPr marR="0" lvl="7" algn="l" rtl="0">
       <a:lnSpc>
         <a:spcPct val="100000"/>
       </a:lnSpc>
@@ -227,7 +228,7 @@
         <a:srgbClr val="000000"/>
       </a:buClr>
       <a:buFont typeface="Arial"/>
-      <a:defRPr b="0" i="0" sz="1400" u="none" cap="none" strike="noStrike">
+      <a:defRPr sz="1400" b="0" i="0" u="none" strike="noStrike" cap="none">
         <a:solidFill>
           <a:srgbClr val="000000"/>
         </a:solidFill>
@@ -237,7 +238,7 @@
         <a:sym typeface="Arial"/>
       </a:defRPr>
     </a:lvl8pPr>
-    <a:lvl9pPr lvl="8" marR="0" rtl="0" algn="l">
+    <a:lvl9pPr marR="0" lvl="8" algn="l" rtl="0">
       <a:lnSpc>
         <a:spcPct val="100000"/>
       </a:lnSpc>
@@ -251,7 +252,7 @@
         <a:srgbClr val="000000"/>
       </a:buClr>
       <a:buFont typeface="Arial"/>
-      <a:defRPr b="0" i="0" sz="1400" u="none" cap="none" strike="noStrike">
+      <a:defRPr sz="1400" b="0" i="0" u="none" strike="noStrike" cap="none">
         <a:solidFill>
           <a:srgbClr val="000000"/>
         </a:solidFill>
@@ -264,7 +265,7 @@
   </p:defaultTextStyle>
   <p:extLst>
     <p:ext uri="{EFAFB233-063F-42B5-8137-9DF3F51BA10A}">
-      <p15:sldGuideLst>
+      <p15:sldGuideLst xmlns:p15="http://schemas.microsoft.com/office/powerpoint/2012/main">
         <p15:guide id="1" orient="horz" pos="1620">
           <p15:clr>
             <a:srgbClr val="A4A3A4"/>
@@ -282,11 +283,16 @@
 </file>
 
 <file path=ppt/notesMasters/notesMaster1.xml><?xml version="1.0" encoding="utf-8"?>
-<p:notesMaster xmlns:a="http://schemas.openxmlformats.org/drawingml/2006/main" xmlns:r="http://schemas.openxmlformats.org/officeDocument/2006/relationships" xmlns:mc="http://schemas.openxmlformats.org/markup-compatibility/2006" xmlns:mv="urn:schemas-microsoft-com:mac:vml" xmlns:p="http://schemas.openxmlformats.org/presentationml/2006/main" xmlns:c="http://schemas.openxmlformats.org/drawingml/2006/chart" xmlns:dgm="http://schemas.openxmlformats.org/drawingml/2006/diagram" xmlns:o="urn:schemas-microsoft-com:office:office" xmlns:v="urn:schemas-microsoft-com:vml" xmlns:pvml="urn:schemas-microsoft-com:office:powerpoint" xmlns:com="http://schemas.openxmlformats.org/drawingml/2006/compatibility" xmlns:p14="http://schemas.microsoft.com/office/powerpoint/2010/main" xmlns:p15="http://schemas.microsoft.com/office/powerpoint/2012/main" xmlns:ahyp="http://schemas.microsoft.com/office/drawing/2018/hyperlinkcolor">
+<p:notesMaster xmlns:a="http://schemas.openxmlformats.org/drawingml/2006/main" xmlns:r="http://schemas.openxmlformats.org/officeDocument/2006/relationships" xmlns:p="http://schemas.openxmlformats.org/presentationml/2006/main">
   <p:cSld>
+    <p:bg>
+      <p:bgRef idx="1001">
+        <a:schemeClr val="bg1"/>
+      </p:bgRef>
+    </p:bg>
     <p:spTree>
       <p:nvGrpSpPr>
-        <p:cNvPr id="2" name="Shape 2"/>
+        <p:cNvPr id="1" name="Shape 2"/>
         <p:cNvGrpSpPr/>
         <p:nvPr/>
       </p:nvGrpSpPr>
@@ -301,9 +307,11 @@
       <p:sp>
         <p:nvSpPr>
           <p:cNvPr id="3" name="Google Shape;3;n"/>
-          <p:cNvSpPr/>
+          <p:cNvSpPr>
+            <a:spLocks noGrp="1" noRot="1" noChangeAspect="1"/>
+          </p:cNvSpPr>
           <p:nvPr>
-            <p:ph idx="2" type="sldImg"/>
+            <p:ph type="sldImg" idx="2"/>
           </p:nvPr>
         </p:nvSpPr>
         <p:spPr>
@@ -312,9 +320,13 @@
             <a:ext cx="6096075" cy="3429000"/>
           </a:xfrm>
           <a:custGeom>
-            <a:rect b="b" l="l" r="r" t="t"/>
+            <a:avLst/>
+            <a:gdLst/>
+            <a:ahLst/>
+            <a:cxnLst/>
+            <a:rect l="l" t="t" r="r" b="b"/>
             <a:pathLst>
-              <a:path extrusionOk="0" h="120000" w="120000">
+              <a:path w="120000" h="120000" extrusionOk="0">
                 <a:moveTo>
                   <a:pt x="0" y="0"/>
                 </a:moveTo>
@@ -332,23 +344,25 @@
             </a:pathLst>
           </a:custGeom>
           <a:noFill/>
-          <a:ln cap="flat" cmpd="sng" w="9525">
+          <a:ln w="9525" cap="flat" cmpd="sng">
             <a:solidFill>
               <a:srgbClr val="000000"/>
             </a:solidFill>
             <a:prstDash val="solid"/>
             <a:round/>
-            <a:headEnd len="sm" w="sm" type="none"/>
-            <a:tailEnd len="sm" w="sm" type="none"/>
+            <a:headEnd type="none" w="sm" len="sm"/>
+            <a:tailEnd type="none" w="sm" len="sm"/>
           </a:ln>
         </p:spPr>
       </p:sp>
       <p:sp>
         <p:nvSpPr>
           <p:cNvPr id="4" name="Google Shape;4;n"/>
-          <p:cNvSpPr txBox="1"/>
+          <p:cNvSpPr txBox="1">
+            <a:spLocks noGrp="1"/>
+          </p:cNvSpPr>
           <p:nvPr>
-            <p:ph idx="1" type="body"/>
+            <p:ph type="body" idx="1"/>
           </p:nvPr>
         </p:nvSpPr>
         <p:spPr>
@@ -365,11 +379,11 @@
           </a:ln>
         </p:spPr>
         <p:txBody>
-          <a:bodyPr anchorCtr="0" anchor="t" bIns="91425" lIns="91425" spcFirstLastPara="1" rIns="91425" wrap="square" tIns="91425">
+          <a:bodyPr spcFirstLastPara="1" wrap="square" lIns="91425" tIns="91425" rIns="91425" bIns="91425" anchor="t" anchorCtr="0">
             <a:noAutofit/>
           </a:bodyPr>
           <a:lstStyle>
-            <a:lvl1pPr indent="-298450" lvl="0" marL="457200">
+            <a:lvl1pPr marL="457200" lvl="0" indent="-298450">
               <a:spcBef>
                 <a:spcPts val="0"/>
               </a:spcBef>
@@ -380,7 +394,7 @@
               <a:buChar char="●"/>
               <a:defRPr sz="1100"/>
             </a:lvl1pPr>
-            <a:lvl2pPr indent="-298450" lvl="1" marL="914400">
+            <a:lvl2pPr marL="914400" lvl="1" indent="-298450">
               <a:spcBef>
                 <a:spcPts val="0"/>
               </a:spcBef>
@@ -391,7 +405,7 @@
               <a:buChar char="○"/>
               <a:defRPr sz="1100"/>
             </a:lvl2pPr>
-            <a:lvl3pPr indent="-298450" lvl="2" marL="1371600">
+            <a:lvl3pPr marL="1371600" lvl="2" indent="-298450">
               <a:spcBef>
                 <a:spcPts val="0"/>
               </a:spcBef>
@@ -402,7 +416,7 @@
               <a:buChar char="■"/>
               <a:defRPr sz="1100"/>
             </a:lvl3pPr>
-            <a:lvl4pPr indent="-298450" lvl="3" marL="1828800">
+            <a:lvl4pPr marL="1828800" lvl="3" indent="-298450">
               <a:spcBef>
                 <a:spcPts val="0"/>
               </a:spcBef>
@@ -413,7 +427,7 @@
               <a:buChar char="●"/>
               <a:defRPr sz="1100"/>
             </a:lvl4pPr>
-            <a:lvl5pPr indent="-298450" lvl="4" marL="2286000">
+            <a:lvl5pPr marL="2286000" lvl="4" indent="-298450">
               <a:spcBef>
                 <a:spcPts val="0"/>
               </a:spcBef>
@@ -424,7 +438,7 @@
               <a:buChar char="○"/>
               <a:defRPr sz="1100"/>
             </a:lvl5pPr>
-            <a:lvl6pPr indent="-298450" lvl="5" marL="2743200">
+            <a:lvl6pPr marL="2743200" lvl="5" indent="-298450">
               <a:spcBef>
                 <a:spcPts val="0"/>
               </a:spcBef>
@@ -435,7 +449,7 @@
               <a:buChar char="■"/>
               <a:defRPr sz="1100"/>
             </a:lvl6pPr>
-            <a:lvl7pPr indent="-298450" lvl="6" marL="3200400">
+            <a:lvl7pPr marL="3200400" lvl="6" indent="-298450">
               <a:spcBef>
                 <a:spcPts val="0"/>
               </a:spcBef>
@@ -446,7 +460,7 @@
               <a:buChar char="●"/>
               <a:defRPr sz="1100"/>
             </a:lvl7pPr>
-            <a:lvl8pPr indent="-298450" lvl="7" marL="3657600">
+            <a:lvl8pPr marL="3657600" lvl="7" indent="-298450">
               <a:spcBef>
                 <a:spcPts val="0"/>
               </a:spcBef>
@@ -457,7 +471,7 @@
               <a:buChar char="○"/>
               <a:defRPr sz="1100"/>
             </a:lvl8pPr>
-            <a:lvl9pPr indent="-298450" lvl="8" marL="4114800">
+            <a:lvl9pPr marL="4114800" lvl="8" indent="-298450">
               <a:spcBef>
                 <a:spcPts val="0"/>
               </a:spcBef>
@@ -469,14 +483,16 @@
               <a:defRPr sz="1100"/>
             </a:lvl9pPr>
           </a:lstStyle>
-          <a:p/>
+          <a:p>
+            <a:endParaRPr/>
+          </a:p>
         </p:txBody>
       </p:sp>
     </p:spTree>
   </p:cSld>
-  <p:clrMap accent1="accent1" accent2="accent2" accent3="accent3" accent4="accent4" accent5="accent5" accent6="accent6" bg1="lt1" bg2="dk2" tx1="dk1" tx2="lt2" folHlink="folHlink" hlink="hlink"/>
+  <p:clrMap bg1="lt1" tx1="dk1" bg2="dk2" tx2="lt2" accent1="accent1" accent2="accent2" accent3="accent3" accent4="accent4" accent5="accent5" accent6="accent6" hlink="hlink" folHlink="folHlink"/>
   <p:notesStyle>
-    <a:defPPr lvl="0" marR="0" rtl="0" algn="l">
+    <a:defPPr marR="0" lvl="0" algn="l" rtl="0">
       <a:lnSpc>
         <a:spcPct val="100000"/>
       </a:lnSpc>
@@ -487,7 +503,7 @@
         <a:spcPts val="0"/>
       </a:spcAft>
     </a:defPPr>
-    <a:lvl1pPr lvl="0" marR="0" rtl="0" algn="l">
+    <a:lvl1pPr marR="0" lvl="0" algn="l" rtl="0">
       <a:lnSpc>
         <a:spcPct val="100000"/>
       </a:lnSpc>
@@ -501,7 +517,7 @@
         <a:srgbClr val="000000"/>
       </a:buClr>
       <a:buFont typeface="Arial"/>
-      <a:defRPr b="0" i="0" sz="1400" u="none" cap="none" strike="noStrike">
+      <a:defRPr sz="1400" b="0" i="0" u="none" strike="noStrike" cap="none">
         <a:solidFill>
           <a:srgbClr val="000000"/>
         </a:solidFill>
@@ -511,7 +527,7 @@
         <a:sym typeface="Arial"/>
       </a:defRPr>
     </a:lvl1pPr>
-    <a:lvl2pPr lvl="1" marR="0" rtl="0" algn="l">
+    <a:lvl2pPr marR="0" lvl="1" algn="l" rtl="0">
       <a:lnSpc>
         <a:spcPct val="100000"/>
       </a:lnSpc>
@@ -525,7 +541,7 @@
         <a:srgbClr val="000000"/>
       </a:buClr>
       <a:buFont typeface="Arial"/>
-      <a:defRPr b="0" i="0" sz="1400" u="none" cap="none" strike="noStrike">
+      <a:defRPr sz="1400" b="0" i="0" u="none" strike="noStrike" cap="none">
         <a:solidFill>
           <a:srgbClr val="000000"/>
         </a:solidFill>
@@ -535,7 +551,7 @@
         <a:sym typeface="Arial"/>
       </a:defRPr>
     </a:lvl2pPr>
-    <a:lvl3pPr lvl="2" marR="0" rtl="0" algn="l">
+    <a:lvl3pPr marR="0" lvl="2" algn="l" rtl="0">
       <a:lnSpc>
         <a:spcPct val="100000"/>
       </a:lnSpc>
@@ -549,7 +565,7 @@
         <a:srgbClr val="000000"/>
       </a:buClr>
       <a:buFont typeface="Arial"/>
-      <a:defRPr b="0" i="0" sz="1400" u="none" cap="none" strike="noStrike">
+      <a:defRPr sz="1400" b="0" i="0" u="none" strike="noStrike" cap="none">
         <a:solidFill>
           <a:srgbClr val="000000"/>
         </a:solidFill>
@@ -559,7 +575,7 @@
         <a:sym typeface="Arial"/>
       </a:defRPr>
     </a:lvl3pPr>
-    <a:lvl4pPr lvl="3" marR="0" rtl="0" algn="l">
+    <a:lvl4pPr marR="0" lvl="3" algn="l" rtl="0">
       <a:lnSpc>
         <a:spcPct val="100000"/>
       </a:lnSpc>
@@ -573,7 +589,7 @@
         <a:srgbClr val="000000"/>
       </a:buClr>
       <a:buFont typeface="Arial"/>
-      <a:defRPr b="0" i="0" sz="1400" u="none" cap="none" strike="noStrike">
+      <a:defRPr sz="1400" b="0" i="0" u="none" strike="noStrike" cap="none">
         <a:solidFill>
           <a:srgbClr val="000000"/>
         </a:solidFill>
@@ -583,7 +599,7 @@
         <a:sym typeface="Arial"/>
       </a:defRPr>
     </a:lvl4pPr>
-    <a:lvl5pPr lvl="4" marR="0" rtl="0" algn="l">
+    <a:lvl5pPr marR="0" lvl="4" algn="l" rtl="0">
       <a:lnSpc>
         <a:spcPct val="100000"/>
       </a:lnSpc>
@@ -597,7 +613,7 @@
         <a:srgbClr val="000000"/>
       </a:buClr>
       <a:buFont typeface="Arial"/>
-      <a:defRPr b="0" i="0" sz="1400" u="none" cap="none" strike="noStrike">
+      <a:defRPr sz="1400" b="0" i="0" u="none" strike="noStrike" cap="none">
         <a:solidFill>
           <a:srgbClr val="000000"/>
         </a:solidFill>
@@ -607,7 +623,7 @@
         <a:sym typeface="Arial"/>
       </a:defRPr>
     </a:lvl5pPr>
-    <a:lvl6pPr lvl="5" marR="0" rtl="0" algn="l">
+    <a:lvl6pPr marR="0" lvl="5" algn="l" rtl="0">
       <a:lnSpc>
         <a:spcPct val="100000"/>
       </a:lnSpc>
@@ -621,7 +637,7 @@
         <a:srgbClr val="000000"/>
       </a:buClr>
       <a:buFont typeface="Arial"/>
-      <a:defRPr b="0" i="0" sz="1400" u="none" cap="none" strike="noStrike">
+      <a:defRPr sz="1400" b="0" i="0" u="none" strike="noStrike" cap="none">
         <a:solidFill>
           <a:srgbClr val="000000"/>
         </a:solidFill>
@@ -631,7 +647,7 @@
         <a:sym typeface="Arial"/>
       </a:defRPr>
     </a:lvl6pPr>
-    <a:lvl7pPr lvl="6" marR="0" rtl="0" algn="l">
+    <a:lvl7pPr marR="0" lvl="6" algn="l" rtl="0">
       <a:lnSpc>
         <a:spcPct val="100000"/>
       </a:lnSpc>
@@ -645,7 +661,7 @@
         <a:srgbClr val="000000"/>
       </a:buClr>
       <a:buFont typeface="Arial"/>
-      <a:defRPr b="0" i="0" sz="1400" u="none" cap="none" strike="noStrike">
+      <a:defRPr sz="1400" b="0" i="0" u="none" strike="noStrike" cap="none">
         <a:solidFill>
           <a:srgbClr val="000000"/>
         </a:solidFill>
@@ -655,7 +671,7 @@
         <a:sym typeface="Arial"/>
       </a:defRPr>
     </a:lvl7pPr>
-    <a:lvl8pPr lvl="7" marR="0" rtl="0" algn="l">
+    <a:lvl8pPr marR="0" lvl="7" algn="l" rtl="0">
       <a:lnSpc>
         <a:spcPct val="100000"/>
       </a:lnSpc>
@@ -669,7 +685,7 @@
         <a:srgbClr val="000000"/>
       </a:buClr>
       <a:buFont typeface="Arial"/>
-      <a:defRPr b="0" i="0" sz="1400" u="none" cap="none" strike="noStrike">
+      <a:defRPr sz="1400" b="0" i="0" u="none" strike="noStrike" cap="none">
         <a:solidFill>
           <a:srgbClr val="000000"/>
         </a:solidFill>
@@ -679,7 +695,7 @@
         <a:sym typeface="Arial"/>
       </a:defRPr>
     </a:lvl8pPr>
-    <a:lvl9pPr lvl="8" marR="0" rtl="0" algn="l">
+    <a:lvl9pPr marR="0" lvl="8" algn="l" rtl="0">
       <a:lnSpc>
         <a:spcPct val="100000"/>
       </a:lnSpc>
@@ -693,7 +709,7 @@
         <a:srgbClr val="000000"/>
       </a:buClr>
       <a:buFont typeface="Arial"/>
-      <a:defRPr b="0" i="0" sz="1400" u="none" cap="none" strike="noStrike">
+      <a:defRPr sz="1400" b="0" i="0" u="none" strike="noStrike" cap="none">
         <a:solidFill>
           <a:srgbClr val="000000"/>
         </a:solidFill>
@@ -708,11 +724,11 @@
 </file>
 
 <file path=ppt/notesSlides/notesSlide1.xml><?xml version="1.0" encoding="utf-8"?>
-<p:notes xmlns:a="http://schemas.openxmlformats.org/drawingml/2006/main" xmlns:r="http://schemas.openxmlformats.org/officeDocument/2006/relationships" xmlns:mc="http://schemas.openxmlformats.org/markup-compatibility/2006" xmlns:mv="urn:schemas-microsoft-com:mac:vml" xmlns:p="http://schemas.openxmlformats.org/presentationml/2006/main" xmlns:c="http://schemas.openxmlformats.org/drawingml/2006/chart" xmlns:dgm="http://schemas.openxmlformats.org/drawingml/2006/diagram" xmlns:o="urn:schemas-microsoft-com:office:office" xmlns:v="urn:schemas-microsoft-com:vml" xmlns:pvml="urn:schemas-microsoft-com:office:powerpoint" xmlns:com="http://schemas.openxmlformats.org/drawingml/2006/compatibility" xmlns:p14="http://schemas.microsoft.com/office/powerpoint/2010/main" xmlns:p15="http://schemas.microsoft.com/office/powerpoint/2012/main" xmlns:ahyp="http://schemas.microsoft.com/office/drawing/2018/hyperlinkcolor" showMasterPhAnim="0" showMasterSp="0">
+<p:notes xmlns:a="http://schemas.openxmlformats.org/drawingml/2006/main" xmlns:r="http://schemas.openxmlformats.org/officeDocument/2006/relationships" xmlns:p="http://schemas.openxmlformats.org/presentationml/2006/main" showMasterSp="0" showMasterPhAnim="0">
   <p:cSld>
     <p:spTree>
       <p:nvGrpSpPr>
-        <p:cNvPr id="62" name="Shape 62"/>
+        <p:cNvPr id="1" name="Shape 62"/>
         <p:cNvGrpSpPr/>
         <p:nvPr/>
       </p:nvGrpSpPr>
@@ -727,20 +743,26 @@
       <p:sp>
         <p:nvSpPr>
           <p:cNvPr id="63" name="Google Shape;63;p:notes"/>
-          <p:cNvSpPr/>
+          <p:cNvSpPr>
+            <a:spLocks noGrp="1" noRot="1" noChangeAspect="1"/>
+          </p:cNvSpPr>
           <p:nvPr>
-            <p:ph idx="2" type="sldImg"/>
+            <p:ph type="sldImg" idx="2"/>
           </p:nvPr>
         </p:nvSpPr>
         <p:spPr>
           <a:xfrm>
-            <a:off x="381300" y="685800"/>
-            <a:ext cx="6096075" cy="3429000"/>
+            <a:off x="381000" y="685800"/>
+            <a:ext cx="6096000" cy="3429000"/>
           </a:xfrm>
           <a:custGeom>
-            <a:rect b="b" l="l" r="r" t="t"/>
+            <a:avLst/>
+            <a:gdLst/>
+            <a:ahLst/>
+            <a:cxnLst/>
+            <a:rect l="l" t="t" r="r" b="b"/>
             <a:pathLst>
-              <a:path extrusionOk="0" h="120000" w="120000">
+              <a:path w="120000" h="120000" extrusionOk="0">
                 <a:moveTo>
                   <a:pt x="0" y="0"/>
                 </a:moveTo>
@@ -762,9 +784,11 @@
       <p:sp>
         <p:nvSpPr>
           <p:cNvPr id="64" name="Google Shape;64;p:notes"/>
-          <p:cNvSpPr txBox="1"/>
+          <p:cNvSpPr txBox="1">
+            <a:spLocks noGrp="1"/>
+          </p:cNvSpPr>
           <p:nvPr>
-            <p:ph idx="1" type="body"/>
+            <p:ph type="body" idx="1"/>
           </p:nvPr>
         </p:nvSpPr>
         <p:spPr>
@@ -777,12 +801,12 @@
           </a:prstGeom>
         </p:spPr>
         <p:txBody>
-          <a:bodyPr anchorCtr="0" anchor="t" bIns="91425" lIns="91425" spcFirstLastPara="1" rIns="91425" wrap="square" tIns="91425">
+          <a:bodyPr spcFirstLastPara="1" wrap="square" lIns="91425" tIns="91425" rIns="91425" bIns="91425" anchor="t" anchorCtr="0">
             <a:noAutofit/>
           </a:bodyPr>
           <a:lstStyle/>
           <a:p>
-            <a:pPr indent="0" lvl="0" marL="0" rtl="0" algn="l">
+            <a:pPr marL="0" lvl="0" indent="0" algn="l" rtl="0">
               <a:spcBef>
                 <a:spcPts val="0"/>
               </a:spcBef>
@@ -791,9 +815,6 @@
               </a:spcAft>
               <a:buNone/>
             </a:pPr>
-            <a:r>
-              <a:t/>
-            </a:r>
             <a:endParaRPr/>
           </a:p>
         </p:txBody>
@@ -807,11 +828,11 @@
 </file>
 
 <file path=ppt/notesSlides/notesSlide2.xml><?xml version="1.0" encoding="utf-8"?>
-<p:notes xmlns:a="http://schemas.openxmlformats.org/drawingml/2006/main" xmlns:r="http://schemas.openxmlformats.org/officeDocument/2006/relationships" xmlns:mc="http://schemas.openxmlformats.org/markup-compatibility/2006" xmlns:mv="urn:schemas-microsoft-com:mac:vml" xmlns:p="http://schemas.openxmlformats.org/presentationml/2006/main" xmlns:c="http://schemas.openxmlformats.org/drawingml/2006/chart" xmlns:dgm="http://schemas.openxmlformats.org/drawingml/2006/diagram" xmlns:o="urn:schemas-microsoft-com:office:office" xmlns:v="urn:schemas-microsoft-com:vml" xmlns:pvml="urn:schemas-microsoft-com:office:powerpoint" xmlns:com="http://schemas.openxmlformats.org/drawingml/2006/compatibility" xmlns:p14="http://schemas.microsoft.com/office/powerpoint/2010/main" xmlns:p15="http://schemas.microsoft.com/office/powerpoint/2012/main" xmlns:ahyp="http://schemas.microsoft.com/office/drawing/2018/hyperlinkcolor" showMasterPhAnim="0" showMasterSp="0">
+<p:notes xmlns:a="http://schemas.openxmlformats.org/drawingml/2006/main" xmlns:r="http://schemas.openxmlformats.org/officeDocument/2006/relationships" xmlns:p="http://schemas.openxmlformats.org/presentationml/2006/main" showMasterSp="0" showMasterPhAnim="0">
   <p:cSld>
     <p:spTree>
       <p:nvGrpSpPr>
-        <p:cNvPr id="68" name="Shape 68"/>
+        <p:cNvPr id="1" name="Shape 68"/>
         <p:cNvGrpSpPr/>
         <p:nvPr/>
       </p:nvGrpSpPr>
@@ -826,20 +847,26 @@
       <p:sp>
         <p:nvSpPr>
           <p:cNvPr id="69" name="Google Shape;69;gc6875fa144_0_0:notes"/>
-          <p:cNvSpPr/>
+          <p:cNvSpPr>
+            <a:spLocks noGrp="1" noRot="1" noChangeAspect="1"/>
+          </p:cNvSpPr>
           <p:nvPr>
-            <p:ph idx="2" type="sldImg"/>
+            <p:ph type="sldImg" idx="2"/>
           </p:nvPr>
         </p:nvSpPr>
         <p:spPr>
           <a:xfrm>
-            <a:off x="381300" y="685800"/>
+            <a:off x="381000" y="685800"/>
             <a:ext cx="6096000" cy="3429000"/>
           </a:xfrm>
           <a:custGeom>
-            <a:rect b="b" l="l" r="r" t="t"/>
+            <a:avLst/>
+            <a:gdLst/>
+            <a:ahLst/>
+            <a:cxnLst/>
+            <a:rect l="l" t="t" r="r" b="b"/>
             <a:pathLst>
-              <a:path extrusionOk="0" h="120000" w="120000">
+              <a:path w="120000" h="120000" extrusionOk="0">
                 <a:moveTo>
                   <a:pt x="0" y="0"/>
                 </a:moveTo>
@@ -861,9 +888,11 @@
       <p:sp>
         <p:nvSpPr>
           <p:cNvPr id="70" name="Google Shape;70;gc6875fa144_0_0:notes"/>
-          <p:cNvSpPr txBox="1"/>
+          <p:cNvSpPr txBox="1">
+            <a:spLocks noGrp="1"/>
+          </p:cNvSpPr>
           <p:nvPr>
-            <p:ph idx="1" type="body"/>
+            <p:ph type="body" idx="1"/>
           </p:nvPr>
         </p:nvSpPr>
         <p:spPr>
@@ -876,12 +905,12 @@
           </a:prstGeom>
         </p:spPr>
         <p:txBody>
-          <a:bodyPr anchorCtr="0" anchor="t" bIns="91425" lIns="91425" spcFirstLastPara="1" rIns="91425" wrap="square" tIns="91425">
+          <a:bodyPr spcFirstLastPara="1" wrap="square" lIns="91425" tIns="91425" rIns="91425" bIns="91425" anchor="t" anchorCtr="0">
             <a:noAutofit/>
           </a:bodyPr>
           <a:lstStyle/>
           <a:p>
-            <a:pPr indent="0" lvl="0" marL="0" rtl="0" algn="l">
+            <a:pPr marL="0" lvl="0" indent="0" algn="l" rtl="0">
               <a:spcBef>
                 <a:spcPts val="0"/>
               </a:spcBef>
@@ -890,9 +919,115 @@
               </a:spcAft>
               <a:buNone/>
             </a:pPr>
-            <a:r>
-              <a:t/>
-            </a:r>
+            <a:endParaRPr/>
+          </a:p>
+        </p:txBody>
+      </p:sp>
+    </p:spTree>
+    <p:extLst>
+      <p:ext uri="{BB962C8B-B14F-4D97-AF65-F5344CB8AC3E}">
+        <p14:creationId xmlns:p14="http://schemas.microsoft.com/office/powerpoint/2010/main" val="3435627436"/>
+      </p:ext>
+    </p:extLst>
+  </p:cSld>
+  <p:clrMapOvr>
+    <a:masterClrMapping/>
+  </p:clrMapOvr>
+</p:notes>
+</file>
+
+<file path=ppt/notesSlides/notesSlide3.xml><?xml version="1.0" encoding="utf-8"?>
+<p:notes xmlns:a="http://schemas.openxmlformats.org/drawingml/2006/main" xmlns:r="http://schemas.openxmlformats.org/officeDocument/2006/relationships" xmlns:p="http://schemas.openxmlformats.org/presentationml/2006/main" showMasterSp="0" showMasterPhAnim="0">
+  <p:cSld>
+    <p:spTree>
+      <p:nvGrpSpPr>
+        <p:cNvPr id="1" name="Shape 68"/>
+        <p:cNvGrpSpPr/>
+        <p:nvPr/>
+      </p:nvGrpSpPr>
+      <p:grpSpPr>
+        <a:xfrm>
+          <a:off x="0" y="0"/>
+          <a:ext cx="0" cy="0"/>
+          <a:chOff x="0" y="0"/>
+          <a:chExt cx="0" cy="0"/>
+        </a:xfrm>
+      </p:grpSpPr>
+      <p:sp>
+        <p:nvSpPr>
+          <p:cNvPr id="69" name="Google Shape;69;gc6875fa144_0_0:notes"/>
+          <p:cNvSpPr>
+            <a:spLocks noGrp="1" noRot="1" noChangeAspect="1"/>
+          </p:cNvSpPr>
+          <p:nvPr>
+            <p:ph type="sldImg" idx="2"/>
+          </p:nvPr>
+        </p:nvSpPr>
+        <p:spPr>
+          <a:xfrm>
+            <a:off x="381000" y="685800"/>
+            <a:ext cx="6096000" cy="3429000"/>
+          </a:xfrm>
+          <a:custGeom>
+            <a:avLst/>
+            <a:gdLst/>
+            <a:ahLst/>
+            <a:cxnLst/>
+            <a:rect l="l" t="t" r="r" b="b"/>
+            <a:pathLst>
+              <a:path w="120000" h="120000" extrusionOk="0">
+                <a:moveTo>
+                  <a:pt x="0" y="0"/>
+                </a:moveTo>
+                <a:lnTo>
+                  <a:pt x="120000" y="0"/>
+                </a:lnTo>
+                <a:lnTo>
+                  <a:pt x="120000" y="120000"/>
+                </a:lnTo>
+                <a:lnTo>
+                  <a:pt x="0" y="120000"/>
+                </a:lnTo>
+                <a:close/>
+              </a:path>
+            </a:pathLst>
+          </a:custGeom>
+        </p:spPr>
+      </p:sp>
+      <p:sp>
+        <p:nvSpPr>
+          <p:cNvPr id="70" name="Google Shape;70;gc6875fa144_0_0:notes"/>
+          <p:cNvSpPr txBox="1">
+            <a:spLocks noGrp="1"/>
+          </p:cNvSpPr>
+          <p:nvPr>
+            <p:ph type="body" idx="1"/>
+          </p:nvPr>
+        </p:nvSpPr>
+        <p:spPr>
+          <a:xfrm>
+            <a:off x="685800" y="4343400"/>
+            <a:ext cx="5486400" cy="4114800"/>
+          </a:xfrm>
+          <a:prstGeom prst="rect">
+            <a:avLst/>
+          </a:prstGeom>
+        </p:spPr>
+        <p:txBody>
+          <a:bodyPr spcFirstLastPara="1" wrap="square" lIns="91425" tIns="91425" rIns="91425" bIns="91425" anchor="t" anchorCtr="0">
+            <a:noAutofit/>
+          </a:bodyPr>
+          <a:lstStyle/>
+          <a:p>
+            <a:pPr marL="0" lvl="0" indent="0" algn="l" rtl="0">
+              <a:spcBef>
+                <a:spcPts val="0"/>
+              </a:spcBef>
+              <a:spcAft>
+                <a:spcPts val="0"/>
+              </a:spcAft>
+              <a:buNone/>
+            </a:pPr>
             <a:endParaRPr/>
           </a:p>
         </p:txBody>
@@ -905,12 +1040,12 @@
 </p:notes>
 </file>
 
-<file path=ppt/notesSlides/notesSlide3.xml><?xml version="1.0" encoding="utf-8"?>
-<p:notes xmlns:a="http://schemas.openxmlformats.org/drawingml/2006/main" xmlns:r="http://schemas.openxmlformats.org/officeDocument/2006/relationships" xmlns:mc="http://schemas.openxmlformats.org/markup-compatibility/2006" xmlns:mv="urn:schemas-microsoft-com:mac:vml" xmlns:p="http://schemas.openxmlformats.org/presentationml/2006/main" xmlns:c="http://schemas.openxmlformats.org/drawingml/2006/chart" xmlns:dgm="http://schemas.openxmlformats.org/drawingml/2006/diagram" xmlns:o="urn:schemas-microsoft-com:office:office" xmlns:v="urn:schemas-microsoft-com:vml" xmlns:pvml="urn:schemas-microsoft-com:office:powerpoint" xmlns:com="http://schemas.openxmlformats.org/drawingml/2006/compatibility" xmlns:p14="http://schemas.microsoft.com/office/powerpoint/2010/main" xmlns:p15="http://schemas.microsoft.com/office/powerpoint/2012/main" xmlns:ahyp="http://schemas.microsoft.com/office/drawing/2018/hyperlinkcolor" showMasterPhAnim="0" showMasterSp="0">
+<file path=ppt/notesSlides/notesSlide4.xml><?xml version="1.0" encoding="utf-8"?>
+<p:notes xmlns:a="http://schemas.openxmlformats.org/drawingml/2006/main" xmlns:r="http://schemas.openxmlformats.org/officeDocument/2006/relationships" xmlns:p="http://schemas.openxmlformats.org/presentationml/2006/main" showMasterSp="0" showMasterPhAnim="0">
   <p:cSld>
     <p:spTree>
       <p:nvGrpSpPr>
-        <p:cNvPr id="74" name="Shape 74"/>
+        <p:cNvPr id="1" name="Shape 74"/>
         <p:cNvGrpSpPr/>
         <p:nvPr/>
       </p:nvGrpSpPr>
@@ -925,9 +1060,11 @@
       <p:sp>
         <p:nvSpPr>
           <p:cNvPr id="75" name="Google Shape;75;gc6875fa144_0_9:notes"/>
-          <p:cNvSpPr/>
+          <p:cNvSpPr>
+            <a:spLocks noGrp="1" noRot="1" noChangeAspect="1"/>
+          </p:cNvSpPr>
           <p:nvPr>
-            <p:ph idx="2" type="sldImg"/>
+            <p:ph type="sldImg" idx="2"/>
           </p:nvPr>
         </p:nvSpPr>
         <p:spPr>
@@ -936,9 +1073,13 @@
             <a:ext cx="6096000" cy="3429000"/>
           </a:xfrm>
           <a:custGeom>
-            <a:rect b="b" l="l" r="r" t="t"/>
+            <a:avLst/>
+            <a:gdLst/>
+            <a:ahLst/>
+            <a:cxnLst/>
+            <a:rect l="l" t="t" r="r" b="b"/>
             <a:pathLst>
-              <a:path extrusionOk="0" h="120000" w="120000">
+              <a:path w="120000" h="120000" extrusionOk="0">
                 <a:moveTo>
                   <a:pt x="0" y="0"/>
                 </a:moveTo>
@@ -960,9 +1101,11 @@
       <p:sp>
         <p:nvSpPr>
           <p:cNvPr id="76" name="Google Shape;76;gc6875fa144_0_9:notes"/>
-          <p:cNvSpPr txBox="1"/>
+          <p:cNvSpPr txBox="1">
+            <a:spLocks noGrp="1"/>
+          </p:cNvSpPr>
           <p:nvPr>
-            <p:ph idx="1" type="body"/>
+            <p:ph type="body" idx="1"/>
           </p:nvPr>
         </p:nvSpPr>
         <p:spPr>
@@ -975,12 +1118,12 @@
           </a:prstGeom>
         </p:spPr>
         <p:txBody>
-          <a:bodyPr anchorCtr="0" anchor="t" bIns="91425" lIns="91425" spcFirstLastPara="1" rIns="91425" wrap="square" tIns="91425">
+          <a:bodyPr spcFirstLastPara="1" wrap="square" lIns="91425" tIns="91425" rIns="91425" bIns="91425" anchor="t" anchorCtr="0">
             <a:noAutofit/>
           </a:bodyPr>
           <a:lstStyle/>
           <a:p>
-            <a:pPr indent="0" lvl="0" marL="0" rtl="0" algn="l">
+            <a:pPr marL="0" lvl="0" indent="0" algn="l" rtl="0">
               <a:spcBef>
                 <a:spcPts val="0"/>
               </a:spcBef>
@@ -989,9 +1132,6 @@
               </a:spcAft>
               <a:buNone/>
             </a:pPr>
-            <a:r>
-              <a:t/>
-            </a:r>
             <a:endParaRPr/>
           </a:p>
         </p:txBody>
@@ -1004,12 +1144,12 @@
 </p:notes>
 </file>
 
-<file path=ppt/notesSlides/notesSlide4.xml><?xml version="1.0" encoding="utf-8"?>
-<p:notes xmlns:a="http://schemas.openxmlformats.org/drawingml/2006/main" xmlns:r="http://schemas.openxmlformats.org/officeDocument/2006/relationships" xmlns:mc="http://schemas.openxmlformats.org/markup-compatibility/2006" xmlns:mv="urn:schemas-microsoft-com:mac:vml" xmlns:p="http://schemas.openxmlformats.org/presentationml/2006/main" xmlns:c="http://schemas.openxmlformats.org/drawingml/2006/chart" xmlns:dgm="http://schemas.openxmlformats.org/drawingml/2006/diagram" xmlns:o="urn:schemas-microsoft-com:office:office" xmlns:v="urn:schemas-microsoft-com:vml" xmlns:pvml="urn:schemas-microsoft-com:office:powerpoint" xmlns:com="http://schemas.openxmlformats.org/drawingml/2006/compatibility" xmlns:p14="http://schemas.microsoft.com/office/powerpoint/2010/main" xmlns:p15="http://schemas.microsoft.com/office/powerpoint/2012/main" xmlns:ahyp="http://schemas.microsoft.com/office/drawing/2018/hyperlinkcolor" showMasterPhAnim="0" showMasterSp="0">
+<file path=ppt/notesSlides/notesSlide5.xml><?xml version="1.0" encoding="utf-8"?>
+<p:notes xmlns:a="http://schemas.openxmlformats.org/drawingml/2006/main" xmlns:r="http://schemas.openxmlformats.org/officeDocument/2006/relationships" xmlns:p="http://schemas.openxmlformats.org/presentationml/2006/main" showMasterSp="0" showMasterPhAnim="0">
   <p:cSld>
     <p:spTree>
       <p:nvGrpSpPr>
-        <p:cNvPr id="80" name="Shape 80"/>
+        <p:cNvPr id="1" name="Shape 80"/>
         <p:cNvGrpSpPr/>
         <p:nvPr/>
       </p:nvGrpSpPr>
@@ -1024,9 +1164,11 @@
       <p:sp>
         <p:nvSpPr>
           <p:cNvPr id="81" name="Google Shape;81;gc6875fa144_0_15:notes"/>
-          <p:cNvSpPr/>
+          <p:cNvSpPr>
+            <a:spLocks noGrp="1" noRot="1" noChangeAspect="1"/>
+          </p:cNvSpPr>
           <p:nvPr>
-            <p:ph idx="2" type="sldImg"/>
+            <p:ph type="sldImg" idx="2"/>
           </p:nvPr>
         </p:nvSpPr>
         <p:spPr>
@@ -1035,9 +1177,13 @@
             <a:ext cx="6096000" cy="3429000"/>
           </a:xfrm>
           <a:custGeom>
-            <a:rect b="b" l="l" r="r" t="t"/>
+            <a:avLst/>
+            <a:gdLst/>
+            <a:ahLst/>
+            <a:cxnLst/>
+            <a:rect l="l" t="t" r="r" b="b"/>
             <a:pathLst>
-              <a:path extrusionOk="0" h="120000" w="120000">
+              <a:path w="120000" h="120000" extrusionOk="0">
                 <a:moveTo>
                   <a:pt x="0" y="0"/>
                 </a:moveTo>
@@ -1059,9 +1205,11 @@
       <p:sp>
         <p:nvSpPr>
           <p:cNvPr id="82" name="Google Shape;82;gc6875fa144_0_15:notes"/>
-          <p:cNvSpPr txBox="1"/>
+          <p:cNvSpPr txBox="1">
+            <a:spLocks noGrp="1"/>
+          </p:cNvSpPr>
           <p:nvPr>
-            <p:ph idx="1" type="body"/>
+            <p:ph type="body" idx="1"/>
           </p:nvPr>
         </p:nvSpPr>
         <p:spPr>
@@ -1074,12 +1222,12 @@
           </a:prstGeom>
         </p:spPr>
         <p:txBody>
-          <a:bodyPr anchorCtr="0" anchor="t" bIns="91425" lIns="91425" spcFirstLastPara="1" rIns="91425" wrap="square" tIns="91425">
+          <a:bodyPr spcFirstLastPara="1" wrap="square" lIns="91425" tIns="91425" rIns="91425" bIns="91425" anchor="t" anchorCtr="0">
             <a:noAutofit/>
           </a:bodyPr>
           <a:lstStyle/>
           <a:p>
-            <a:pPr indent="0" lvl="0" marL="0" rtl="0" algn="l">
+            <a:pPr marL="0" lvl="0" indent="0" algn="l" rtl="0">
               <a:spcBef>
                 <a:spcPts val="0"/>
               </a:spcBef>
@@ -1088,9 +1236,6 @@
               </a:spcAft>
               <a:buNone/>
             </a:pPr>
-            <a:r>
-              <a:t/>
-            </a:r>
             <a:endParaRPr/>
           </a:p>
         </p:txBody>
@@ -1103,12 +1248,12 @@
 </p:notes>
 </file>
 
-<file path=ppt/notesSlides/notesSlide5.xml><?xml version="1.0" encoding="utf-8"?>
-<p:notes xmlns:a="http://schemas.openxmlformats.org/drawingml/2006/main" xmlns:r="http://schemas.openxmlformats.org/officeDocument/2006/relationships" xmlns:mc="http://schemas.openxmlformats.org/markup-compatibility/2006" xmlns:mv="urn:schemas-microsoft-com:mac:vml" xmlns:p="http://schemas.openxmlformats.org/presentationml/2006/main" xmlns:c="http://schemas.openxmlformats.org/drawingml/2006/chart" xmlns:dgm="http://schemas.openxmlformats.org/drawingml/2006/diagram" xmlns:o="urn:schemas-microsoft-com:office:office" xmlns:v="urn:schemas-microsoft-com:vml" xmlns:pvml="urn:schemas-microsoft-com:office:powerpoint" xmlns:com="http://schemas.openxmlformats.org/drawingml/2006/compatibility" xmlns:p14="http://schemas.microsoft.com/office/powerpoint/2010/main" xmlns:p15="http://schemas.microsoft.com/office/powerpoint/2012/main" xmlns:ahyp="http://schemas.microsoft.com/office/drawing/2018/hyperlinkcolor" showMasterPhAnim="0" showMasterSp="0">
+<file path=ppt/notesSlides/notesSlide6.xml><?xml version="1.0" encoding="utf-8"?>
+<p:notes xmlns:a="http://schemas.openxmlformats.org/drawingml/2006/main" xmlns:r="http://schemas.openxmlformats.org/officeDocument/2006/relationships" xmlns:p="http://schemas.openxmlformats.org/presentationml/2006/main" showMasterSp="0" showMasterPhAnim="0">
   <p:cSld>
     <p:spTree>
       <p:nvGrpSpPr>
-        <p:cNvPr id="86" name="Shape 86"/>
+        <p:cNvPr id="1" name="Shape 86"/>
         <p:cNvGrpSpPr/>
         <p:nvPr/>
       </p:nvGrpSpPr>
@@ -1123,20 +1268,26 @@
       <p:sp>
         <p:nvSpPr>
           <p:cNvPr id="87" name="Google Shape;87;gc6875fa144_0_21:notes"/>
-          <p:cNvSpPr/>
+          <p:cNvSpPr>
+            <a:spLocks noGrp="1" noRot="1" noChangeAspect="1"/>
+          </p:cNvSpPr>
           <p:nvPr>
-            <p:ph idx="2" type="sldImg"/>
+            <p:ph type="sldImg" idx="2"/>
           </p:nvPr>
         </p:nvSpPr>
         <p:spPr>
           <a:xfrm>
-            <a:off x="381300" y="685800"/>
+            <a:off x="381000" y="685800"/>
             <a:ext cx="6096000" cy="3429000"/>
           </a:xfrm>
           <a:custGeom>
-            <a:rect b="b" l="l" r="r" t="t"/>
+            <a:avLst/>
+            <a:gdLst/>
+            <a:ahLst/>
+            <a:cxnLst/>
+            <a:rect l="l" t="t" r="r" b="b"/>
             <a:pathLst>
-              <a:path extrusionOk="0" h="120000" w="120000">
+              <a:path w="120000" h="120000" extrusionOk="0">
                 <a:moveTo>
                   <a:pt x="0" y="0"/>
                 </a:moveTo>
@@ -1158,9 +1309,11 @@
       <p:sp>
         <p:nvSpPr>
           <p:cNvPr id="88" name="Google Shape;88;gc6875fa144_0_21:notes"/>
-          <p:cNvSpPr txBox="1"/>
+          <p:cNvSpPr txBox="1">
+            <a:spLocks noGrp="1"/>
+          </p:cNvSpPr>
           <p:nvPr>
-            <p:ph idx="1" type="body"/>
+            <p:ph type="body" idx="1"/>
           </p:nvPr>
         </p:nvSpPr>
         <p:spPr>
@@ -1173,12 +1326,12 @@
           </a:prstGeom>
         </p:spPr>
         <p:txBody>
-          <a:bodyPr anchorCtr="0" anchor="t" bIns="91425" lIns="91425" spcFirstLastPara="1" rIns="91425" wrap="square" tIns="91425">
+          <a:bodyPr spcFirstLastPara="1" wrap="square" lIns="91425" tIns="91425" rIns="91425" bIns="91425" anchor="t" anchorCtr="0">
             <a:noAutofit/>
           </a:bodyPr>
           <a:lstStyle/>
           <a:p>
-            <a:pPr indent="0" lvl="0" marL="0" rtl="0" algn="l">
+            <a:pPr marL="0" lvl="0" indent="0" algn="l" rtl="0">
               <a:spcBef>
                 <a:spcPts val="0"/>
               </a:spcBef>
@@ -1187,9 +1340,6 @@
               </a:spcAft>
               <a:buNone/>
             </a:pPr>
-            <a:r>
-              <a:t/>
-            </a:r>
             <a:endParaRPr/>
           </a:p>
         </p:txBody>
@@ -1202,12 +1352,12 @@
 </p:notes>
 </file>
 
-<file path=ppt/notesSlides/notesSlide6.xml><?xml version="1.0" encoding="utf-8"?>
-<p:notes xmlns:a="http://schemas.openxmlformats.org/drawingml/2006/main" xmlns:r="http://schemas.openxmlformats.org/officeDocument/2006/relationships" xmlns:mc="http://schemas.openxmlformats.org/markup-compatibility/2006" xmlns:mv="urn:schemas-microsoft-com:mac:vml" xmlns:p="http://schemas.openxmlformats.org/presentationml/2006/main" xmlns:c="http://schemas.openxmlformats.org/drawingml/2006/chart" xmlns:dgm="http://schemas.openxmlformats.org/drawingml/2006/diagram" xmlns:o="urn:schemas-microsoft-com:office:office" xmlns:v="urn:schemas-microsoft-com:vml" xmlns:pvml="urn:schemas-microsoft-com:office:powerpoint" xmlns:com="http://schemas.openxmlformats.org/drawingml/2006/compatibility" xmlns:p14="http://schemas.microsoft.com/office/powerpoint/2010/main" xmlns:p15="http://schemas.microsoft.com/office/powerpoint/2012/main" xmlns:ahyp="http://schemas.microsoft.com/office/drawing/2018/hyperlinkcolor" showMasterPhAnim="0" showMasterSp="0">
+<file path=ppt/notesSlides/notesSlide7.xml><?xml version="1.0" encoding="utf-8"?>
+<p:notes xmlns:a="http://schemas.openxmlformats.org/drawingml/2006/main" xmlns:r="http://schemas.openxmlformats.org/officeDocument/2006/relationships" xmlns:p="http://schemas.openxmlformats.org/presentationml/2006/main" showMasterSp="0" showMasterPhAnim="0">
   <p:cSld>
     <p:spTree>
       <p:nvGrpSpPr>
-        <p:cNvPr id="92" name="Shape 92"/>
+        <p:cNvPr id="1" name="Shape 92"/>
         <p:cNvGrpSpPr/>
         <p:nvPr/>
       </p:nvGrpSpPr>
@@ -1222,20 +1372,26 @@
       <p:sp>
         <p:nvSpPr>
           <p:cNvPr id="93" name="Google Shape;93;gc6875fa144_0_330:notes"/>
-          <p:cNvSpPr/>
+          <p:cNvSpPr>
+            <a:spLocks noGrp="1" noRot="1" noChangeAspect="1"/>
+          </p:cNvSpPr>
           <p:nvPr>
-            <p:ph idx="2" type="sldImg"/>
+            <p:ph type="sldImg" idx="2"/>
           </p:nvPr>
         </p:nvSpPr>
         <p:spPr>
           <a:xfrm>
-            <a:off x="381300" y="685800"/>
+            <a:off x="381000" y="685800"/>
             <a:ext cx="6096000" cy="3429000"/>
           </a:xfrm>
           <a:custGeom>
-            <a:rect b="b" l="l" r="r" t="t"/>
+            <a:avLst/>
+            <a:gdLst/>
+            <a:ahLst/>
+            <a:cxnLst/>
+            <a:rect l="l" t="t" r="r" b="b"/>
             <a:pathLst>
-              <a:path extrusionOk="0" h="120000" w="120000">
+              <a:path w="120000" h="120000" extrusionOk="0">
                 <a:moveTo>
                   <a:pt x="0" y="0"/>
                 </a:moveTo>
@@ -1257,9 +1413,11 @@
       <p:sp>
         <p:nvSpPr>
           <p:cNvPr id="94" name="Google Shape;94;gc6875fa144_0_330:notes"/>
-          <p:cNvSpPr txBox="1"/>
+          <p:cNvSpPr txBox="1">
+            <a:spLocks noGrp="1"/>
+          </p:cNvSpPr>
           <p:nvPr>
-            <p:ph idx="1" type="body"/>
+            <p:ph type="body" idx="1"/>
           </p:nvPr>
         </p:nvSpPr>
         <p:spPr>
@@ -1272,12 +1430,12 @@
           </a:prstGeom>
         </p:spPr>
         <p:txBody>
-          <a:bodyPr anchorCtr="0" anchor="t" bIns="91425" lIns="91425" spcFirstLastPara="1" rIns="91425" wrap="square" tIns="91425">
+          <a:bodyPr spcFirstLastPara="1" wrap="square" lIns="91425" tIns="91425" rIns="91425" bIns="91425" anchor="t" anchorCtr="0">
             <a:noAutofit/>
           </a:bodyPr>
           <a:lstStyle/>
           <a:p>
-            <a:pPr indent="0" lvl="0" marL="0" rtl="0" algn="l">
+            <a:pPr marL="0" lvl="0" indent="0" algn="l" rtl="0">
               <a:spcBef>
                 <a:spcPts val="0"/>
               </a:spcBef>
@@ -1286,9 +1444,6 @@
               </a:spcAft>
               <a:buNone/>
             </a:pPr>
-            <a:r>
-              <a:t/>
-            </a:r>
             <a:endParaRPr/>
           </a:p>
         </p:txBody>
@@ -1301,12 +1456,12 @@
 </p:notes>
 </file>
 
-<file path=ppt/notesSlides/notesSlide7.xml><?xml version="1.0" encoding="utf-8"?>
-<p:notes xmlns:a="http://schemas.openxmlformats.org/drawingml/2006/main" xmlns:r="http://schemas.openxmlformats.org/officeDocument/2006/relationships" xmlns:mc="http://schemas.openxmlformats.org/markup-compatibility/2006" xmlns:mv="urn:schemas-microsoft-com:mac:vml" xmlns:p="http://schemas.openxmlformats.org/presentationml/2006/main" xmlns:c="http://schemas.openxmlformats.org/drawingml/2006/chart" xmlns:dgm="http://schemas.openxmlformats.org/drawingml/2006/diagram" xmlns:o="urn:schemas-microsoft-com:office:office" xmlns:v="urn:schemas-microsoft-com:vml" xmlns:pvml="urn:schemas-microsoft-com:office:powerpoint" xmlns:com="http://schemas.openxmlformats.org/drawingml/2006/compatibility" xmlns:p14="http://schemas.microsoft.com/office/powerpoint/2010/main" xmlns:p15="http://schemas.microsoft.com/office/powerpoint/2012/main" xmlns:ahyp="http://schemas.microsoft.com/office/drawing/2018/hyperlinkcolor" showMasterPhAnim="0" showMasterSp="0">
+<file path=ppt/notesSlides/notesSlide8.xml><?xml version="1.0" encoding="utf-8"?>
+<p:notes xmlns:a="http://schemas.openxmlformats.org/drawingml/2006/main" xmlns:r="http://schemas.openxmlformats.org/officeDocument/2006/relationships" xmlns:p="http://schemas.openxmlformats.org/presentationml/2006/main" showMasterSp="0" showMasterPhAnim="0">
   <p:cSld>
     <p:spTree>
       <p:nvGrpSpPr>
-        <p:cNvPr id="98" name="Shape 98"/>
+        <p:cNvPr id="1" name="Shape 98"/>
         <p:cNvGrpSpPr/>
         <p:nvPr/>
       </p:nvGrpSpPr>
@@ -1321,20 +1476,26 @@
       <p:sp>
         <p:nvSpPr>
           <p:cNvPr id="99" name="Google Shape;99;gc6875fa144_0_325:notes"/>
-          <p:cNvSpPr/>
+          <p:cNvSpPr>
+            <a:spLocks noGrp="1" noRot="1" noChangeAspect="1"/>
+          </p:cNvSpPr>
           <p:nvPr>
-            <p:ph idx="2" type="sldImg"/>
+            <p:ph type="sldImg" idx="2"/>
           </p:nvPr>
         </p:nvSpPr>
         <p:spPr>
           <a:xfrm>
-            <a:off x="381300" y="685800"/>
+            <a:off x="381000" y="685800"/>
             <a:ext cx="6096000" cy="3429000"/>
           </a:xfrm>
           <a:custGeom>
-            <a:rect b="b" l="l" r="r" t="t"/>
+            <a:avLst/>
+            <a:gdLst/>
+            <a:ahLst/>
+            <a:cxnLst/>
+            <a:rect l="l" t="t" r="r" b="b"/>
             <a:pathLst>
-              <a:path extrusionOk="0" h="120000" w="120000">
+              <a:path w="120000" h="120000" extrusionOk="0">
                 <a:moveTo>
                   <a:pt x="0" y="0"/>
                 </a:moveTo>
@@ -1356,9 +1517,11 @@
       <p:sp>
         <p:nvSpPr>
           <p:cNvPr id="100" name="Google Shape;100;gc6875fa144_0_325:notes"/>
-          <p:cNvSpPr txBox="1"/>
+          <p:cNvSpPr txBox="1">
+            <a:spLocks noGrp="1"/>
+          </p:cNvSpPr>
           <p:nvPr>
-            <p:ph idx="1" type="body"/>
+            <p:ph type="body" idx="1"/>
           </p:nvPr>
         </p:nvSpPr>
         <p:spPr>
@@ -1371,12 +1534,12 @@
           </a:prstGeom>
         </p:spPr>
         <p:txBody>
-          <a:bodyPr anchorCtr="0" anchor="t" bIns="91425" lIns="91425" spcFirstLastPara="1" rIns="91425" wrap="square" tIns="91425">
+          <a:bodyPr spcFirstLastPara="1" wrap="square" lIns="91425" tIns="91425" rIns="91425" bIns="91425" anchor="t" anchorCtr="0">
             <a:noAutofit/>
           </a:bodyPr>
           <a:lstStyle/>
           <a:p>
-            <a:pPr indent="0" lvl="0" marL="0" rtl="0" algn="l">
+            <a:pPr marL="0" lvl="0" indent="0" algn="l" rtl="0">
               <a:spcBef>
                 <a:spcPts val="0"/>
               </a:spcBef>
@@ -1385,9 +1548,6 @@
               </a:spcAft>
               <a:buNone/>
             </a:pPr>
-            <a:r>
-              <a:t/>
-            </a:r>
             <a:endParaRPr/>
           </a:p>
         </p:txBody>
@@ -1400,12 +1560,12 @@
 </p:notes>
 </file>
 
-<file path=ppt/notesSlides/notesSlide8.xml><?xml version="1.0" encoding="utf-8"?>
-<p:notes xmlns:a="http://schemas.openxmlformats.org/drawingml/2006/main" xmlns:r="http://schemas.openxmlformats.org/officeDocument/2006/relationships" xmlns:mc="http://schemas.openxmlformats.org/markup-compatibility/2006" xmlns:mv="urn:schemas-microsoft-com:mac:vml" xmlns:p="http://schemas.openxmlformats.org/presentationml/2006/main" xmlns:c="http://schemas.openxmlformats.org/drawingml/2006/chart" xmlns:dgm="http://schemas.openxmlformats.org/drawingml/2006/diagram" xmlns:o="urn:schemas-microsoft-com:office:office" xmlns:v="urn:schemas-microsoft-com:vml" xmlns:pvml="urn:schemas-microsoft-com:office:powerpoint" xmlns:com="http://schemas.openxmlformats.org/drawingml/2006/compatibility" xmlns:p14="http://schemas.microsoft.com/office/powerpoint/2010/main" xmlns:p15="http://schemas.microsoft.com/office/powerpoint/2012/main" xmlns:ahyp="http://schemas.microsoft.com/office/drawing/2018/hyperlinkcolor" showMasterPhAnim="0" showMasterSp="0">
+<file path=ppt/notesSlides/notesSlide9.xml><?xml version="1.0" encoding="utf-8"?>
+<p:notes xmlns:a="http://schemas.openxmlformats.org/drawingml/2006/main" xmlns:r="http://schemas.openxmlformats.org/officeDocument/2006/relationships" xmlns:p="http://schemas.openxmlformats.org/presentationml/2006/main" showMasterSp="0" showMasterPhAnim="0">
   <p:cSld>
     <p:spTree>
       <p:nvGrpSpPr>
-        <p:cNvPr id="105" name="Shape 105"/>
+        <p:cNvPr id="1" name="Shape 105"/>
         <p:cNvGrpSpPr/>
         <p:nvPr/>
       </p:nvGrpSpPr>
@@ -1420,9 +1580,11 @@
       <p:sp>
         <p:nvSpPr>
           <p:cNvPr id="106" name="Google Shape;106;gc6875fa144_0_336:notes"/>
-          <p:cNvSpPr/>
+          <p:cNvSpPr>
+            <a:spLocks noGrp="1" noRot="1" noChangeAspect="1"/>
+          </p:cNvSpPr>
           <p:nvPr>
-            <p:ph idx="2" type="sldImg"/>
+            <p:ph type="sldImg" idx="2"/>
           </p:nvPr>
         </p:nvSpPr>
         <p:spPr>
@@ -1431,9 +1593,13 @@
             <a:ext cx="6096000" cy="3429000"/>
           </a:xfrm>
           <a:custGeom>
-            <a:rect b="b" l="l" r="r" t="t"/>
+            <a:avLst/>
+            <a:gdLst/>
+            <a:ahLst/>
+            <a:cxnLst/>
+            <a:rect l="l" t="t" r="r" b="b"/>
             <a:pathLst>
-              <a:path extrusionOk="0" h="120000" w="120000">
+              <a:path w="120000" h="120000" extrusionOk="0">
                 <a:moveTo>
                   <a:pt x="0" y="0"/>
                 </a:moveTo>
@@ -1455,9 +1621,11 @@
       <p:sp>
         <p:nvSpPr>
           <p:cNvPr id="107" name="Google Shape;107;gc6875fa144_0_336:notes"/>
-          <p:cNvSpPr txBox="1"/>
+          <p:cNvSpPr txBox="1">
+            <a:spLocks noGrp="1"/>
+          </p:cNvSpPr>
           <p:nvPr>
-            <p:ph idx="1" type="body"/>
+            <p:ph type="body" idx="1"/>
           </p:nvPr>
         </p:nvSpPr>
         <p:spPr>
@@ -1470,12 +1638,12 @@
           </a:prstGeom>
         </p:spPr>
         <p:txBody>
-          <a:bodyPr anchorCtr="0" anchor="t" bIns="91425" lIns="91425" spcFirstLastPara="1" rIns="91425" wrap="square" tIns="91425">
+          <a:bodyPr spcFirstLastPara="1" wrap="square" lIns="91425" tIns="91425" rIns="91425" bIns="91425" anchor="t" anchorCtr="0">
             <a:noAutofit/>
           </a:bodyPr>
           <a:lstStyle/>
           <a:p>
-            <a:pPr indent="0" lvl="0" marL="0" rtl="0" algn="l">
+            <a:pPr marL="0" lvl="0" indent="0" algn="l" rtl="0">
               <a:spcBef>
                 <a:spcPts val="0"/>
               </a:spcBef>
@@ -1484,9 +1652,6 @@
               </a:spcAft>
               <a:buNone/>
             </a:pPr>
-            <a:r>
-              <a:t/>
-            </a:r>
             <a:endParaRPr/>
           </a:p>
         </p:txBody>
@@ -1500,11 +1665,11 @@
 </file>
 
 <file path=ppt/slideLayouts/slideLayout1.xml><?xml version="1.0" encoding="utf-8"?>
-<p:sldLayout xmlns:a="http://schemas.openxmlformats.org/drawingml/2006/main" xmlns:r="http://schemas.openxmlformats.org/officeDocument/2006/relationships" xmlns:mc="http://schemas.openxmlformats.org/markup-compatibility/2006" xmlns:mv="urn:schemas-microsoft-com:mac:vml" xmlns:p="http://schemas.openxmlformats.org/presentationml/2006/main" xmlns:c="http://schemas.openxmlformats.org/drawingml/2006/chart" xmlns:dgm="http://schemas.openxmlformats.org/drawingml/2006/diagram" xmlns:o="urn:schemas-microsoft-com:office:office" xmlns:v="urn:schemas-microsoft-com:vml" xmlns:pvml="urn:schemas-microsoft-com:office:powerpoint" xmlns:com="http://schemas.openxmlformats.org/drawingml/2006/compatibility" xmlns:p14="http://schemas.microsoft.com/office/powerpoint/2010/main" xmlns:p15="http://schemas.microsoft.com/office/powerpoint/2012/main" xmlns:ahyp="http://schemas.microsoft.com/office/drawing/2018/hyperlinkcolor" matchingName="Title slide" type="title">
+<p:sldLayout xmlns:a="http://schemas.openxmlformats.org/drawingml/2006/main" xmlns:r="http://schemas.openxmlformats.org/officeDocument/2006/relationships" xmlns:p="http://schemas.openxmlformats.org/presentationml/2006/main" matchingName="Title slide" type="title">
   <p:cSld name="TITLE">
     <p:spTree>
       <p:nvGrpSpPr>
-        <p:cNvPr id="9" name="Shape 9"/>
+        <p:cNvPr id="1" name="Shape 9"/>
         <p:cNvGrpSpPr/>
         <p:nvPr/>
       </p:nvGrpSpPr>
@@ -1531,14 +1696,14 @@
             <a:avLst/>
           </a:prstGeom>
           <a:noFill/>
-          <a:ln cap="flat" cmpd="sng" w="76200">
+          <a:ln w="76200" cap="flat" cmpd="sng">
             <a:solidFill>
               <a:schemeClr val="lt2"/>
             </a:solidFill>
             <a:prstDash val="solid"/>
             <a:round/>
-            <a:headEnd len="sm" w="sm" type="none"/>
-            <a:tailEnd len="sm" w="sm" type="none"/>
+            <a:headEnd type="none" w="sm" len="sm"/>
+            <a:tailEnd type="none" w="sm" len="sm"/>
           </a:ln>
         </p:spPr>
       </p:cxnSp>
@@ -1557,14 +1722,14 @@
             <a:avLst/>
           </a:prstGeom>
           <a:noFill/>
-          <a:ln cap="flat" cmpd="sng" w="76200">
+          <a:ln w="76200" cap="flat" cmpd="sng">
             <a:solidFill>
               <a:schemeClr val="lt2"/>
             </a:solidFill>
             <a:prstDash val="solid"/>
             <a:round/>
-            <a:headEnd len="sm" w="sm" type="none"/>
-            <a:tailEnd len="sm" w="sm" type="none"/>
+            <a:headEnd type="none" w="sm" len="sm"/>
+            <a:tailEnd type="none" w="sm" len="sm"/>
           </a:ln>
         </p:spPr>
       </p:cxnSp>
@@ -1597,14 +1762,14 @@
               <a:avLst/>
             </a:prstGeom>
             <a:noFill/>
-            <a:ln cap="flat" cmpd="sng" w="76200">
+            <a:ln w="76200" cap="flat" cmpd="sng">
               <a:solidFill>
                 <a:schemeClr val="accent3"/>
               </a:solidFill>
               <a:prstDash val="solid"/>
               <a:round/>
-              <a:headEnd len="sm" w="sm" type="none"/>
-              <a:tailEnd len="sm" w="sm" type="none"/>
+              <a:headEnd type="none" w="sm" len="sm"/>
+              <a:tailEnd type="none" w="sm" len="sm"/>
             </a:ln>
           </p:spPr>
         </p:cxnSp>
@@ -1623,14 +1788,14 @@
               <a:avLst/>
             </a:prstGeom>
             <a:noFill/>
-            <a:ln cap="flat" cmpd="sng" w="9525">
+            <a:ln w="9525" cap="flat" cmpd="sng">
               <a:solidFill>
                 <a:schemeClr val="accent3"/>
               </a:solidFill>
               <a:prstDash val="solid"/>
               <a:round/>
-              <a:headEnd len="sm" w="sm" type="none"/>
-              <a:tailEnd len="sm" w="sm" type="none"/>
+              <a:headEnd type="none" w="sm" len="sm"/>
+              <a:tailEnd type="none" w="sm" len="sm"/>
             </a:ln>
           </p:spPr>
         </p:cxnSp>
@@ -1664,14 +1829,14 @@
               <a:avLst/>
             </a:prstGeom>
             <a:noFill/>
-            <a:ln cap="flat" cmpd="sng" w="76200">
+            <a:ln w="76200" cap="flat" cmpd="sng">
               <a:solidFill>
                 <a:schemeClr val="accent3"/>
               </a:solidFill>
               <a:prstDash val="solid"/>
               <a:round/>
-              <a:headEnd len="sm" w="sm" type="none"/>
-              <a:tailEnd len="sm" w="sm" type="none"/>
+              <a:headEnd type="none" w="sm" len="sm"/>
+              <a:tailEnd type="none" w="sm" len="sm"/>
             </a:ln>
           </p:spPr>
         </p:cxnSp>
@@ -1690,14 +1855,14 @@
               <a:avLst/>
             </a:prstGeom>
             <a:noFill/>
-            <a:ln cap="flat" cmpd="sng" w="9525">
+            <a:ln w="9525" cap="flat" cmpd="sng">
               <a:solidFill>
                 <a:schemeClr val="accent3"/>
               </a:solidFill>
               <a:prstDash val="solid"/>
               <a:round/>
-              <a:headEnd len="sm" w="sm" type="none"/>
-              <a:tailEnd len="sm" w="sm" type="none"/>
+              <a:headEnd type="none" w="sm" len="sm"/>
+              <a:tailEnd type="none" w="sm" len="sm"/>
             </a:ln>
           </p:spPr>
         </p:cxnSp>
@@ -1705,7 +1870,9 @@
       <p:sp>
         <p:nvSpPr>
           <p:cNvPr id="18" name="Google Shape;18;p2"/>
-          <p:cNvSpPr txBox="1"/>
+          <p:cNvSpPr txBox="1">
+            <a:spLocks noGrp="1"/>
+          </p:cNvSpPr>
           <p:nvPr>
             <p:ph type="ctrTitle"/>
           </p:nvPr>
@@ -1720,7 +1887,7 @@
           </a:prstGeom>
         </p:spPr>
         <p:txBody>
-          <a:bodyPr anchorCtr="0" anchor="b" bIns="91425" lIns="91425" spcFirstLastPara="1" rIns="91425" wrap="square" tIns="91425">
+          <a:bodyPr spcFirstLastPara="1" wrap="square" lIns="91425" tIns="91425" rIns="91425" bIns="91425" anchor="b" anchorCtr="0">
             <a:normAutofit/>
           </a:bodyPr>
           <a:lstStyle>
@@ -1824,15 +1991,19 @@
               <a:defRPr sz="5400"/>
             </a:lvl9pPr>
           </a:lstStyle>
-          <a:p/>
+          <a:p>
+            <a:endParaRPr/>
+          </a:p>
         </p:txBody>
       </p:sp>
       <p:sp>
         <p:nvSpPr>
           <p:cNvPr id="19" name="Google Shape;19;p2"/>
-          <p:cNvSpPr txBox="1"/>
+          <p:cNvSpPr txBox="1">
+            <a:spLocks noGrp="1"/>
+          </p:cNvSpPr>
           <p:nvPr>
-            <p:ph idx="1" type="subTitle"/>
+            <p:ph type="subTitle" idx="1"/>
           </p:nvPr>
         </p:nvSpPr>
         <p:spPr>
@@ -1845,7 +2016,7 @@
           </a:prstGeom>
         </p:spPr>
         <p:txBody>
-          <a:bodyPr anchorCtr="0" anchor="t" bIns="91425" lIns="91425" spcFirstLastPara="1" rIns="91425" wrap="square" tIns="91425">
+          <a:bodyPr spcFirstLastPara="1" wrap="square" lIns="91425" tIns="91425" rIns="91425" bIns="91425" anchor="t" anchorCtr="0">
             <a:normAutofit/>
           </a:bodyPr>
           <a:lstStyle>
@@ -1976,15 +2147,19 @@
               <a:defRPr sz="2400"/>
             </a:lvl9pPr>
           </a:lstStyle>
-          <a:p/>
+          <a:p>
+            <a:endParaRPr/>
+          </a:p>
         </p:txBody>
       </p:sp>
       <p:sp>
         <p:nvSpPr>
           <p:cNvPr id="20" name="Google Shape;20;p2"/>
-          <p:cNvSpPr txBox="1"/>
+          <p:cNvSpPr txBox="1">
+            <a:spLocks noGrp="1"/>
+          </p:cNvSpPr>
           <p:nvPr>
-            <p:ph idx="12" type="sldNum"/>
+            <p:ph type="sldNum" idx="12"/>
           </p:nvPr>
         </p:nvSpPr>
         <p:spPr>
@@ -1997,7 +2172,7 @@
           </a:prstGeom>
         </p:spPr>
         <p:txBody>
-          <a:bodyPr anchorCtr="0" anchor="ctr" bIns="91425" lIns="91425" spcFirstLastPara="1" rIns="91425" wrap="square" tIns="91425">
+          <a:bodyPr spcFirstLastPara="1" wrap="square" lIns="91425" tIns="91425" rIns="91425" bIns="91425" anchor="ctr" anchorCtr="0">
             <a:normAutofit/>
           </a:bodyPr>
           <a:lstStyle>
@@ -2039,7 +2214,7 @@
             </a:lvl9pPr>
           </a:lstStyle>
           <a:p>
-            <a:pPr indent="0" lvl="0" marL="0" rtl="0" algn="r">
+            <a:pPr marL="0" lvl="0" indent="0" algn="r" rtl="0">
               <a:spcBef>
                 <a:spcPts val="0"/>
               </a:spcBef>
@@ -2065,11 +2240,11 @@
 </file>
 
 <file path=ppt/slideLayouts/slideLayout10.xml><?xml version="1.0" encoding="utf-8"?>
-<p:sldLayout xmlns:a="http://schemas.openxmlformats.org/drawingml/2006/main" xmlns:r="http://schemas.openxmlformats.org/officeDocument/2006/relationships" xmlns:mc="http://schemas.openxmlformats.org/markup-compatibility/2006" xmlns:mv="urn:schemas-microsoft-com:mac:vml" xmlns:p="http://schemas.openxmlformats.org/presentationml/2006/main" xmlns:c="http://schemas.openxmlformats.org/drawingml/2006/chart" xmlns:dgm="http://schemas.openxmlformats.org/drawingml/2006/diagram" xmlns:o="urn:schemas-microsoft-com:office:office" xmlns:v="urn:schemas-microsoft-com:vml" xmlns:pvml="urn:schemas-microsoft-com:office:powerpoint" xmlns:com="http://schemas.openxmlformats.org/drawingml/2006/compatibility" xmlns:p14="http://schemas.microsoft.com/office/powerpoint/2010/main" xmlns:p15="http://schemas.microsoft.com/office/powerpoint/2012/main" xmlns:ahyp="http://schemas.microsoft.com/office/drawing/2018/hyperlinkcolor" matchingName="Big number">
+<p:sldLayout xmlns:a="http://schemas.openxmlformats.org/drawingml/2006/main" xmlns:r="http://schemas.openxmlformats.org/officeDocument/2006/relationships" xmlns:p="http://schemas.openxmlformats.org/presentationml/2006/main" matchingName="Big number">
   <p:cSld name="BIG_NUMBER">
     <p:spTree>
       <p:nvGrpSpPr>
-        <p:cNvPr id="55" name="Shape 55"/>
+        <p:cNvPr id="1" name="Shape 55"/>
         <p:cNvGrpSpPr/>
         <p:nvPr/>
       </p:nvGrpSpPr>
@@ -2103,12 +2278,12 @@
           </a:ln>
         </p:spPr>
         <p:txBody>
-          <a:bodyPr anchorCtr="0" anchor="ctr" bIns="91425" lIns="91425" spcFirstLastPara="1" rIns="91425" wrap="square" tIns="91425">
+          <a:bodyPr spcFirstLastPara="1" wrap="square" lIns="91425" tIns="91425" rIns="91425" bIns="91425" anchor="ctr" anchorCtr="0">
             <a:noAutofit/>
           </a:bodyPr>
           <a:lstStyle/>
           <a:p>
-            <a:pPr indent="0" lvl="0" marL="0" rtl="0" algn="l">
+            <a:pPr marL="0" lvl="0" indent="0" algn="l" rtl="0">
               <a:spcBef>
                 <a:spcPts val="0"/>
               </a:spcBef>
@@ -2117,9 +2292,6 @@
               </a:spcAft>
               <a:buNone/>
             </a:pPr>
-            <a:r>
-              <a:t/>
-            </a:r>
             <a:endParaRPr/>
           </a:p>
         </p:txBody>
@@ -2127,9 +2299,11 @@
       <p:sp>
         <p:nvSpPr>
           <p:cNvPr id="57" name="Google Shape;57;p11"/>
-          <p:cNvSpPr txBox="1"/>
+          <p:cNvSpPr txBox="1">
+            <a:spLocks noGrp="1"/>
+          </p:cNvSpPr>
           <p:nvPr>
-            <p:ph hasCustomPrompt="1" type="title"/>
+            <p:ph type="title" hasCustomPrompt="1"/>
           </p:nvPr>
         </p:nvSpPr>
         <p:spPr>
@@ -2142,7 +2316,7 @@
           </a:prstGeom>
         </p:spPr>
         <p:txBody>
-          <a:bodyPr anchorCtr="0" anchor="ctr" bIns="91425" lIns="91425" spcFirstLastPara="1" rIns="91425" wrap="square" tIns="91425">
+          <a:bodyPr spcFirstLastPara="1" wrap="square" lIns="91425" tIns="91425" rIns="91425" bIns="91425" anchor="ctr" anchorCtr="0">
             <a:normAutofit/>
           </a:bodyPr>
           <a:lstStyle>
@@ -2319,9 +2493,11 @@
       <p:sp>
         <p:nvSpPr>
           <p:cNvPr id="58" name="Google Shape;58;p11"/>
-          <p:cNvSpPr txBox="1"/>
+          <p:cNvSpPr txBox="1">
+            <a:spLocks noGrp="1"/>
+          </p:cNvSpPr>
           <p:nvPr>
-            <p:ph idx="1" type="body"/>
+            <p:ph type="body" idx="1"/>
           </p:nvPr>
         </p:nvSpPr>
         <p:spPr>
@@ -2334,11 +2510,11 @@
           </a:prstGeom>
         </p:spPr>
         <p:txBody>
-          <a:bodyPr anchorCtr="0" anchor="t" bIns="91425" lIns="91425" spcFirstLastPara="1" rIns="91425" wrap="square" tIns="91425">
+          <a:bodyPr spcFirstLastPara="1" wrap="square" lIns="91425" tIns="91425" rIns="91425" bIns="91425" anchor="t" anchorCtr="0">
             <a:normAutofit/>
           </a:bodyPr>
           <a:lstStyle>
-            <a:lvl1pPr indent="-342900" lvl="0" marL="457200" algn="ctr">
+            <a:lvl1pPr marL="457200" lvl="0" indent="-342900" algn="ctr">
               <a:spcBef>
                 <a:spcPts val="0"/>
               </a:spcBef>
@@ -2349,7 +2525,7 @@
               <a:buChar char="●"/>
               <a:defRPr/>
             </a:lvl1pPr>
-            <a:lvl2pPr indent="-317500" lvl="1" marL="914400" algn="ctr">
+            <a:lvl2pPr marL="914400" lvl="1" indent="-317500" algn="ctr">
               <a:spcBef>
                 <a:spcPts val="0"/>
               </a:spcBef>
@@ -2360,7 +2536,7 @@
               <a:buChar char="○"/>
               <a:defRPr/>
             </a:lvl2pPr>
-            <a:lvl3pPr indent="-317500" lvl="2" marL="1371600" algn="ctr">
+            <a:lvl3pPr marL="1371600" lvl="2" indent="-317500" algn="ctr">
               <a:spcBef>
                 <a:spcPts val="0"/>
               </a:spcBef>
@@ -2371,7 +2547,7 @@
               <a:buChar char="■"/>
               <a:defRPr/>
             </a:lvl3pPr>
-            <a:lvl4pPr indent="-317500" lvl="3" marL="1828800" algn="ctr">
+            <a:lvl4pPr marL="1828800" lvl="3" indent="-317500" algn="ctr">
               <a:spcBef>
                 <a:spcPts val="0"/>
               </a:spcBef>
@@ -2382,7 +2558,7 @@
               <a:buChar char="●"/>
               <a:defRPr/>
             </a:lvl4pPr>
-            <a:lvl5pPr indent="-317500" lvl="4" marL="2286000" algn="ctr">
+            <a:lvl5pPr marL="2286000" lvl="4" indent="-317500" algn="ctr">
               <a:spcBef>
                 <a:spcPts val="0"/>
               </a:spcBef>
@@ -2393,7 +2569,7 @@
               <a:buChar char="○"/>
               <a:defRPr/>
             </a:lvl5pPr>
-            <a:lvl6pPr indent="-317500" lvl="5" marL="2743200" algn="ctr">
+            <a:lvl6pPr marL="2743200" lvl="5" indent="-317500" algn="ctr">
               <a:spcBef>
                 <a:spcPts val="0"/>
               </a:spcBef>
@@ -2404,7 +2580,7 @@
               <a:buChar char="■"/>
               <a:defRPr/>
             </a:lvl6pPr>
-            <a:lvl7pPr indent="-317500" lvl="6" marL="3200400" algn="ctr">
+            <a:lvl7pPr marL="3200400" lvl="6" indent="-317500" algn="ctr">
               <a:spcBef>
                 <a:spcPts val="0"/>
               </a:spcBef>
@@ -2415,7 +2591,7 @@
               <a:buChar char="●"/>
               <a:defRPr/>
             </a:lvl7pPr>
-            <a:lvl8pPr indent="-317500" lvl="7" marL="3657600" algn="ctr">
+            <a:lvl8pPr marL="3657600" lvl="7" indent="-317500" algn="ctr">
               <a:spcBef>
                 <a:spcPts val="0"/>
               </a:spcBef>
@@ -2426,7 +2602,7 @@
               <a:buChar char="○"/>
               <a:defRPr/>
             </a:lvl8pPr>
-            <a:lvl9pPr indent="-317500" lvl="8" marL="4114800" algn="ctr">
+            <a:lvl9pPr marL="4114800" lvl="8" indent="-317500" algn="ctr">
               <a:spcBef>
                 <a:spcPts val="0"/>
               </a:spcBef>
@@ -2438,15 +2614,19 @@
               <a:defRPr/>
             </a:lvl9pPr>
           </a:lstStyle>
-          <a:p/>
+          <a:p>
+            <a:endParaRPr/>
+          </a:p>
         </p:txBody>
       </p:sp>
       <p:sp>
         <p:nvSpPr>
           <p:cNvPr id="59" name="Google Shape;59;p11"/>
-          <p:cNvSpPr txBox="1"/>
+          <p:cNvSpPr txBox="1">
+            <a:spLocks noGrp="1"/>
+          </p:cNvSpPr>
           <p:nvPr>
-            <p:ph idx="12" type="sldNum"/>
+            <p:ph type="sldNum" idx="12"/>
           </p:nvPr>
         </p:nvSpPr>
         <p:spPr>
@@ -2459,7 +2639,7 @@
           </a:prstGeom>
         </p:spPr>
         <p:txBody>
-          <a:bodyPr anchorCtr="0" anchor="ctr" bIns="91425" lIns="91425" spcFirstLastPara="1" rIns="91425" wrap="square" tIns="91425">
+          <a:bodyPr spcFirstLastPara="1" wrap="square" lIns="91425" tIns="91425" rIns="91425" bIns="91425" anchor="ctr" anchorCtr="0">
             <a:normAutofit/>
           </a:bodyPr>
           <a:lstStyle>
@@ -2501,7 +2681,7 @@
             </a:lvl9pPr>
           </a:lstStyle>
           <a:p>
-            <a:pPr indent="0" lvl="0" marL="0" rtl="0" algn="r">
+            <a:pPr marL="0" lvl="0" indent="0" algn="r" rtl="0">
               <a:spcBef>
                 <a:spcPts val="0"/>
               </a:spcBef>
@@ -2527,11 +2707,11 @@
 </file>
 
 <file path=ppt/slideLayouts/slideLayout11.xml><?xml version="1.0" encoding="utf-8"?>
-<p:sldLayout xmlns:a="http://schemas.openxmlformats.org/drawingml/2006/main" xmlns:r="http://schemas.openxmlformats.org/officeDocument/2006/relationships" xmlns:mc="http://schemas.openxmlformats.org/markup-compatibility/2006" xmlns:mv="urn:schemas-microsoft-com:mac:vml" xmlns:p="http://schemas.openxmlformats.org/presentationml/2006/main" xmlns:c="http://schemas.openxmlformats.org/drawingml/2006/chart" xmlns:dgm="http://schemas.openxmlformats.org/drawingml/2006/diagram" xmlns:o="urn:schemas-microsoft-com:office:office" xmlns:v="urn:schemas-microsoft-com:vml" xmlns:pvml="urn:schemas-microsoft-com:office:powerpoint" xmlns:com="http://schemas.openxmlformats.org/drawingml/2006/compatibility" xmlns:p14="http://schemas.microsoft.com/office/powerpoint/2010/main" xmlns:p15="http://schemas.microsoft.com/office/powerpoint/2012/main" xmlns:ahyp="http://schemas.microsoft.com/office/drawing/2018/hyperlinkcolor" matchingName="Blank" type="blank">
+<p:sldLayout xmlns:a="http://schemas.openxmlformats.org/drawingml/2006/main" xmlns:r="http://schemas.openxmlformats.org/officeDocument/2006/relationships" xmlns:p="http://schemas.openxmlformats.org/presentationml/2006/main" matchingName="Blank" type="blank">
   <p:cSld name="BLANK">
     <p:spTree>
       <p:nvGrpSpPr>
-        <p:cNvPr id="60" name="Shape 60"/>
+        <p:cNvPr id="1" name="Shape 60"/>
         <p:cNvGrpSpPr/>
         <p:nvPr/>
       </p:nvGrpSpPr>
@@ -2546,9 +2726,11 @@
       <p:sp>
         <p:nvSpPr>
           <p:cNvPr id="61" name="Google Shape;61;p12"/>
-          <p:cNvSpPr txBox="1"/>
+          <p:cNvSpPr txBox="1">
+            <a:spLocks noGrp="1"/>
+          </p:cNvSpPr>
           <p:nvPr>
-            <p:ph idx="12" type="sldNum"/>
+            <p:ph type="sldNum" idx="12"/>
           </p:nvPr>
         </p:nvSpPr>
         <p:spPr>
@@ -2561,7 +2743,7 @@
           </a:prstGeom>
         </p:spPr>
         <p:txBody>
-          <a:bodyPr anchorCtr="0" anchor="ctr" bIns="91425" lIns="91425" spcFirstLastPara="1" rIns="91425" wrap="square" tIns="91425">
+          <a:bodyPr spcFirstLastPara="1" wrap="square" lIns="91425" tIns="91425" rIns="91425" bIns="91425" anchor="ctr" anchorCtr="0">
             <a:normAutofit/>
           </a:bodyPr>
           <a:lstStyle>
@@ -2603,7 +2785,7 @@
             </a:lvl9pPr>
           </a:lstStyle>
           <a:p>
-            <a:pPr indent="0" lvl="0" marL="0" rtl="0" algn="r">
+            <a:pPr marL="0" lvl="0" indent="0" algn="r" rtl="0">
               <a:spcBef>
                 <a:spcPts val="0"/>
               </a:spcBef>
@@ -2629,11 +2811,11 @@
 </file>
 
 <file path=ppt/slideLayouts/slideLayout2.xml><?xml version="1.0" encoding="utf-8"?>
-<p:sldLayout xmlns:a="http://schemas.openxmlformats.org/drawingml/2006/main" xmlns:r="http://schemas.openxmlformats.org/officeDocument/2006/relationships" xmlns:mc="http://schemas.openxmlformats.org/markup-compatibility/2006" xmlns:mv="urn:schemas-microsoft-com:mac:vml" xmlns:p="http://schemas.openxmlformats.org/presentationml/2006/main" xmlns:c="http://schemas.openxmlformats.org/drawingml/2006/chart" xmlns:dgm="http://schemas.openxmlformats.org/drawingml/2006/diagram" xmlns:o="urn:schemas-microsoft-com:office:office" xmlns:v="urn:schemas-microsoft-com:vml" xmlns:pvml="urn:schemas-microsoft-com:office:powerpoint" xmlns:com="http://schemas.openxmlformats.org/drawingml/2006/compatibility" xmlns:p14="http://schemas.microsoft.com/office/powerpoint/2010/main" xmlns:p15="http://schemas.microsoft.com/office/powerpoint/2012/main" xmlns:ahyp="http://schemas.microsoft.com/office/drawing/2018/hyperlinkcolor" matchingName="Section header" type="secHead">
+<p:sldLayout xmlns:a="http://schemas.openxmlformats.org/drawingml/2006/main" xmlns:r="http://schemas.openxmlformats.org/officeDocument/2006/relationships" xmlns:p="http://schemas.openxmlformats.org/presentationml/2006/main" matchingName="Section header" type="secHead">
   <p:cSld name="SECTION_HEADER">
     <p:spTree>
       <p:nvGrpSpPr>
-        <p:cNvPr id="21" name="Shape 21"/>
+        <p:cNvPr id="1" name="Shape 21"/>
         <p:cNvGrpSpPr/>
         <p:nvPr/>
       </p:nvGrpSpPr>
@@ -2667,12 +2849,12 @@
           </a:ln>
         </p:spPr>
         <p:txBody>
-          <a:bodyPr anchorCtr="0" anchor="ctr" bIns="91425" lIns="91425" spcFirstLastPara="1" rIns="91425" wrap="square" tIns="91425">
+          <a:bodyPr spcFirstLastPara="1" wrap="square" lIns="91425" tIns="91425" rIns="91425" bIns="91425" anchor="ctr" anchorCtr="0">
             <a:noAutofit/>
           </a:bodyPr>
           <a:lstStyle/>
           <a:p>
-            <a:pPr indent="0" lvl="0" marL="0" rtl="0" algn="l">
+            <a:pPr marL="0" lvl="0" indent="0" algn="l" rtl="0">
               <a:spcBef>
                 <a:spcPts val="0"/>
               </a:spcBef>
@@ -2681,9 +2863,6 @@
               </a:spcAft>
               <a:buNone/>
             </a:pPr>
-            <a:r>
-              <a:t/>
-            </a:r>
             <a:endParaRPr/>
           </a:p>
         </p:txBody>
@@ -2691,7 +2870,9 @@
       <p:sp>
         <p:nvSpPr>
           <p:cNvPr id="23" name="Google Shape;23;p3"/>
-          <p:cNvSpPr txBox="1"/>
+          <p:cNvSpPr txBox="1">
+            <a:spLocks noGrp="1"/>
+          </p:cNvSpPr>
           <p:nvPr>
             <p:ph type="title"/>
           </p:nvPr>
@@ -2706,7 +2887,7 @@
           </a:prstGeom>
         </p:spPr>
         <p:txBody>
-          <a:bodyPr anchorCtr="0" anchor="ctr" bIns="91425" lIns="91425" spcFirstLastPara="1" rIns="91425" wrap="square" tIns="91425">
+          <a:bodyPr spcFirstLastPara="1" wrap="square" lIns="91425" tIns="91425" rIns="91425" bIns="91425" anchor="ctr" anchorCtr="0">
             <a:normAutofit/>
           </a:bodyPr>
           <a:lstStyle>
@@ -2810,15 +2991,19 @@
               <a:defRPr/>
             </a:lvl9pPr>
           </a:lstStyle>
-          <a:p/>
+          <a:p>
+            <a:endParaRPr/>
+          </a:p>
         </p:txBody>
       </p:sp>
       <p:sp>
         <p:nvSpPr>
           <p:cNvPr id="24" name="Google Shape;24;p3"/>
-          <p:cNvSpPr txBox="1"/>
+          <p:cNvSpPr txBox="1">
+            <a:spLocks noGrp="1"/>
+          </p:cNvSpPr>
           <p:nvPr>
-            <p:ph idx="12" type="sldNum"/>
+            <p:ph type="sldNum" idx="12"/>
           </p:nvPr>
         </p:nvSpPr>
         <p:spPr>
@@ -2831,7 +3016,7 @@
           </a:prstGeom>
         </p:spPr>
         <p:txBody>
-          <a:bodyPr anchorCtr="0" anchor="ctr" bIns="91425" lIns="91425" spcFirstLastPara="1" rIns="91425" wrap="square" tIns="91425">
+          <a:bodyPr spcFirstLastPara="1" wrap="square" lIns="91425" tIns="91425" rIns="91425" bIns="91425" anchor="ctr" anchorCtr="0">
             <a:normAutofit/>
           </a:bodyPr>
           <a:lstStyle>
@@ -2909,7 +3094,7 @@
             </a:lvl9pPr>
           </a:lstStyle>
           <a:p>
-            <a:pPr indent="0" lvl="0" marL="0" rtl="0" algn="r">
+            <a:pPr marL="0" lvl="0" indent="0" algn="r" rtl="0">
               <a:spcBef>
                 <a:spcPts val="0"/>
               </a:spcBef>
@@ -2935,11 +3120,11 @@
 </file>
 
 <file path=ppt/slideLayouts/slideLayout3.xml><?xml version="1.0" encoding="utf-8"?>
-<p:sldLayout xmlns:a="http://schemas.openxmlformats.org/drawingml/2006/main" xmlns:r="http://schemas.openxmlformats.org/officeDocument/2006/relationships" xmlns:mc="http://schemas.openxmlformats.org/markup-compatibility/2006" xmlns:mv="urn:schemas-microsoft-com:mac:vml" xmlns:p="http://schemas.openxmlformats.org/presentationml/2006/main" xmlns:c="http://schemas.openxmlformats.org/drawingml/2006/chart" xmlns:dgm="http://schemas.openxmlformats.org/drawingml/2006/diagram" xmlns:o="urn:schemas-microsoft-com:office:office" xmlns:v="urn:schemas-microsoft-com:vml" xmlns:pvml="urn:schemas-microsoft-com:office:powerpoint" xmlns:com="http://schemas.openxmlformats.org/drawingml/2006/compatibility" xmlns:p14="http://schemas.microsoft.com/office/powerpoint/2010/main" xmlns:p15="http://schemas.microsoft.com/office/powerpoint/2012/main" xmlns:ahyp="http://schemas.microsoft.com/office/drawing/2018/hyperlinkcolor" matchingName="Title and body" type="tx">
+<p:sldLayout xmlns:a="http://schemas.openxmlformats.org/drawingml/2006/main" xmlns:r="http://schemas.openxmlformats.org/officeDocument/2006/relationships" xmlns:p="http://schemas.openxmlformats.org/presentationml/2006/main" matchingName="Title and body" type="tx">
   <p:cSld name="TITLE_AND_BODY">
     <p:spTree>
       <p:nvGrpSpPr>
-        <p:cNvPr id="25" name="Shape 25"/>
+        <p:cNvPr id="1" name="Shape 25"/>
         <p:cNvGrpSpPr/>
         <p:nvPr/>
       </p:nvGrpSpPr>
@@ -2973,12 +3158,12 @@
           </a:ln>
         </p:spPr>
         <p:txBody>
-          <a:bodyPr anchorCtr="0" anchor="ctr" bIns="91425" lIns="91425" spcFirstLastPara="1" rIns="91425" wrap="square" tIns="91425">
+          <a:bodyPr spcFirstLastPara="1" wrap="square" lIns="91425" tIns="91425" rIns="91425" bIns="91425" anchor="ctr" anchorCtr="0">
             <a:noAutofit/>
           </a:bodyPr>
           <a:lstStyle/>
           <a:p>
-            <a:pPr indent="0" lvl="0" marL="0" rtl="0" algn="l">
+            <a:pPr marL="0" lvl="0" indent="0" algn="l" rtl="0">
               <a:spcBef>
                 <a:spcPts val="0"/>
               </a:spcBef>
@@ -2987,9 +3172,6 @@
               </a:spcAft>
               <a:buNone/>
             </a:pPr>
-            <a:r>
-              <a:t/>
-            </a:r>
             <a:endParaRPr/>
           </a:p>
         </p:txBody>
@@ -2997,7 +3179,9 @@
       <p:sp>
         <p:nvSpPr>
           <p:cNvPr id="27" name="Google Shape;27;p4"/>
-          <p:cNvSpPr txBox="1"/>
+          <p:cNvSpPr txBox="1">
+            <a:spLocks noGrp="1"/>
+          </p:cNvSpPr>
           <p:nvPr>
             <p:ph type="title"/>
           </p:nvPr>
@@ -3012,7 +3196,7 @@
           </a:prstGeom>
         </p:spPr>
         <p:txBody>
-          <a:bodyPr anchorCtr="0" anchor="t" bIns="91425" lIns="91425" spcFirstLastPara="1" rIns="91425" wrap="square" tIns="91425">
+          <a:bodyPr spcFirstLastPara="1" wrap="square" lIns="91425" tIns="91425" rIns="91425" bIns="91425" anchor="t" anchorCtr="0">
             <a:normAutofit/>
           </a:bodyPr>
           <a:lstStyle>
@@ -3116,15 +3300,19 @@
               <a:defRPr/>
             </a:lvl9pPr>
           </a:lstStyle>
-          <a:p/>
+          <a:p>
+            <a:endParaRPr/>
+          </a:p>
         </p:txBody>
       </p:sp>
       <p:sp>
         <p:nvSpPr>
           <p:cNvPr id="28" name="Google Shape;28;p4"/>
-          <p:cNvSpPr txBox="1"/>
+          <p:cNvSpPr txBox="1">
+            <a:spLocks noGrp="1"/>
+          </p:cNvSpPr>
           <p:nvPr>
-            <p:ph idx="1" type="body"/>
+            <p:ph type="body" idx="1"/>
           </p:nvPr>
         </p:nvSpPr>
         <p:spPr>
@@ -3137,11 +3325,11 @@
           </a:prstGeom>
         </p:spPr>
         <p:txBody>
-          <a:bodyPr anchorCtr="0" anchor="t" bIns="91425" lIns="91425" spcFirstLastPara="1" rIns="91425" wrap="square" tIns="91425">
+          <a:bodyPr spcFirstLastPara="1" wrap="square" lIns="91425" tIns="91425" rIns="91425" bIns="91425" anchor="t" anchorCtr="0">
             <a:normAutofit/>
           </a:bodyPr>
           <a:lstStyle>
-            <a:lvl1pPr indent="-342900" lvl="0" marL="457200">
+            <a:lvl1pPr marL="457200" lvl="0" indent="-342900">
               <a:spcBef>
                 <a:spcPts val="0"/>
               </a:spcBef>
@@ -3152,7 +3340,7 @@
               <a:buChar char="●"/>
               <a:defRPr/>
             </a:lvl1pPr>
-            <a:lvl2pPr indent="-317500" lvl="1" marL="914400">
+            <a:lvl2pPr marL="914400" lvl="1" indent="-317500">
               <a:spcBef>
                 <a:spcPts val="0"/>
               </a:spcBef>
@@ -3163,7 +3351,7 @@
               <a:buChar char="○"/>
               <a:defRPr/>
             </a:lvl2pPr>
-            <a:lvl3pPr indent="-317500" lvl="2" marL="1371600">
+            <a:lvl3pPr marL="1371600" lvl="2" indent="-317500">
               <a:spcBef>
                 <a:spcPts val="0"/>
               </a:spcBef>
@@ -3174,7 +3362,7 @@
               <a:buChar char="■"/>
               <a:defRPr/>
             </a:lvl3pPr>
-            <a:lvl4pPr indent="-317500" lvl="3" marL="1828800">
+            <a:lvl4pPr marL="1828800" lvl="3" indent="-317500">
               <a:spcBef>
                 <a:spcPts val="0"/>
               </a:spcBef>
@@ -3185,7 +3373,7 @@
               <a:buChar char="●"/>
               <a:defRPr/>
             </a:lvl4pPr>
-            <a:lvl5pPr indent="-317500" lvl="4" marL="2286000">
+            <a:lvl5pPr marL="2286000" lvl="4" indent="-317500">
               <a:spcBef>
                 <a:spcPts val="0"/>
               </a:spcBef>
@@ -3196,7 +3384,7 @@
               <a:buChar char="○"/>
               <a:defRPr/>
             </a:lvl5pPr>
-            <a:lvl6pPr indent="-317500" lvl="5" marL="2743200">
+            <a:lvl6pPr marL="2743200" lvl="5" indent="-317500">
               <a:spcBef>
                 <a:spcPts val="0"/>
               </a:spcBef>
@@ -3207,7 +3395,7 @@
               <a:buChar char="■"/>
               <a:defRPr/>
             </a:lvl6pPr>
-            <a:lvl7pPr indent="-317500" lvl="6" marL="3200400">
+            <a:lvl7pPr marL="3200400" lvl="6" indent="-317500">
               <a:spcBef>
                 <a:spcPts val="0"/>
               </a:spcBef>
@@ -3218,7 +3406,7 @@
               <a:buChar char="●"/>
               <a:defRPr/>
             </a:lvl7pPr>
-            <a:lvl8pPr indent="-317500" lvl="7" marL="3657600">
+            <a:lvl8pPr marL="3657600" lvl="7" indent="-317500">
               <a:spcBef>
                 <a:spcPts val="0"/>
               </a:spcBef>
@@ -3229,7 +3417,7 @@
               <a:buChar char="○"/>
               <a:defRPr/>
             </a:lvl8pPr>
-            <a:lvl9pPr indent="-317500" lvl="8" marL="4114800">
+            <a:lvl9pPr marL="4114800" lvl="8" indent="-317500">
               <a:spcBef>
                 <a:spcPts val="0"/>
               </a:spcBef>
@@ -3241,15 +3429,19 @@
               <a:defRPr/>
             </a:lvl9pPr>
           </a:lstStyle>
-          <a:p/>
+          <a:p>
+            <a:endParaRPr/>
+          </a:p>
         </p:txBody>
       </p:sp>
       <p:sp>
         <p:nvSpPr>
           <p:cNvPr id="29" name="Google Shape;29;p4"/>
-          <p:cNvSpPr txBox="1"/>
+          <p:cNvSpPr txBox="1">
+            <a:spLocks noGrp="1"/>
+          </p:cNvSpPr>
           <p:nvPr>
-            <p:ph idx="12" type="sldNum"/>
+            <p:ph type="sldNum" idx="12"/>
           </p:nvPr>
         </p:nvSpPr>
         <p:spPr>
@@ -3262,7 +3454,7 @@
           </a:prstGeom>
         </p:spPr>
         <p:txBody>
-          <a:bodyPr anchorCtr="0" anchor="ctr" bIns="91425" lIns="91425" spcFirstLastPara="1" rIns="91425" wrap="square" tIns="91425">
+          <a:bodyPr spcFirstLastPara="1" wrap="square" lIns="91425" tIns="91425" rIns="91425" bIns="91425" anchor="ctr" anchorCtr="0">
             <a:normAutofit/>
           </a:bodyPr>
           <a:lstStyle>
@@ -3304,7 +3496,7 @@
             </a:lvl9pPr>
           </a:lstStyle>
           <a:p>
-            <a:pPr indent="0" lvl="0" marL="0" rtl="0" algn="r">
+            <a:pPr marL="0" lvl="0" indent="0" algn="r" rtl="0">
               <a:spcBef>
                 <a:spcPts val="0"/>
               </a:spcBef>
@@ -3330,11 +3522,11 @@
 </file>
 
 <file path=ppt/slideLayouts/slideLayout4.xml><?xml version="1.0" encoding="utf-8"?>
-<p:sldLayout xmlns:a="http://schemas.openxmlformats.org/drawingml/2006/main" xmlns:r="http://schemas.openxmlformats.org/officeDocument/2006/relationships" xmlns:mc="http://schemas.openxmlformats.org/markup-compatibility/2006" xmlns:mv="urn:schemas-microsoft-com:mac:vml" xmlns:p="http://schemas.openxmlformats.org/presentationml/2006/main" xmlns:c="http://schemas.openxmlformats.org/drawingml/2006/chart" xmlns:dgm="http://schemas.openxmlformats.org/drawingml/2006/diagram" xmlns:o="urn:schemas-microsoft-com:office:office" xmlns:v="urn:schemas-microsoft-com:vml" xmlns:pvml="urn:schemas-microsoft-com:office:powerpoint" xmlns:com="http://schemas.openxmlformats.org/drawingml/2006/compatibility" xmlns:p14="http://schemas.microsoft.com/office/powerpoint/2010/main" xmlns:p15="http://schemas.microsoft.com/office/powerpoint/2012/main" xmlns:ahyp="http://schemas.microsoft.com/office/drawing/2018/hyperlinkcolor" matchingName="Title and two columns" type="twoColTx">
+<p:sldLayout xmlns:a="http://schemas.openxmlformats.org/drawingml/2006/main" xmlns:r="http://schemas.openxmlformats.org/officeDocument/2006/relationships" xmlns:p="http://schemas.openxmlformats.org/presentationml/2006/main" matchingName="Title and two columns" type="twoColTx">
   <p:cSld name="TITLE_AND_TWO_COLUMNS">
     <p:spTree>
       <p:nvGrpSpPr>
-        <p:cNvPr id="30" name="Shape 30"/>
+        <p:cNvPr id="1" name="Shape 30"/>
         <p:cNvGrpSpPr/>
         <p:nvPr/>
       </p:nvGrpSpPr>
@@ -3349,7 +3541,9 @@
       <p:sp>
         <p:nvSpPr>
           <p:cNvPr id="31" name="Google Shape;31;p5"/>
-          <p:cNvSpPr txBox="1"/>
+          <p:cNvSpPr txBox="1">
+            <a:spLocks noGrp="1"/>
+          </p:cNvSpPr>
           <p:nvPr>
             <p:ph type="title"/>
           </p:nvPr>
@@ -3364,7 +3558,7 @@
           </a:prstGeom>
         </p:spPr>
         <p:txBody>
-          <a:bodyPr anchorCtr="0" anchor="t" bIns="91425" lIns="91425" spcFirstLastPara="1" rIns="91425" wrap="square" tIns="91425">
+          <a:bodyPr spcFirstLastPara="1" wrap="square" lIns="91425" tIns="91425" rIns="91425" bIns="91425" anchor="t" anchorCtr="0">
             <a:normAutofit/>
           </a:bodyPr>
           <a:lstStyle>
@@ -3468,15 +3662,19 @@
               <a:defRPr/>
             </a:lvl9pPr>
           </a:lstStyle>
-          <a:p/>
+          <a:p>
+            <a:endParaRPr/>
+          </a:p>
         </p:txBody>
       </p:sp>
       <p:sp>
         <p:nvSpPr>
           <p:cNvPr id="32" name="Google Shape;32;p5"/>
-          <p:cNvSpPr txBox="1"/>
+          <p:cNvSpPr txBox="1">
+            <a:spLocks noGrp="1"/>
+          </p:cNvSpPr>
           <p:nvPr>
-            <p:ph idx="1" type="body"/>
+            <p:ph type="body" idx="1"/>
           </p:nvPr>
         </p:nvSpPr>
         <p:spPr>
@@ -3489,11 +3687,11 @@
           </a:prstGeom>
         </p:spPr>
         <p:txBody>
-          <a:bodyPr anchorCtr="0" anchor="t" bIns="91425" lIns="91425" spcFirstLastPara="1" rIns="91425" wrap="square" tIns="91425">
+          <a:bodyPr spcFirstLastPara="1" wrap="square" lIns="91425" tIns="91425" rIns="91425" bIns="91425" anchor="t" anchorCtr="0">
             <a:normAutofit/>
           </a:bodyPr>
           <a:lstStyle>
-            <a:lvl1pPr indent="-317500" lvl="0" marL="457200">
+            <a:lvl1pPr marL="457200" lvl="0" indent="-317500">
               <a:spcBef>
                 <a:spcPts val="0"/>
               </a:spcBef>
@@ -3504,7 +3702,7 @@
               <a:buChar char="●"/>
               <a:defRPr sz="1400"/>
             </a:lvl1pPr>
-            <a:lvl2pPr indent="-304800" lvl="1" marL="914400">
+            <a:lvl2pPr marL="914400" lvl="1" indent="-304800">
               <a:spcBef>
                 <a:spcPts val="0"/>
               </a:spcBef>
@@ -3515,7 +3713,7 @@
               <a:buChar char="○"/>
               <a:defRPr sz="1200"/>
             </a:lvl2pPr>
-            <a:lvl3pPr indent="-304800" lvl="2" marL="1371600">
+            <a:lvl3pPr marL="1371600" lvl="2" indent="-304800">
               <a:spcBef>
                 <a:spcPts val="0"/>
               </a:spcBef>
@@ -3526,7 +3724,7 @@
               <a:buChar char="■"/>
               <a:defRPr sz="1200"/>
             </a:lvl3pPr>
-            <a:lvl4pPr indent="-304800" lvl="3" marL="1828800">
+            <a:lvl4pPr marL="1828800" lvl="3" indent="-304800">
               <a:spcBef>
                 <a:spcPts val="0"/>
               </a:spcBef>
@@ -3537,7 +3735,7 @@
               <a:buChar char="●"/>
               <a:defRPr sz="1200"/>
             </a:lvl4pPr>
-            <a:lvl5pPr indent="-304800" lvl="4" marL="2286000">
+            <a:lvl5pPr marL="2286000" lvl="4" indent="-304800">
               <a:spcBef>
                 <a:spcPts val="0"/>
               </a:spcBef>
@@ -3548,7 +3746,7 @@
               <a:buChar char="○"/>
               <a:defRPr sz="1200"/>
             </a:lvl5pPr>
-            <a:lvl6pPr indent="-304800" lvl="5" marL="2743200">
+            <a:lvl6pPr marL="2743200" lvl="5" indent="-304800">
               <a:spcBef>
                 <a:spcPts val="0"/>
               </a:spcBef>
@@ -3559,7 +3757,7 @@
               <a:buChar char="■"/>
               <a:defRPr sz="1200"/>
             </a:lvl6pPr>
-            <a:lvl7pPr indent="-304800" lvl="6" marL="3200400">
+            <a:lvl7pPr marL="3200400" lvl="6" indent="-304800">
               <a:spcBef>
                 <a:spcPts val="0"/>
               </a:spcBef>
@@ -3570,7 +3768,7 @@
               <a:buChar char="●"/>
               <a:defRPr sz="1200"/>
             </a:lvl7pPr>
-            <a:lvl8pPr indent="-304800" lvl="7" marL="3657600">
+            <a:lvl8pPr marL="3657600" lvl="7" indent="-304800">
               <a:spcBef>
                 <a:spcPts val="0"/>
               </a:spcBef>
@@ -3581,7 +3779,7 @@
               <a:buChar char="○"/>
               <a:defRPr sz="1200"/>
             </a:lvl8pPr>
-            <a:lvl9pPr indent="-304800" lvl="8" marL="4114800">
+            <a:lvl9pPr marL="4114800" lvl="8" indent="-304800">
               <a:spcBef>
                 <a:spcPts val="0"/>
               </a:spcBef>
@@ -3593,15 +3791,19 @@
               <a:defRPr sz="1200"/>
             </a:lvl9pPr>
           </a:lstStyle>
-          <a:p/>
+          <a:p>
+            <a:endParaRPr/>
+          </a:p>
         </p:txBody>
       </p:sp>
       <p:sp>
         <p:nvSpPr>
           <p:cNvPr id="33" name="Google Shape;33;p5"/>
-          <p:cNvSpPr txBox="1"/>
+          <p:cNvSpPr txBox="1">
+            <a:spLocks noGrp="1"/>
+          </p:cNvSpPr>
           <p:nvPr>
-            <p:ph idx="2" type="body"/>
+            <p:ph type="body" idx="2"/>
           </p:nvPr>
         </p:nvSpPr>
         <p:spPr>
@@ -3614,11 +3816,11 @@
           </a:prstGeom>
         </p:spPr>
         <p:txBody>
-          <a:bodyPr anchorCtr="0" anchor="t" bIns="91425" lIns="91425" spcFirstLastPara="1" rIns="91425" wrap="square" tIns="91425">
+          <a:bodyPr spcFirstLastPara="1" wrap="square" lIns="91425" tIns="91425" rIns="91425" bIns="91425" anchor="t" anchorCtr="0">
             <a:normAutofit/>
           </a:bodyPr>
           <a:lstStyle>
-            <a:lvl1pPr indent="-317500" lvl="0" marL="457200">
+            <a:lvl1pPr marL="457200" lvl="0" indent="-317500">
               <a:spcBef>
                 <a:spcPts val="0"/>
               </a:spcBef>
@@ -3629,7 +3831,7 @@
               <a:buChar char="●"/>
               <a:defRPr sz="1400"/>
             </a:lvl1pPr>
-            <a:lvl2pPr indent="-304800" lvl="1" marL="914400">
+            <a:lvl2pPr marL="914400" lvl="1" indent="-304800">
               <a:spcBef>
                 <a:spcPts val="0"/>
               </a:spcBef>
@@ -3640,7 +3842,7 @@
               <a:buChar char="○"/>
               <a:defRPr sz="1200"/>
             </a:lvl2pPr>
-            <a:lvl3pPr indent="-304800" lvl="2" marL="1371600">
+            <a:lvl3pPr marL="1371600" lvl="2" indent="-304800">
               <a:spcBef>
                 <a:spcPts val="0"/>
               </a:spcBef>
@@ -3651,7 +3853,7 @@
               <a:buChar char="■"/>
               <a:defRPr sz="1200"/>
             </a:lvl3pPr>
-            <a:lvl4pPr indent="-304800" lvl="3" marL="1828800">
+            <a:lvl4pPr marL="1828800" lvl="3" indent="-304800">
               <a:spcBef>
                 <a:spcPts val="0"/>
               </a:spcBef>
@@ -3662,7 +3864,7 @@
               <a:buChar char="●"/>
               <a:defRPr sz="1200"/>
             </a:lvl4pPr>
-            <a:lvl5pPr indent="-304800" lvl="4" marL="2286000">
+            <a:lvl5pPr marL="2286000" lvl="4" indent="-304800">
               <a:spcBef>
                 <a:spcPts val="0"/>
               </a:spcBef>
@@ -3673,7 +3875,7 @@
               <a:buChar char="○"/>
               <a:defRPr sz="1200"/>
             </a:lvl5pPr>
-            <a:lvl6pPr indent="-304800" lvl="5" marL="2743200">
+            <a:lvl6pPr marL="2743200" lvl="5" indent="-304800">
               <a:spcBef>
                 <a:spcPts val="0"/>
               </a:spcBef>
@@ -3684,7 +3886,7 @@
               <a:buChar char="■"/>
               <a:defRPr sz="1200"/>
             </a:lvl6pPr>
-            <a:lvl7pPr indent="-304800" lvl="6" marL="3200400">
+            <a:lvl7pPr marL="3200400" lvl="6" indent="-304800">
               <a:spcBef>
                 <a:spcPts val="0"/>
               </a:spcBef>
@@ -3695,7 +3897,7 @@
               <a:buChar char="●"/>
               <a:defRPr sz="1200"/>
             </a:lvl7pPr>
-            <a:lvl8pPr indent="-304800" lvl="7" marL="3657600">
+            <a:lvl8pPr marL="3657600" lvl="7" indent="-304800">
               <a:spcBef>
                 <a:spcPts val="0"/>
               </a:spcBef>
@@ -3706,7 +3908,7 @@
               <a:buChar char="○"/>
               <a:defRPr sz="1200"/>
             </a:lvl8pPr>
-            <a:lvl9pPr indent="-304800" lvl="8" marL="4114800">
+            <a:lvl9pPr marL="4114800" lvl="8" indent="-304800">
               <a:spcBef>
                 <a:spcPts val="0"/>
               </a:spcBef>
@@ -3718,15 +3920,19 @@
               <a:defRPr sz="1200"/>
             </a:lvl9pPr>
           </a:lstStyle>
-          <a:p/>
+          <a:p>
+            <a:endParaRPr/>
+          </a:p>
         </p:txBody>
       </p:sp>
       <p:sp>
         <p:nvSpPr>
           <p:cNvPr id="34" name="Google Shape;34;p5"/>
-          <p:cNvSpPr txBox="1"/>
+          <p:cNvSpPr txBox="1">
+            <a:spLocks noGrp="1"/>
+          </p:cNvSpPr>
           <p:nvPr>
-            <p:ph idx="12" type="sldNum"/>
+            <p:ph type="sldNum" idx="12"/>
           </p:nvPr>
         </p:nvSpPr>
         <p:spPr>
@@ -3739,7 +3945,7 @@
           </a:prstGeom>
         </p:spPr>
         <p:txBody>
-          <a:bodyPr anchorCtr="0" anchor="ctr" bIns="91425" lIns="91425" spcFirstLastPara="1" rIns="91425" wrap="square" tIns="91425">
+          <a:bodyPr spcFirstLastPara="1" wrap="square" lIns="91425" tIns="91425" rIns="91425" bIns="91425" anchor="ctr" anchorCtr="0">
             <a:normAutofit/>
           </a:bodyPr>
           <a:lstStyle>
@@ -3781,7 +3987,7 @@
             </a:lvl9pPr>
           </a:lstStyle>
           <a:p>
-            <a:pPr indent="0" lvl="0" marL="0" rtl="0" algn="r">
+            <a:pPr marL="0" lvl="0" indent="0" algn="r" rtl="0">
               <a:spcBef>
                 <a:spcPts val="0"/>
               </a:spcBef>
@@ -3807,11 +4013,11 @@
 </file>
 
 <file path=ppt/slideLayouts/slideLayout5.xml><?xml version="1.0" encoding="utf-8"?>
-<p:sldLayout xmlns:a="http://schemas.openxmlformats.org/drawingml/2006/main" xmlns:r="http://schemas.openxmlformats.org/officeDocument/2006/relationships" xmlns:mc="http://schemas.openxmlformats.org/markup-compatibility/2006" xmlns:mv="urn:schemas-microsoft-com:mac:vml" xmlns:p="http://schemas.openxmlformats.org/presentationml/2006/main" xmlns:c="http://schemas.openxmlformats.org/drawingml/2006/chart" xmlns:dgm="http://schemas.openxmlformats.org/drawingml/2006/diagram" xmlns:o="urn:schemas-microsoft-com:office:office" xmlns:v="urn:schemas-microsoft-com:vml" xmlns:pvml="urn:schemas-microsoft-com:office:powerpoint" xmlns:com="http://schemas.openxmlformats.org/drawingml/2006/compatibility" xmlns:p14="http://schemas.microsoft.com/office/powerpoint/2010/main" xmlns:p15="http://schemas.microsoft.com/office/powerpoint/2012/main" xmlns:ahyp="http://schemas.microsoft.com/office/drawing/2018/hyperlinkcolor" matchingName="Title only" type="titleOnly">
+<p:sldLayout xmlns:a="http://schemas.openxmlformats.org/drawingml/2006/main" xmlns:r="http://schemas.openxmlformats.org/officeDocument/2006/relationships" xmlns:p="http://schemas.openxmlformats.org/presentationml/2006/main" matchingName="Title only" type="titleOnly">
   <p:cSld name="TITLE_ONLY">
     <p:spTree>
       <p:nvGrpSpPr>
-        <p:cNvPr id="35" name="Shape 35"/>
+        <p:cNvPr id="1" name="Shape 35"/>
         <p:cNvGrpSpPr/>
         <p:nvPr/>
       </p:nvGrpSpPr>
@@ -3826,7 +4032,9 @@
       <p:sp>
         <p:nvSpPr>
           <p:cNvPr id="36" name="Google Shape;36;p6"/>
-          <p:cNvSpPr txBox="1"/>
+          <p:cNvSpPr txBox="1">
+            <a:spLocks noGrp="1"/>
+          </p:cNvSpPr>
           <p:nvPr>
             <p:ph type="title"/>
           </p:nvPr>
@@ -3841,7 +4049,7 @@
           </a:prstGeom>
         </p:spPr>
         <p:txBody>
-          <a:bodyPr anchorCtr="0" anchor="t" bIns="91425" lIns="91425" spcFirstLastPara="1" rIns="91425" wrap="square" tIns="91425">
+          <a:bodyPr spcFirstLastPara="1" wrap="square" lIns="91425" tIns="91425" rIns="91425" bIns="91425" anchor="t" anchorCtr="0">
             <a:normAutofit/>
           </a:bodyPr>
           <a:lstStyle>
@@ -3945,15 +4153,19 @@
               <a:defRPr/>
             </a:lvl9pPr>
           </a:lstStyle>
-          <a:p/>
+          <a:p>
+            <a:endParaRPr/>
+          </a:p>
         </p:txBody>
       </p:sp>
       <p:sp>
         <p:nvSpPr>
           <p:cNvPr id="37" name="Google Shape;37;p6"/>
-          <p:cNvSpPr txBox="1"/>
+          <p:cNvSpPr txBox="1">
+            <a:spLocks noGrp="1"/>
+          </p:cNvSpPr>
           <p:nvPr>
-            <p:ph idx="12" type="sldNum"/>
+            <p:ph type="sldNum" idx="12"/>
           </p:nvPr>
         </p:nvSpPr>
         <p:spPr>
@@ -3966,7 +4178,7 @@
           </a:prstGeom>
         </p:spPr>
         <p:txBody>
-          <a:bodyPr anchorCtr="0" anchor="ctr" bIns="91425" lIns="91425" spcFirstLastPara="1" rIns="91425" wrap="square" tIns="91425">
+          <a:bodyPr spcFirstLastPara="1" wrap="square" lIns="91425" tIns="91425" rIns="91425" bIns="91425" anchor="ctr" anchorCtr="0">
             <a:normAutofit/>
           </a:bodyPr>
           <a:lstStyle>
@@ -4008,7 +4220,7 @@
             </a:lvl9pPr>
           </a:lstStyle>
           <a:p>
-            <a:pPr indent="0" lvl="0" marL="0" rtl="0" algn="r">
+            <a:pPr marL="0" lvl="0" indent="0" algn="r" rtl="0">
               <a:spcBef>
                 <a:spcPts val="0"/>
               </a:spcBef>
@@ -4034,11 +4246,11 @@
 </file>
 
 <file path=ppt/slideLayouts/slideLayout6.xml><?xml version="1.0" encoding="utf-8"?>
-<p:sldLayout xmlns:a="http://schemas.openxmlformats.org/drawingml/2006/main" xmlns:r="http://schemas.openxmlformats.org/officeDocument/2006/relationships" xmlns:mc="http://schemas.openxmlformats.org/markup-compatibility/2006" xmlns:mv="urn:schemas-microsoft-com:mac:vml" xmlns:p="http://schemas.openxmlformats.org/presentationml/2006/main" xmlns:c="http://schemas.openxmlformats.org/drawingml/2006/chart" xmlns:dgm="http://schemas.openxmlformats.org/drawingml/2006/diagram" xmlns:o="urn:schemas-microsoft-com:office:office" xmlns:v="urn:schemas-microsoft-com:vml" xmlns:pvml="urn:schemas-microsoft-com:office:powerpoint" xmlns:com="http://schemas.openxmlformats.org/drawingml/2006/compatibility" xmlns:p14="http://schemas.microsoft.com/office/powerpoint/2010/main" xmlns:p15="http://schemas.microsoft.com/office/powerpoint/2012/main" xmlns:ahyp="http://schemas.microsoft.com/office/drawing/2018/hyperlinkcolor" matchingName="One column text">
+<p:sldLayout xmlns:a="http://schemas.openxmlformats.org/drawingml/2006/main" xmlns:r="http://schemas.openxmlformats.org/officeDocument/2006/relationships" xmlns:p="http://schemas.openxmlformats.org/presentationml/2006/main" matchingName="One column text">
   <p:cSld name="ONE_COLUMN_TEXT">
     <p:spTree>
       <p:nvGrpSpPr>
-        <p:cNvPr id="38" name="Shape 38"/>
+        <p:cNvPr id="1" name="Shape 38"/>
         <p:cNvGrpSpPr/>
         <p:nvPr/>
       </p:nvGrpSpPr>
@@ -4053,7 +4265,9 @@
       <p:sp>
         <p:nvSpPr>
           <p:cNvPr id="39" name="Google Shape;39;p7"/>
-          <p:cNvSpPr txBox="1"/>
+          <p:cNvSpPr txBox="1">
+            <a:spLocks noGrp="1"/>
+          </p:cNvSpPr>
           <p:nvPr>
             <p:ph type="title"/>
           </p:nvPr>
@@ -4068,7 +4282,7 @@
           </a:prstGeom>
         </p:spPr>
         <p:txBody>
-          <a:bodyPr anchorCtr="0" anchor="b" bIns="91425" lIns="91425" spcFirstLastPara="1" rIns="91425" wrap="square" tIns="91425">
+          <a:bodyPr spcFirstLastPara="1" wrap="square" lIns="91425" tIns="91425" rIns="91425" bIns="91425" anchor="b" anchorCtr="0">
             <a:normAutofit/>
           </a:bodyPr>
           <a:lstStyle>
@@ -4172,15 +4386,19 @@
               <a:defRPr sz="2400"/>
             </a:lvl9pPr>
           </a:lstStyle>
-          <a:p/>
+          <a:p>
+            <a:endParaRPr/>
+          </a:p>
         </p:txBody>
       </p:sp>
       <p:sp>
         <p:nvSpPr>
           <p:cNvPr id="40" name="Google Shape;40;p7"/>
-          <p:cNvSpPr txBox="1"/>
+          <p:cNvSpPr txBox="1">
+            <a:spLocks noGrp="1"/>
+          </p:cNvSpPr>
           <p:nvPr>
-            <p:ph idx="1" type="body"/>
+            <p:ph type="body" idx="1"/>
           </p:nvPr>
         </p:nvSpPr>
         <p:spPr>
@@ -4193,11 +4411,11 @@
           </a:prstGeom>
         </p:spPr>
         <p:txBody>
-          <a:bodyPr anchorCtr="0" anchor="t" bIns="91425" lIns="91425" spcFirstLastPara="1" rIns="91425" wrap="square" tIns="91425">
+          <a:bodyPr spcFirstLastPara="1" wrap="square" lIns="91425" tIns="91425" rIns="91425" bIns="91425" anchor="t" anchorCtr="0">
             <a:normAutofit/>
           </a:bodyPr>
           <a:lstStyle>
-            <a:lvl1pPr indent="-304800" lvl="0" marL="457200">
+            <a:lvl1pPr marL="457200" lvl="0" indent="-304800">
               <a:spcBef>
                 <a:spcPts val="0"/>
               </a:spcBef>
@@ -4208,7 +4426,7 @@
               <a:buChar char="●"/>
               <a:defRPr sz="1200"/>
             </a:lvl1pPr>
-            <a:lvl2pPr indent="-304800" lvl="1" marL="914400">
+            <a:lvl2pPr marL="914400" lvl="1" indent="-304800">
               <a:spcBef>
                 <a:spcPts val="0"/>
               </a:spcBef>
@@ -4219,7 +4437,7 @@
               <a:buChar char="○"/>
               <a:defRPr sz="1200"/>
             </a:lvl2pPr>
-            <a:lvl3pPr indent="-304800" lvl="2" marL="1371600">
+            <a:lvl3pPr marL="1371600" lvl="2" indent="-304800">
               <a:spcBef>
                 <a:spcPts val="0"/>
               </a:spcBef>
@@ -4230,7 +4448,7 @@
               <a:buChar char="■"/>
               <a:defRPr sz="1200"/>
             </a:lvl3pPr>
-            <a:lvl4pPr indent="-304800" lvl="3" marL="1828800">
+            <a:lvl4pPr marL="1828800" lvl="3" indent="-304800">
               <a:spcBef>
                 <a:spcPts val="0"/>
               </a:spcBef>
@@ -4241,7 +4459,7 @@
               <a:buChar char="●"/>
               <a:defRPr sz="1200"/>
             </a:lvl4pPr>
-            <a:lvl5pPr indent="-304800" lvl="4" marL="2286000">
+            <a:lvl5pPr marL="2286000" lvl="4" indent="-304800">
               <a:spcBef>
                 <a:spcPts val="0"/>
               </a:spcBef>
@@ -4252,7 +4470,7 @@
               <a:buChar char="○"/>
               <a:defRPr sz="1200"/>
             </a:lvl5pPr>
-            <a:lvl6pPr indent="-304800" lvl="5" marL="2743200">
+            <a:lvl6pPr marL="2743200" lvl="5" indent="-304800">
               <a:spcBef>
                 <a:spcPts val="0"/>
               </a:spcBef>
@@ -4263,7 +4481,7 @@
               <a:buChar char="■"/>
               <a:defRPr sz="1200"/>
             </a:lvl6pPr>
-            <a:lvl7pPr indent="-304800" lvl="6" marL="3200400">
+            <a:lvl7pPr marL="3200400" lvl="6" indent="-304800">
               <a:spcBef>
                 <a:spcPts val="0"/>
               </a:spcBef>
@@ -4274,7 +4492,7 @@
               <a:buChar char="●"/>
               <a:defRPr sz="1200"/>
             </a:lvl7pPr>
-            <a:lvl8pPr indent="-304800" lvl="7" marL="3657600">
+            <a:lvl8pPr marL="3657600" lvl="7" indent="-304800">
               <a:spcBef>
                 <a:spcPts val="0"/>
               </a:spcBef>
@@ -4285,7 +4503,7 @@
               <a:buChar char="○"/>
               <a:defRPr sz="1200"/>
             </a:lvl8pPr>
-            <a:lvl9pPr indent="-304800" lvl="8" marL="4114800">
+            <a:lvl9pPr marL="4114800" lvl="8" indent="-304800">
               <a:spcBef>
                 <a:spcPts val="0"/>
               </a:spcBef>
@@ -4297,15 +4515,19 @@
               <a:defRPr sz="1200"/>
             </a:lvl9pPr>
           </a:lstStyle>
-          <a:p/>
+          <a:p>
+            <a:endParaRPr/>
+          </a:p>
         </p:txBody>
       </p:sp>
       <p:sp>
         <p:nvSpPr>
           <p:cNvPr id="41" name="Google Shape;41;p7"/>
-          <p:cNvSpPr txBox="1"/>
+          <p:cNvSpPr txBox="1">
+            <a:spLocks noGrp="1"/>
+          </p:cNvSpPr>
           <p:nvPr>
-            <p:ph idx="12" type="sldNum"/>
+            <p:ph type="sldNum" idx="12"/>
           </p:nvPr>
         </p:nvSpPr>
         <p:spPr>
@@ -4318,7 +4540,7 @@
           </a:prstGeom>
         </p:spPr>
         <p:txBody>
-          <a:bodyPr anchorCtr="0" anchor="ctr" bIns="91425" lIns="91425" spcFirstLastPara="1" rIns="91425" wrap="square" tIns="91425">
+          <a:bodyPr spcFirstLastPara="1" wrap="square" lIns="91425" tIns="91425" rIns="91425" bIns="91425" anchor="ctr" anchorCtr="0">
             <a:normAutofit/>
           </a:bodyPr>
           <a:lstStyle>
@@ -4360,7 +4582,7 @@
             </a:lvl9pPr>
           </a:lstStyle>
           <a:p>
-            <a:pPr indent="0" lvl="0" marL="0" rtl="0" algn="r">
+            <a:pPr marL="0" lvl="0" indent="0" algn="r" rtl="0">
               <a:spcBef>
                 <a:spcPts val="0"/>
               </a:spcBef>
@@ -4386,18 +4608,19 @@
 </file>
 
 <file path=ppt/slideLayouts/slideLayout7.xml><?xml version="1.0" encoding="utf-8"?>
-<p:sldLayout xmlns:a="http://schemas.openxmlformats.org/drawingml/2006/main" xmlns:r="http://schemas.openxmlformats.org/officeDocument/2006/relationships" xmlns:mc="http://schemas.openxmlformats.org/markup-compatibility/2006" xmlns:mv="urn:schemas-microsoft-com:mac:vml" xmlns:p="http://schemas.openxmlformats.org/presentationml/2006/main" xmlns:c="http://schemas.openxmlformats.org/drawingml/2006/chart" xmlns:dgm="http://schemas.openxmlformats.org/drawingml/2006/diagram" xmlns:o="urn:schemas-microsoft-com:office:office" xmlns:v="urn:schemas-microsoft-com:vml" xmlns:pvml="urn:schemas-microsoft-com:office:powerpoint" xmlns:com="http://schemas.openxmlformats.org/drawingml/2006/compatibility" xmlns:p14="http://schemas.microsoft.com/office/powerpoint/2010/main" xmlns:p15="http://schemas.microsoft.com/office/powerpoint/2012/main" xmlns:ahyp="http://schemas.microsoft.com/office/drawing/2018/hyperlinkcolor" matchingName="Main point">
+<p:sldLayout xmlns:a="http://schemas.openxmlformats.org/drawingml/2006/main" xmlns:r="http://schemas.openxmlformats.org/officeDocument/2006/relationships" xmlns:p="http://schemas.openxmlformats.org/presentationml/2006/main" matchingName="Main point">
   <p:cSld name="MAIN_POINT">
     <p:bg>
       <p:bgPr>
         <a:solidFill>
           <a:schemeClr val="accent6"/>
         </a:solidFill>
+        <a:effectLst/>
       </p:bgPr>
     </p:bg>
     <p:spTree>
       <p:nvGrpSpPr>
-        <p:cNvPr id="42" name="Shape 42"/>
+        <p:cNvPr id="1" name="Shape 42"/>
         <p:cNvGrpSpPr/>
         <p:nvPr/>
       </p:nvGrpSpPr>
@@ -4412,7 +4635,9 @@
       <p:sp>
         <p:nvSpPr>
           <p:cNvPr id="43" name="Google Shape;43;p8"/>
-          <p:cNvSpPr txBox="1"/>
+          <p:cNvSpPr txBox="1">
+            <a:spLocks noGrp="1"/>
+          </p:cNvSpPr>
           <p:nvPr>
             <p:ph type="title"/>
           </p:nvPr>
@@ -4427,7 +4652,7 @@
           </a:prstGeom>
         </p:spPr>
         <p:txBody>
-          <a:bodyPr anchorCtr="0" anchor="ctr" bIns="91425" lIns="91425" spcFirstLastPara="1" rIns="91425" wrap="square" tIns="91425">
+          <a:bodyPr spcFirstLastPara="1" wrap="square" lIns="91425" tIns="91425" rIns="91425" bIns="91425" anchor="ctr" anchorCtr="0">
             <a:normAutofit/>
           </a:bodyPr>
           <a:lstStyle>
@@ -4443,7 +4668,7 @@
               </a:buClr>
               <a:buSzPts val="5400"/>
               <a:buNone/>
-              <a:defRPr b="0" sz="5400">
+              <a:defRPr sz="5400" b="0">
                 <a:solidFill>
                   <a:schemeClr val="dk2"/>
                 </a:solidFill>
@@ -4461,7 +4686,7 @@
               </a:buClr>
               <a:buSzPts val="5400"/>
               <a:buNone/>
-              <a:defRPr b="0" sz="5400">
+              <a:defRPr sz="5400" b="0">
                 <a:solidFill>
                   <a:schemeClr val="dk2"/>
                 </a:solidFill>
@@ -4479,7 +4704,7 @@
               </a:buClr>
               <a:buSzPts val="5400"/>
               <a:buNone/>
-              <a:defRPr b="0" sz="5400">
+              <a:defRPr sz="5400" b="0">
                 <a:solidFill>
                   <a:schemeClr val="dk2"/>
                 </a:solidFill>
@@ -4497,7 +4722,7 @@
               </a:buClr>
               <a:buSzPts val="5400"/>
               <a:buNone/>
-              <a:defRPr b="0" sz="5400">
+              <a:defRPr sz="5400" b="0">
                 <a:solidFill>
                   <a:schemeClr val="dk2"/>
                 </a:solidFill>
@@ -4515,7 +4740,7 @@
               </a:buClr>
               <a:buSzPts val="5400"/>
               <a:buNone/>
-              <a:defRPr b="0" sz="5400">
+              <a:defRPr sz="5400" b="0">
                 <a:solidFill>
                   <a:schemeClr val="dk2"/>
                 </a:solidFill>
@@ -4533,7 +4758,7 @@
               </a:buClr>
               <a:buSzPts val="5400"/>
               <a:buNone/>
-              <a:defRPr b="0" sz="5400">
+              <a:defRPr sz="5400" b="0">
                 <a:solidFill>
                   <a:schemeClr val="dk2"/>
                 </a:solidFill>
@@ -4551,7 +4776,7 @@
               </a:buClr>
               <a:buSzPts val="5400"/>
               <a:buNone/>
-              <a:defRPr b="0" sz="5400">
+              <a:defRPr sz="5400" b="0">
                 <a:solidFill>
                   <a:schemeClr val="dk2"/>
                 </a:solidFill>
@@ -4569,7 +4794,7 @@
               </a:buClr>
               <a:buSzPts val="5400"/>
               <a:buNone/>
-              <a:defRPr b="0" sz="5400">
+              <a:defRPr sz="5400" b="0">
                 <a:solidFill>
                   <a:schemeClr val="dk2"/>
                 </a:solidFill>
@@ -4587,22 +4812,26 @@
               </a:buClr>
               <a:buSzPts val="5400"/>
               <a:buNone/>
-              <a:defRPr b="0" sz="5400">
+              <a:defRPr sz="5400" b="0">
                 <a:solidFill>
                   <a:schemeClr val="dk2"/>
                 </a:solidFill>
               </a:defRPr>
             </a:lvl9pPr>
           </a:lstStyle>
-          <a:p/>
+          <a:p>
+            <a:endParaRPr/>
+          </a:p>
         </p:txBody>
       </p:sp>
       <p:sp>
         <p:nvSpPr>
           <p:cNvPr id="44" name="Google Shape;44;p8"/>
-          <p:cNvSpPr txBox="1"/>
+          <p:cNvSpPr txBox="1">
+            <a:spLocks noGrp="1"/>
+          </p:cNvSpPr>
           <p:nvPr>
-            <p:ph idx="12" type="sldNum"/>
+            <p:ph type="sldNum" idx="12"/>
           </p:nvPr>
         </p:nvSpPr>
         <p:spPr>
@@ -4615,7 +4844,7 @@
           </a:prstGeom>
         </p:spPr>
         <p:txBody>
-          <a:bodyPr anchorCtr="0" anchor="ctr" bIns="91425" lIns="91425" spcFirstLastPara="1" rIns="91425" wrap="square" tIns="91425">
+          <a:bodyPr spcFirstLastPara="1" wrap="square" lIns="91425" tIns="91425" rIns="91425" bIns="91425" anchor="ctr" anchorCtr="0">
             <a:normAutofit/>
           </a:bodyPr>
           <a:lstStyle>
@@ -4657,7 +4886,7 @@
             </a:lvl9pPr>
           </a:lstStyle>
           <a:p>
-            <a:pPr indent="0" lvl="0" marL="0" rtl="0" algn="r">
+            <a:pPr marL="0" lvl="0" indent="0" algn="r" rtl="0">
               <a:spcBef>
                 <a:spcPts val="0"/>
               </a:spcBef>
@@ -4683,11 +4912,11 @@
 </file>
 
 <file path=ppt/slideLayouts/slideLayout8.xml><?xml version="1.0" encoding="utf-8"?>
-<p:sldLayout xmlns:a="http://schemas.openxmlformats.org/drawingml/2006/main" xmlns:r="http://schemas.openxmlformats.org/officeDocument/2006/relationships" xmlns:mc="http://schemas.openxmlformats.org/markup-compatibility/2006" xmlns:mv="urn:schemas-microsoft-com:mac:vml" xmlns:p="http://schemas.openxmlformats.org/presentationml/2006/main" xmlns:c="http://schemas.openxmlformats.org/drawingml/2006/chart" xmlns:dgm="http://schemas.openxmlformats.org/drawingml/2006/diagram" xmlns:o="urn:schemas-microsoft-com:office:office" xmlns:v="urn:schemas-microsoft-com:vml" xmlns:pvml="urn:schemas-microsoft-com:office:powerpoint" xmlns:com="http://schemas.openxmlformats.org/drawingml/2006/compatibility" xmlns:p14="http://schemas.microsoft.com/office/powerpoint/2010/main" xmlns:p15="http://schemas.microsoft.com/office/powerpoint/2012/main" xmlns:ahyp="http://schemas.microsoft.com/office/drawing/2018/hyperlinkcolor" matchingName="Section title and description">
+<p:sldLayout xmlns:a="http://schemas.openxmlformats.org/drawingml/2006/main" xmlns:r="http://schemas.openxmlformats.org/officeDocument/2006/relationships" xmlns:p="http://schemas.openxmlformats.org/presentationml/2006/main" matchingName="Section title and description">
   <p:cSld name="SECTION_TITLE_AND_DESCRIPTION">
     <p:spTree>
       <p:nvGrpSpPr>
-        <p:cNvPr id="45" name="Shape 45"/>
+        <p:cNvPr id="1" name="Shape 45"/>
         <p:cNvGrpSpPr/>
         <p:nvPr/>
       </p:nvGrpSpPr>
@@ -4721,12 +4950,12 @@
           </a:ln>
         </p:spPr>
         <p:txBody>
-          <a:bodyPr anchorCtr="0" anchor="ctr" bIns="91425" lIns="91425" spcFirstLastPara="1" rIns="91425" wrap="square" tIns="91425">
+          <a:bodyPr spcFirstLastPara="1" wrap="square" lIns="91425" tIns="91425" rIns="91425" bIns="91425" anchor="ctr" anchorCtr="0">
             <a:noAutofit/>
           </a:bodyPr>
           <a:lstStyle/>
           <a:p>
-            <a:pPr indent="0" lvl="0" marL="0" rtl="0" algn="l">
+            <a:pPr marL="0" lvl="0" indent="0" algn="l" rtl="0">
               <a:spcBef>
                 <a:spcPts val="0"/>
               </a:spcBef>
@@ -4735,9 +4964,6 @@
               </a:spcAft>
               <a:buNone/>
             </a:pPr>
-            <a:r>
-              <a:t/>
-            </a:r>
             <a:endParaRPr/>
           </a:p>
         </p:txBody>
@@ -4757,21 +4983,23 @@
             <a:avLst/>
           </a:prstGeom>
           <a:noFill/>
-          <a:ln cap="flat" cmpd="sng" w="19050">
+          <a:ln w="19050" cap="flat" cmpd="sng">
             <a:solidFill>
               <a:schemeClr val="lt1"/>
             </a:solidFill>
             <a:prstDash val="solid"/>
             <a:round/>
-            <a:headEnd len="sm" w="sm" type="none"/>
-            <a:tailEnd len="sm" w="sm" type="none"/>
+            <a:headEnd type="none" w="sm" len="sm"/>
+            <a:tailEnd type="none" w="sm" len="sm"/>
           </a:ln>
         </p:spPr>
       </p:cxnSp>
       <p:sp>
         <p:nvSpPr>
           <p:cNvPr id="48" name="Google Shape;48;p9"/>
-          <p:cNvSpPr txBox="1"/>
+          <p:cNvSpPr txBox="1">
+            <a:spLocks noGrp="1"/>
+          </p:cNvSpPr>
           <p:nvPr>
             <p:ph type="title"/>
           </p:nvPr>
@@ -4786,7 +5014,7 @@
           </a:prstGeom>
         </p:spPr>
         <p:txBody>
-          <a:bodyPr anchorCtr="0" anchor="b" bIns="91425" lIns="91425" spcFirstLastPara="1" rIns="91425" wrap="square" tIns="91425">
+          <a:bodyPr spcFirstLastPara="1" wrap="square" lIns="91425" tIns="91425" rIns="91425" bIns="91425" anchor="b" anchorCtr="0">
             <a:normAutofit/>
           </a:bodyPr>
           <a:lstStyle>
@@ -4890,15 +5118,19 @@
               <a:defRPr sz="4200"/>
             </a:lvl9pPr>
           </a:lstStyle>
-          <a:p/>
+          <a:p>
+            <a:endParaRPr/>
+          </a:p>
         </p:txBody>
       </p:sp>
       <p:sp>
         <p:nvSpPr>
           <p:cNvPr id="49" name="Google Shape;49;p9"/>
-          <p:cNvSpPr txBox="1"/>
+          <p:cNvSpPr txBox="1">
+            <a:spLocks noGrp="1"/>
+          </p:cNvSpPr>
           <p:nvPr>
-            <p:ph idx="1" type="subTitle"/>
+            <p:ph type="subTitle" idx="1"/>
           </p:nvPr>
         </p:nvSpPr>
         <p:spPr>
@@ -4911,7 +5143,7 @@
           </a:prstGeom>
         </p:spPr>
         <p:txBody>
-          <a:bodyPr anchorCtr="0" anchor="t" bIns="91425" lIns="91425" spcFirstLastPara="1" rIns="91425" wrap="square" tIns="91425">
+          <a:bodyPr spcFirstLastPara="1" wrap="square" lIns="91425" tIns="91425" rIns="91425" bIns="91425" anchor="t" anchorCtr="0">
             <a:normAutofit/>
           </a:bodyPr>
           <a:lstStyle>
@@ -5042,15 +5274,19 @@
               <a:defRPr sz="2100"/>
             </a:lvl9pPr>
           </a:lstStyle>
-          <a:p/>
+          <a:p>
+            <a:endParaRPr/>
+          </a:p>
         </p:txBody>
       </p:sp>
       <p:sp>
         <p:nvSpPr>
           <p:cNvPr id="50" name="Google Shape;50;p9"/>
-          <p:cNvSpPr txBox="1"/>
+          <p:cNvSpPr txBox="1">
+            <a:spLocks noGrp="1"/>
+          </p:cNvSpPr>
           <p:nvPr>
-            <p:ph idx="2" type="body"/>
+            <p:ph type="body" idx="2"/>
           </p:nvPr>
         </p:nvSpPr>
         <p:spPr>
@@ -5063,11 +5299,11 @@
           </a:prstGeom>
         </p:spPr>
         <p:txBody>
-          <a:bodyPr anchorCtr="0" anchor="ctr" bIns="91425" lIns="91425" spcFirstLastPara="1" rIns="91425" wrap="square" tIns="91425">
+          <a:bodyPr spcFirstLastPara="1" wrap="square" lIns="91425" tIns="91425" rIns="91425" bIns="91425" anchor="ctr" anchorCtr="0">
             <a:normAutofit/>
           </a:bodyPr>
           <a:lstStyle>
-            <a:lvl1pPr indent="-342900" lvl="0" marL="457200">
+            <a:lvl1pPr marL="457200" lvl="0" indent="-342900">
               <a:spcBef>
                 <a:spcPts val="0"/>
               </a:spcBef>
@@ -5085,7 +5321,7 @@
                 </a:solidFill>
               </a:defRPr>
             </a:lvl1pPr>
-            <a:lvl2pPr indent="-317500" lvl="1" marL="914400">
+            <a:lvl2pPr marL="914400" lvl="1" indent="-317500">
               <a:spcBef>
                 <a:spcPts val="0"/>
               </a:spcBef>
@@ -5103,7 +5339,7 @@
                 </a:solidFill>
               </a:defRPr>
             </a:lvl2pPr>
-            <a:lvl3pPr indent="-317500" lvl="2" marL="1371600">
+            <a:lvl3pPr marL="1371600" lvl="2" indent="-317500">
               <a:spcBef>
                 <a:spcPts val="0"/>
               </a:spcBef>
@@ -5121,7 +5357,7 @@
                 </a:solidFill>
               </a:defRPr>
             </a:lvl3pPr>
-            <a:lvl4pPr indent="-317500" lvl="3" marL="1828800">
+            <a:lvl4pPr marL="1828800" lvl="3" indent="-317500">
               <a:spcBef>
                 <a:spcPts val="0"/>
               </a:spcBef>
@@ -5139,7 +5375,7 @@
                 </a:solidFill>
               </a:defRPr>
             </a:lvl4pPr>
-            <a:lvl5pPr indent="-317500" lvl="4" marL="2286000">
+            <a:lvl5pPr marL="2286000" lvl="4" indent="-317500">
               <a:spcBef>
                 <a:spcPts val="0"/>
               </a:spcBef>
@@ -5157,7 +5393,7 @@
                 </a:solidFill>
               </a:defRPr>
             </a:lvl5pPr>
-            <a:lvl6pPr indent="-317500" lvl="5" marL="2743200">
+            <a:lvl6pPr marL="2743200" lvl="5" indent="-317500">
               <a:spcBef>
                 <a:spcPts val="0"/>
               </a:spcBef>
@@ -5175,7 +5411,7 @@
                 </a:solidFill>
               </a:defRPr>
             </a:lvl6pPr>
-            <a:lvl7pPr indent="-317500" lvl="6" marL="3200400">
+            <a:lvl7pPr marL="3200400" lvl="6" indent="-317500">
               <a:spcBef>
                 <a:spcPts val="0"/>
               </a:spcBef>
@@ -5193,7 +5429,7 @@
                 </a:solidFill>
               </a:defRPr>
             </a:lvl7pPr>
-            <a:lvl8pPr indent="-317500" lvl="7" marL="3657600">
+            <a:lvl8pPr marL="3657600" lvl="7" indent="-317500">
               <a:spcBef>
                 <a:spcPts val="0"/>
               </a:spcBef>
@@ -5211,7 +5447,7 @@
                 </a:solidFill>
               </a:defRPr>
             </a:lvl8pPr>
-            <a:lvl9pPr indent="-317500" lvl="8" marL="4114800">
+            <a:lvl9pPr marL="4114800" lvl="8" indent="-317500">
               <a:spcBef>
                 <a:spcPts val="0"/>
               </a:spcBef>
@@ -5230,15 +5466,19 @@
               </a:defRPr>
             </a:lvl9pPr>
           </a:lstStyle>
-          <a:p/>
+          <a:p>
+            <a:endParaRPr/>
+          </a:p>
         </p:txBody>
       </p:sp>
       <p:sp>
         <p:nvSpPr>
           <p:cNvPr id="51" name="Google Shape;51;p9"/>
-          <p:cNvSpPr txBox="1"/>
+          <p:cNvSpPr txBox="1">
+            <a:spLocks noGrp="1"/>
+          </p:cNvSpPr>
           <p:nvPr>
-            <p:ph idx="12" type="sldNum"/>
+            <p:ph type="sldNum" idx="12"/>
           </p:nvPr>
         </p:nvSpPr>
         <p:spPr>
@@ -5251,7 +5491,7 @@
           </a:prstGeom>
         </p:spPr>
         <p:txBody>
-          <a:bodyPr anchorCtr="0" anchor="ctr" bIns="91425" lIns="91425" spcFirstLastPara="1" rIns="91425" wrap="square" tIns="91425">
+          <a:bodyPr spcFirstLastPara="1" wrap="square" lIns="91425" tIns="91425" rIns="91425" bIns="91425" anchor="ctr" anchorCtr="0">
             <a:normAutofit/>
           </a:bodyPr>
           <a:lstStyle>
@@ -5329,7 +5569,7 @@
             </a:lvl9pPr>
           </a:lstStyle>
           <a:p>
-            <a:pPr indent="0" lvl="0" marL="0" rtl="0" algn="r">
+            <a:pPr marL="0" lvl="0" indent="0" algn="r" rtl="0">
               <a:spcBef>
                 <a:spcPts val="0"/>
               </a:spcBef>
@@ -5355,11 +5595,11 @@
 </file>
 
 <file path=ppt/slideLayouts/slideLayout9.xml><?xml version="1.0" encoding="utf-8"?>
-<p:sldLayout xmlns:a="http://schemas.openxmlformats.org/drawingml/2006/main" xmlns:r="http://schemas.openxmlformats.org/officeDocument/2006/relationships" xmlns:mc="http://schemas.openxmlformats.org/markup-compatibility/2006" xmlns:mv="urn:schemas-microsoft-com:mac:vml" xmlns:p="http://schemas.openxmlformats.org/presentationml/2006/main" xmlns:c="http://schemas.openxmlformats.org/drawingml/2006/chart" xmlns:dgm="http://schemas.openxmlformats.org/drawingml/2006/diagram" xmlns:o="urn:schemas-microsoft-com:office:office" xmlns:v="urn:schemas-microsoft-com:vml" xmlns:pvml="urn:schemas-microsoft-com:office:powerpoint" xmlns:com="http://schemas.openxmlformats.org/drawingml/2006/compatibility" xmlns:p14="http://schemas.microsoft.com/office/powerpoint/2010/main" xmlns:p15="http://schemas.microsoft.com/office/powerpoint/2012/main" xmlns:ahyp="http://schemas.microsoft.com/office/drawing/2018/hyperlinkcolor" matchingName="Caption">
+<p:sldLayout xmlns:a="http://schemas.openxmlformats.org/drawingml/2006/main" xmlns:r="http://schemas.openxmlformats.org/officeDocument/2006/relationships" xmlns:p="http://schemas.openxmlformats.org/presentationml/2006/main" matchingName="Caption">
   <p:cSld name="CAPTION_ONLY">
     <p:spTree>
       <p:nvGrpSpPr>
-        <p:cNvPr id="52" name="Shape 52"/>
+        <p:cNvPr id="1" name="Shape 52"/>
         <p:cNvGrpSpPr/>
         <p:nvPr/>
       </p:nvGrpSpPr>
@@ -5374,9 +5614,11 @@
       <p:sp>
         <p:nvSpPr>
           <p:cNvPr id="53" name="Google Shape;53;p10"/>
-          <p:cNvSpPr txBox="1"/>
+          <p:cNvSpPr txBox="1">
+            <a:spLocks noGrp="1"/>
+          </p:cNvSpPr>
           <p:nvPr>
-            <p:ph idx="1" type="body"/>
+            <p:ph type="body" idx="1"/>
           </p:nvPr>
         </p:nvSpPr>
         <p:spPr>
@@ -5389,11 +5631,11 @@
           </a:prstGeom>
         </p:spPr>
         <p:txBody>
-          <a:bodyPr anchorCtr="0" anchor="ctr" bIns="91425" lIns="91425" spcFirstLastPara="1" rIns="91425" wrap="square" tIns="91425">
+          <a:bodyPr spcFirstLastPara="1" wrap="square" lIns="91425" tIns="91425" rIns="91425" bIns="91425" anchor="ctr" anchorCtr="0">
             <a:normAutofit/>
           </a:bodyPr>
           <a:lstStyle>
-            <a:lvl1pPr indent="-228600" lvl="0" marL="457200">
+            <a:lvl1pPr marL="457200" lvl="0" indent="-228600">
               <a:lnSpc>
                 <a:spcPct val="100000"/>
               </a:lnSpc>
@@ -5414,15 +5656,19 @@
               </a:defRPr>
             </a:lvl1pPr>
           </a:lstStyle>
-          <a:p/>
+          <a:p>
+            <a:endParaRPr/>
+          </a:p>
         </p:txBody>
       </p:sp>
       <p:sp>
         <p:nvSpPr>
           <p:cNvPr id="54" name="Google Shape;54;p10"/>
-          <p:cNvSpPr txBox="1"/>
+          <p:cNvSpPr txBox="1">
+            <a:spLocks noGrp="1"/>
+          </p:cNvSpPr>
           <p:nvPr>
-            <p:ph idx="12" type="sldNum"/>
+            <p:ph type="sldNum" idx="12"/>
           </p:nvPr>
         </p:nvSpPr>
         <p:spPr>
@@ -5435,7 +5681,7 @@
           </a:prstGeom>
         </p:spPr>
         <p:txBody>
-          <a:bodyPr anchorCtr="0" anchor="ctr" bIns="91425" lIns="91425" spcFirstLastPara="1" rIns="91425" wrap="square" tIns="91425">
+          <a:bodyPr spcFirstLastPara="1" wrap="square" lIns="91425" tIns="91425" rIns="91425" bIns="91425" anchor="ctr" anchorCtr="0">
             <a:normAutofit/>
           </a:bodyPr>
           <a:lstStyle>
@@ -5477,7 +5723,7 @@
             </a:lvl9pPr>
           </a:lstStyle>
           <a:p>
-            <a:pPr indent="0" lvl="0" marL="0" rtl="0" algn="r">
+            <a:pPr marL="0" lvl="0" indent="0" algn="r" rtl="0">
               <a:spcBef>
                 <a:spcPts val="0"/>
               </a:spcBef>
@@ -5503,18 +5749,19 @@
 </file>
 
 <file path=ppt/slideMasters/slideMaster1.xml><?xml version="1.0" encoding="utf-8"?>
-<p:sldMaster xmlns:a="http://schemas.openxmlformats.org/drawingml/2006/main" xmlns:r="http://schemas.openxmlformats.org/officeDocument/2006/relationships" xmlns:mc="http://schemas.openxmlformats.org/markup-compatibility/2006" xmlns:mv="urn:schemas-microsoft-com:mac:vml" xmlns:p="http://schemas.openxmlformats.org/presentationml/2006/main" xmlns:c="http://schemas.openxmlformats.org/drawingml/2006/chart" xmlns:dgm="http://schemas.openxmlformats.org/drawingml/2006/diagram" xmlns:o="urn:schemas-microsoft-com:office:office" xmlns:v="urn:schemas-microsoft-com:vml" xmlns:pvml="urn:schemas-microsoft-com:office:powerpoint" xmlns:com="http://schemas.openxmlformats.org/drawingml/2006/compatibility" xmlns:p14="http://schemas.microsoft.com/office/powerpoint/2010/main" xmlns:p15="http://schemas.microsoft.com/office/powerpoint/2012/main" xmlns:ahyp="http://schemas.microsoft.com/office/drawing/2018/hyperlinkcolor">
+<p:sldMaster xmlns:a="http://schemas.openxmlformats.org/drawingml/2006/main" xmlns:r="http://schemas.openxmlformats.org/officeDocument/2006/relationships" xmlns:p="http://schemas.openxmlformats.org/presentationml/2006/main">
   <p:cSld name="tropic">
     <p:bg>
       <p:bgPr>
         <a:solidFill>
           <a:schemeClr val="lt1"/>
         </a:solidFill>
+        <a:effectLst/>
       </p:bgPr>
     </p:bg>
     <p:spTree>
       <p:nvGrpSpPr>
-        <p:cNvPr id="5" name="Shape 5"/>
+        <p:cNvPr id="1" name="Shape 5"/>
         <p:cNvGrpSpPr/>
         <p:nvPr/>
       </p:nvGrpSpPr>
@@ -5529,7 +5776,9 @@
       <p:sp>
         <p:nvSpPr>
           <p:cNvPr id="6" name="Google Shape;6;p1"/>
-          <p:cNvSpPr txBox="1"/>
+          <p:cNvSpPr txBox="1">
+            <a:spLocks noGrp="1"/>
+          </p:cNvSpPr>
           <p:nvPr>
             <p:ph type="title"/>
           </p:nvPr>
@@ -5548,7 +5797,7 @@
           </a:ln>
         </p:spPr>
         <p:txBody>
-          <a:bodyPr anchorCtr="0" anchor="t" bIns="91425" lIns="91425" spcFirstLastPara="1" rIns="91425" wrap="square" tIns="91425">
+          <a:bodyPr spcFirstLastPara="1" wrap="square" lIns="91425" tIns="91425" rIns="91425" bIns="91425" anchor="t" anchorCtr="0">
             <a:normAutofit/>
           </a:bodyPr>
           <a:lstStyle>
@@ -5565,7 +5814,7 @@
               <a:buSzPts val="3600"/>
               <a:buFont typeface="PT Sans Narrow"/>
               <a:buNone/>
-              <a:defRPr b="1" sz="3600">
+              <a:defRPr sz="3600" b="1">
                 <a:solidFill>
                   <a:schemeClr val="accent1"/>
                 </a:solidFill>
@@ -5588,7 +5837,7 @@
               <a:buSzPts val="3600"/>
               <a:buFont typeface="PT Sans Narrow"/>
               <a:buNone/>
-              <a:defRPr b="1" sz="3600">
+              <a:defRPr sz="3600" b="1">
                 <a:solidFill>
                   <a:schemeClr val="accent1"/>
                 </a:solidFill>
@@ -5611,7 +5860,7 @@
               <a:buSzPts val="3600"/>
               <a:buFont typeface="PT Sans Narrow"/>
               <a:buNone/>
-              <a:defRPr b="1" sz="3600">
+              <a:defRPr sz="3600" b="1">
                 <a:solidFill>
                   <a:schemeClr val="accent1"/>
                 </a:solidFill>
@@ -5634,7 +5883,7 @@
               <a:buSzPts val="3600"/>
               <a:buFont typeface="PT Sans Narrow"/>
               <a:buNone/>
-              <a:defRPr b="1" sz="3600">
+              <a:defRPr sz="3600" b="1">
                 <a:solidFill>
                   <a:schemeClr val="accent1"/>
                 </a:solidFill>
@@ -5657,7 +5906,7 @@
               <a:buSzPts val="3600"/>
               <a:buFont typeface="PT Sans Narrow"/>
               <a:buNone/>
-              <a:defRPr b="1" sz="3600">
+              <a:defRPr sz="3600" b="1">
                 <a:solidFill>
                   <a:schemeClr val="accent1"/>
                 </a:solidFill>
@@ -5680,7 +5929,7 @@
               <a:buSzPts val="3600"/>
               <a:buFont typeface="PT Sans Narrow"/>
               <a:buNone/>
-              <a:defRPr b="1" sz="3600">
+              <a:defRPr sz="3600" b="1">
                 <a:solidFill>
                   <a:schemeClr val="accent1"/>
                 </a:solidFill>
@@ -5703,7 +5952,7 @@
               <a:buSzPts val="3600"/>
               <a:buFont typeface="PT Sans Narrow"/>
               <a:buNone/>
-              <a:defRPr b="1" sz="3600">
+              <a:defRPr sz="3600" b="1">
                 <a:solidFill>
                   <a:schemeClr val="accent1"/>
                 </a:solidFill>
@@ -5726,7 +5975,7 @@
               <a:buSzPts val="3600"/>
               <a:buFont typeface="PT Sans Narrow"/>
               <a:buNone/>
-              <a:defRPr b="1" sz="3600">
+              <a:defRPr sz="3600" b="1">
                 <a:solidFill>
                   <a:schemeClr val="accent1"/>
                 </a:solidFill>
@@ -5749,7 +5998,7 @@
               <a:buSzPts val="3600"/>
               <a:buFont typeface="PT Sans Narrow"/>
               <a:buNone/>
-              <a:defRPr b="1" sz="3600">
+              <a:defRPr sz="3600" b="1">
                 <a:solidFill>
                   <a:schemeClr val="accent1"/>
                 </a:solidFill>
@@ -5760,15 +6009,19 @@
               </a:defRPr>
             </a:lvl9pPr>
           </a:lstStyle>
-          <a:p/>
+          <a:p>
+            <a:endParaRPr/>
+          </a:p>
         </p:txBody>
       </p:sp>
       <p:sp>
         <p:nvSpPr>
           <p:cNvPr id="7" name="Google Shape;7;p1"/>
-          <p:cNvSpPr txBox="1"/>
+          <p:cNvSpPr txBox="1">
+            <a:spLocks noGrp="1"/>
+          </p:cNvSpPr>
           <p:nvPr>
-            <p:ph idx="1" type="body"/>
+            <p:ph type="body" idx="1"/>
           </p:nvPr>
         </p:nvSpPr>
         <p:spPr>
@@ -5785,11 +6038,11 @@
           </a:ln>
         </p:spPr>
         <p:txBody>
-          <a:bodyPr anchorCtr="0" anchor="t" bIns="91425" lIns="91425" spcFirstLastPara="1" rIns="91425" wrap="square" tIns="91425">
+          <a:bodyPr spcFirstLastPara="1" wrap="square" lIns="91425" tIns="91425" rIns="91425" bIns="91425" anchor="t" anchorCtr="0">
             <a:normAutofit/>
           </a:bodyPr>
           <a:lstStyle>
-            <a:lvl1pPr indent="-342900" lvl="0" marL="457200">
+            <a:lvl1pPr marL="457200" lvl="0" indent="-342900">
               <a:lnSpc>
                 <a:spcPct val="115000"/>
               </a:lnSpc>
@@ -5815,7 +6068,7 @@
                 <a:sym typeface="Open Sans"/>
               </a:defRPr>
             </a:lvl1pPr>
-            <a:lvl2pPr indent="-317500" lvl="1" marL="914400">
+            <a:lvl2pPr marL="914400" lvl="1" indent="-317500">
               <a:lnSpc>
                 <a:spcPct val="115000"/>
               </a:lnSpc>
@@ -5841,7 +6094,7 @@
                 <a:sym typeface="Open Sans"/>
               </a:defRPr>
             </a:lvl2pPr>
-            <a:lvl3pPr indent="-317500" lvl="2" marL="1371600">
+            <a:lvl3pPr marL="1371600" lvl="2" indent="-317500">
               <a:lnSpc>
                 <a:spcPct val="115000"/>
               </a:lnSpc>
@@ -5867,7 +6120,7 @@
                 <a:sym typeface="Open Sans"/>
               </a:defRPr>
             </a:lvl3pPr>
-            <a:lvl4pPr indent="-317500" lvl="3" marL="1828800">
+            <a:lvl4pPr marL="1828800" lvl="3" indent="-317500">
               <a:lnSpc>
                 <a:spcPct val="115000"/>
               </a:lnSpc>
@@ -5893,7 +6146,7 @@
                 <a:sym typeface="Open Sans"/>
               </a:defRPr>
             </a:lvl4pPr>
-            <a:lvl5pPr indent="-317500" lvl="4" marL="2286000">
+            <a:lvl5pPr marL="2286000" lvl="4" indent="-317500">
               <a:lnSpc>
                 <a:spcPct val="115000"/>
               </a:lnSpc>
@@ -5919,7 +6172,7 @@
                 <a:sym typeface="Open Sans"/>
               </a:defRPr>
             </a:lvl5pPr>
-            <a:lvl6pPr indent="-317500" lvl="5" marL="2743200">
+            <a:lvl6pPr marL="2743200" lvl="5" indent="-317500">
               <a:lnSpc>
                 <a:spcPct val="115000"/>
               </a:lnSpc>
@@ -5945,7 +6198,7 @@
                 <a:sym typeface="Open Sans"/>
               </a:defRPr>
             </a:lvl6pPr>
-            <a:lvl7pPr indent="-317500" lvl="6" marL="3200400">
+            <a:lvl7pPr marL="3200400" lvl="6" indent="-317500">
               <a:lnSpc>
                 <a:spcPct val="115000"/>
               </a:lnSpc>
@@ -5971,7 +6224,7 @@
                 <a:sym typeface="Open Sans"/>
               </a:defRPr>
             </a:lvl7pPr>
-            <a:lvl8pPr indent="-317500" lvl="7" marL="3657600">
+            <a:lvl8pPr marL="3657600" lvl="7" indent="-317500">
               <a:lnSpc>
                 <a:spcPct val="115000"/>
               </a:lnSpc>
@@ -5997,7 +6250,7 @@
                 <a:sym typeface="Open Sans"/>
               </a:defRPr>
             </a:lvl8pPr>
-            <a:lvl9pPr indent="-317500" lvl="8" marL="4114800">
+            <a:lvl9pPr marL="4114800" lvl="8" indent="-317500">
               <a:lnSpc>
                 <a:spcPct val="115000"/>
               </a:lnSpc>
@@ -6024,15 +6277,19 @@
               </a:defRPr>
             </a:lvl9pPr>
           </a:lstStyle>
-          <a:p/>
+          <a:p>
+            <a:endParaRPr/>
+          </a:p>
         </p:txBody>
       </p:sp>
       <p:sp>
         <p:nvSpPr>
           <p:cNvPr id="8" name="Google Shape;8;p1"/>
-          <p:cNvSpPr txBox="1"/>
+          <p:cNvSpPr txBox="1">
+            <a:spLocks noGrp="1"/>
+          </p:cNvSpPr>
           <p:nvPr>
-            <p:ph idx="12" type="sldNum"/>
+            <p:ph type="sldNum" idx="12"/>
           </p:nvPr>
         </p:nvSpPr>
         <p:spPr>
@@ -6049,7 +6306,7 @@
           </a:ln>
         </p:spPr>
         <p:txBody>
-          <a:bodyPr anchorCtr="0" anchor="ctr" bIns="91425" lIns="91425" spcFirstLastPara="1" rIns="91425" wrap="square" tIns="91425">
+          <a:bodyPr spcFirstLastPara="1" wrap="square" lIns="91425" tIns="91425" rIns="91425" bIns="91425" anchor="ctr" anchorCtr="0">
             <a:normAutofit/>
           </a:bodyPr>
           <a:lstStyle>
@@ -6163,7 +6420,7 @@
             </a:lvl9pPr>
           </a:lstStyle>
           <a:p>
-            <a:pPr indent="0" lvl="0" marL="0" rtl="0" algn="r">
+            <a:pPr marL="0" lvl="0" indent="0" algn="r" rtl="0">
               <a:spcBef>
                 <a:spcPts val="0"/>
               </a:spcBef>
@@ -6182,7 +6439,7 @@
       </p:sp>
     </p:spTree>
   </p:cSld>
-  <p:clrMap accent1="accent1" accent2="accent2" accent3="accent3" accent4="accent4" accent5="accent5" accent6="accent6" bg1="lt1" bg2="dk2" tx1="dk1" tx2="lt2" folHlink="folHlink" hlink="hlink"/>
+  <p:clrMap bg1="lt1" tx1="dk1" bg2="dk2" tx2="lt2" accent1="accent1" accent2="accent2" accent3="accent3" accent4="accent4" accent5="accent5" accent6="accent6" hlink="hlink" folHlink="folHlink"/>
   <p:sldLayoutIdLst>
     <p:sldLayoutId id="2147483648" r:id="rId1"/>
     <p:sldLayoutId id="2147483649" r:id="rId2"/>
@@ -6196,10 +6453,10 @@
     <p:sldLayoutId id="2147483657" r:id="rId10"/>
     <p:sldLayoutId id="2147483658" r:id="rId11"/>
   </p:sldLayoutIdLst>
-  <p:hf dt="0" ftr="0" hdr="0" sldNum="0"/>
+  <p:hf sldNum="0" hdr="0" ftr="0" dt="0"/>
   <p:txStyles>
     <p:titleStyle>
-      <a:defPPr lvl="0" marR="0" rtl="0" algn="l">
+      <a:defPPr marR="0" lvl="0" algn="l" rtl="0">
         <a:lnSpc>
           <a:spcPct val="100000"/>
         </a:lnSpc>
@@ -6210,7 +6467,7 @@
           <a:spcPts val="0"/>
         </a:spcAft>
       </a:defPPr>
-      <a:lvl1pPr lvl="0" marR="0" rtl="0" algn="l">
+      <a:lvl1pPr marR="0" lvl="0" algn="l" rtl="0">
         <a:lnSpc>
           <a:spcPct val="100000"/>
         </a:lnSpc>
@@ -6224,7 +6481,7 @@
           <a:srgbClr val="000000"/>
         </a:buClr>
         <a:buFont typeface="Arial"/>
-        <a:defRPr b="0" i="0" sz="1400" u="none" cap="none" strike="noStrike">
+        <a:defRPr sz="1400" b="0" i="0" u="none" strike="noStrike" cap="none">
           <a:solidFill>
             <a:srgbClr val="000000"/>
           </a:solidFill>
@@ -6234,7 +6491,7 @@
           <a:sym typeface="Arial"/>
         </a:defRPr>
       </a:lvl1pPr>
-      <a:lvl2pPr lvl="1" marR="0" rtl="0" algn="l">
+      <a:lvl2pPr marR="0" lvl="1" algn="l" rtl="0">
         <a:lnSpc>
           <a:spcPct val="100000"/>
         </a:lnSpc>
@@ -6248,7 +6505,7 @@
           <a:srgbClr val="000000"/>
         </a:buClr>
         <a:buFont typeface="Arial"/>
-        <a:defRPr b="0" i="0" sz="1400" u="none" cap="none" strike="noStrike">
+        <a:defRPr sz="1400" b="0" i="0" u="none" strike="noStrike" cap="none">
           <a:solidFill>
             <a:srgbClr val="000000"/>
           </a:solidFill>
@@ -6258,7 +6515,7 @@
           <a:sym typeface="Arial"/>
         </a:defRPr>
       </a:lvl2pPr>
-      <a:lvl3pPr lvl="2" marR="0" rtl="0" algn="l">
+      <a:lvl3pPr marR="0" lvl="2" algn="l" rtl="0">
         <a:lnSpc>
           <a:spcPct val="100000"/>
         </a:lnSpc>
@@ -6272,7 +6529,7 @@
           <a:srgbClr val="000000"/>
         </a:buClr>
         <a:buFont typeface="Arial"/>
-        <a:defRPr b="0" i="0" sz="1400" u="none" cap="none" strike="noStrike">
+        <a:defRPr sz="1400" b="0" i="0" u="none" strike="noStrike" cap="none">
           <a:solidFill>
             <a:srgbClr val="000000"/>
           </a:solidFill>
@@ -6282,7 +6539,7 @@
           <a:sym typeface="Arial"/>
         </a:defRPr>
       </a:lvl3pPr>
-      <a:lvl4pPr lvl="3" marR="0" rtl="0" algn="l">
+      <a:lvl4pPr marR="0" lvl="3" algn="l" rtl="0">
         <a:lnSpc>
           <a:spcPct val="100000"/>
         </a:lnSpc>
@@ -6296,7 +6553,7 @@
           <a:srgbClr val="000000"/>
         </a:buClr>
         <a:buFont typeface="Arial"/>
-        <a:defRPr b="0" i="0" sz="1400" u="none" cap="none" strike="noStrike">
+        <a:defRPr sz="1400" b="0" i="0" u="none" strike="noStrike" cap="none">
           <a:solidFill>
             <a:srgbClr val="000000"/>
           </a:solidFill>
@@ -6306,7 +6563,7 @@
           <a:sym typeface="Arial"/>
         </a:defRPr>
       </a:lvl4pPr>
-      <a:lvl5pPr lvl="4" marR="0" rtl="0" algn="l">
+      <a:lvl5pPr marR="0" lvl="4" algn="l" rtl="0">
         <a:lnSpc>
           <a:spcPct val="100000"/>
         </a:lnSpc>
@@ -6320,7 +6577,7 @@
           <a:srgbClr val="000000"/>
         </a:buClr>
         <a:buFont typeface="Arial"/>
-        <a:defRPr b="0" i="0" sz="1400" u="none" cap="none" strike="noStrike">
+        <a:defRPr sz="1400" b="0" i="0" u="none" strike="noStrike" cap="none">
           <a:solidFill>
             <a:srgbClr val="000000"/>
           </a:solidFill>
@@ -6330,7 +6587,7 @@
           <a:sym typeface="Arial"/>
         </a:defRPr>
       </a:lvl5pPr>
-      <a:lvl6pPr lvl="5" marR="0" rtl="0" algn="l">
+      <a:lvl6pPr marR="0" lvl="5" algn="l" rtl="0">
         <a:lnSpc>
           <a:spcPct val="100000"/>
         </a:lnSpc>
@@ -6344,7 +6601,7 @@
           <a:srgbClr val="000000"/>
         </a:buClr>
         <a:buFont typeface="Arial"/>
-        <a:defRPr b="0" i="0" sz="1400" u="none" cap="none" strike="noStrike">
+        <a:defRPr sz="1400" b="0" i="0" u="none" strike="noStrike" cap="none">
           <a:solidFill>
             <a:srgbClr val="000000"/>
           </a:solidFill>
@@ -6354,7 +6611,7 @@
           <a:sym typeface="Arial"/>
         </a:defRPr>
       </a:lvl6pPr>
-      <a:lvl7pPr lvl="6" marR="0" rtl="0" algn="l">
+      <a:lvl7pPr marR="0" lvl="6" algn="l" rtl="0">
         <a:lnSpc>
           <a:spcPct val="100000"/>
         </a:lnSpc>
@@ -6368,7 +6625,7 @@
           <a:srgbClr val="000000"/>
         </a:buClr>
         <a:buFont typeface="Arial"/>
-        <a:defRPr b="0" i="0" sz="1400" u="none" cap="none" strike="noStrike">
+        <a:defRPr sz="1400" b="0" i="0" u="none" strike="noStrike" cap="none">
           <a:solidFill>
             <a:srgbClr val="000000"/>
           </a:solidFill>
@@ -6378,7 +6635,7 @@
           <a:sym typeface="Arial"/>
         </a:defRPr>
       </a:lvl7pPr>
-      <a:lvl8pPr lvl="7" marR="0" rtl="0" algn="l">
+      <a:lvl8pPr marR="0" lvl="7" algn="l" rtl="0">
         <a:lnSpc>
           <a:spcPct val="100000"/>
         </a:lnSpc>
@@ -6392,7 +6649,7 @@
           <a:srgbClr val="000000"/>
         </a:buClr>
         <a:buFont typeface="Arial"/>
-        <a:defRPr b="0" i="0" sz="1400" u="none" cap="none" strike="noStrike">
+        <a:defRPr sz="1400" b="0" i="0" u="none" strike="noStrike" cap="none">
           <a:solidFill>
             <a:srgbClr val="000000"/>
           </a:solidFill>
@@ -6402,7 +6659,7 @@
           <a:sym typeface="Arial"/>
         </a:defRPr>
       </a:lvl8pPr>
-      <a:lvl9pPr lvl="8" marR="0" rtl="0" algn="l">
+      <a:lvl9pPr marR="0" lvl="8" algn="l" rtl="0">
         <a:lnSpc>
           <a:spcPct val="100000"/>
         </a:lnSpc>
@@ -6416,7 +6673,7 @@
           <a:srgbClr val="000000"/>
         </a:buClr>
         <a:buFont typeface="Arial"/>
-        <a:defRPr b="0" i="0" sz="1400" u="none" cap="none" strike="noStrike">
+        <a:defRPr sz="1400" b="0" i="0" u="none" strike="noStrike" cap="none">
           <a:solidFill>
             <a:srgbClr val="000000"/>
           </a:solidFill>
@@ -6428,7 +6685,7 @@
       </a:lvl9pPr>
     </p:titleStyle>
     <p:bodyStyle>
-      <a:defPPr lvl="0" marR="0" rtl="0" algn="l">
+      <a:defPPr marR="0" lvl="0" algn="l" rtl="0">
         <a:lnSpc>
           <a:spcPct val="100000"/>
         </a:lnSpc>
@@ -6439,7 +6696,7 @@
           <a:spcPts val="0"/>
         </a:spcAft>
       </a:defPPr>
-      <a:lvl1pPr lvl="0" marR="0" rtl="0" algn="l">
+      <a:lvl1pPr marR="0" lvl="0" algn="l" rtl="0">
         <a:lnSpc>
           <a:spcPct val="100000"/>
         </a:lnSpc>
@@ -6453,7 +6710,7 @@
           <a:srgbClr val="000000"/>
         </a:buClr>
         <a:buFont typeface="Arial"/>
-        <a:defRPr b="0" i="0" sz="1400" u="none" cap="none" strike="noStrike">
+        <a:defRPr sz="1400" b="0" i="0" u="none" strike="noStrike" cap="none">
           <a:solidFill>
             <a:srgbClr val="000000"/>
           </a:solidFill>
@@ -6463,7 +6720,7 @@
           <a:sym typeface="Arial"/>
         </a:defRPr>
       </a:lvl1pPr>
-      <a:lvl2pPr lvl="1" marR="0" rtl="0" algn="l">
+      <a:lvl2pPr marR="0" lvl="1" algn="l" rtl="0">
         <a:lnSpc>
           <a:spcPct val="100000"/>
         </a:lnSpc>
@@ -6477,7 +6734,7 @@
           <a:srgbClr val="000000"/>
         </a:buClr>
         <a:buFont typeface="Arial"/>
-        <a:defRPr b="0" i="0" sz="1400" u="none" cap="none" strike="noStrike">
+        <a:defRPr sz="1400" b="0" i="0" u="none" strike="noStrike" cap="none">
           <a:solidFill>
             <a:srgbClr val="000000"/>
           </a:solidFill>
@@ -6487,7 +6744,7 @@
           <a:sym typeface="Arial"/>
         </a:defRPr>
       </a:lvl2pPr>
-      <a:lvl3pPr lvl="2" marR="0" rtl="0" algn="l">
+      <a:lvl3pPr marR="0" lvl="2" algn="l" rtl="0">
         <a:lnSpc>
           <a:spcPct val="100000"/>
         </a:lnSpc>
@@ -6501,7 +6758,7 @@
           <a:srgbClr val="000000"/>
         </a:buClr>
         <a:buFont typeface="Arial"/>
-        <a:defRPr b="0" i="0" sz="1400" u="none" cap="none" strike="noStrike">
+        <a:defRPr sz="1400" b="0" i="0" u="none" strike="noStrike" cap="none">
           <a:solidFill>
             <a:srgbClr val="000000"/>
           </a:solidFill>
@@ -6511,7 +6768,7 @@
           <a:sym typeface="Arial"/>
         </a:defRPr>
       </a:lvl3pPr>
-      <a:lvl4pPr lvl="3" marR="0" rtl="0" algn="l">
+      <a:lvl4pPr marR="0" lvl="3" algn="l" rtl="0">
         <a:lnSpc>
           <a:spcPct val="100000"/>
         </a:lnSpc>
@@ -6525,7 +6782,7 @@
           <a:srgbClr val="000000"/>
         </a:buClr>
         <a:buFont typeface="Arial"/>
-        <a:defRPr b="0" i="0" sz="1400" u="none" cap="none" strike="noStrike">
+        <a:defRPr sz="1400" b="0" i="0" u="none" strike="noStrike" cap="none">
           <a:solidFill>
             <a:srgbClr val="000000"/>
           </a:solidFill>
@@ -6535,7 +6792,7 @@
           <a:sym typeface="Arial"/>
         </a:defRPr>
       </a:lvl4pPr>
-      <a:lvl5pPr lvl="4" marR="0" rtl="0" algn="l">
+      <a:lvl5pPr marR="0" lvl="4" algn="l" rtl="0">
         <a:lnSpc>
           <a:spcPct val="100000"/>
         </a:lnSpc>
@@ -6549,7 +6806,7 @@
           <a:srgbClr val="000000"/>
         </a:buClr>
         <a:buFont typeface="Arial"/>
-        <a:defRPr b="0" i="0" sz="1400" u="none" cap="none" strike="noStrike">
+        <a:defRPr sz="1400" b="0" i="0" u="none" strike="noStrike" cap="none">
           <a:solidFill>
             <a:srgbClr val="000000"/>
           </a:solidFill>
@@ -6559,7 +6816,7 @@
           <a:sym typeface="Arial"/>
         </a:defRPr>
       </a:lvl5pPr>
-      <a:lvl6pPr lvl="5" marR="0" rtl="0" algn="l">
+      <a:lvl6pPr marR="0" lvl="5" algn="l" rtl="0">
         <a:lnSpc>
           <a:spcPct val="100000"/>
         </a:lnSpc>
@@ -6573,7 +6830,7 @@
           <a:srgbClr val="000000"/>
         </a:buClr>
         <a:buFont typeface="Arial"/>
-        <a:defRPr b="0" i="0" sz="1400" u="none" cap="none" strike="noStrike">
+        <a:defRPr sz="1400" b="0" i="0" u="none" strike="noStrike" cap="none">
           <a:solidFill>
             <a:srgbClr val="000000"/>
           </a:solidFill>
@@ -6583,7 +6840,7 @@
           <a:sym typeface="Arial"/>
         </a:defRPr>
       </a:lvl6pPr>
-      <a:lvl7pPr lvl="6" marR="0" rtl="0" algn="l">
+      <a:lvl7pPr marR="0" lvl="6" algn="l" rtl="0">
         <a:lnSpc>
           <a:spcPct val="100000"/>
         </a:lnSpc>
@@ -6597,7 +6854,7 @@
           <a:srgbClr val="000000"/>
         </a:buClr>
         <a:buFont typeface="Arial"/>
-        <a:defRPr b="0" i="0" sz="1400" u="none" cap="none" strike="noStrike">
+        <a:defRPr sz="1400" b="0" i="0" u="none" strike="noStrike" cap="none">
           <a:solidFill>
             <a:srgbClr val="000000"/>
           </a:solidFill>
@@ -6607,7 +6864,7 @@
           <a:sym typeface="Arial"/>
         </a:defRPr>
       </a:lvl7pPr>
-      <a:lvl8pPr lvl="7" marR="0" rtl="0" algn="l">
+      <a:lvl8pPr marR="0" lvl="7" algn="l" rtl="0">
         <a:lnSpc>
           <a:spcPct val="100000"/>
         </a:lnSpc>
@@ -6621,7 +6878,7 @@
           <a:srgbClr val="000000"/>
         </a:buClr>
         <a:buFont typeface="Arial"/>
-        <a:defRPr b="0" i="0" sz="1400" u="none" cap="none" strike="noStrike">
+        <a:defRPr sz="1400" b="0" i="0" u="none" strike="noStrike" cap="none">
           <a:solidFill>
             <a:srgbClr val="000000"/>
           </a:solidFill>
@@ -6631,7 +6888,7 @@
           <a:sym typeface="Arial"/>
         </a:defRPr>
       </a:lvl8pPr>
-      <a:lvl9pPr lvl="8" marR="0" rtl="0" algn="l">
+      <a:lvl9pPr marR="0" lvl="8" algn="l" rtl="0">
         <a:lnSpc>
           <a:spcPct val="100000"/>
         </a:lnSpc>
@@ -6645,7 +6902,7 @@
           <a:srgbClr val="000000"/>
         </a:buClr>
         <a:buFont typeface="Arial"/>
-        <a:defRPr b="0" i="0" sz="1400" u="none" cap="none" strike="noStrike">
+        <a:defRPr sz="1400" b="0" i="0" u="none" strike="noStrike" cap="none">
           <a:solidFill>
             <a:srgbClr val="000000"/>
           </a:solidFill>
@@ -6657,7 +6914,7 @@
       </a:lvl9pPr>
     </p:bodyStyle>
     <p:otherStyle>
-      <a:defPPr lvl="0" marR="0" rtl="0" algn="l">
+      <a:defPPr marR="0" lvl="0" algn="l" rtl="0">
         <a:lnSpc>
           <a:spcPct val="100000"/>
         </a:lnSpc>
@@ -6668,7 +6925,7 @@
           <a:spcPts val="0"/>
         </a:spcAft>
       </a:defPPr>
-      <a:lvl1pPr lvl="0" marR="0" rtl="0" algn="l">
+      <a:lvl1pPr marR="0" lvl="0" algn="l" rtl="0">
         <a:lnSpc>
           <a:spcPct val="100000"/>
         </a:lnSpc>
@@ -6682,7 +6939,7 @@
           <a:srgbClr val="000000"/>
         </a:buClr>
         <a:buFont typeface="Arial"/>
-        <a:defRPr b="0" i="0" sz="1400" u="none" cap="none" strike="noStrike">
+        <a:defRPr sz="1400" b="0" i="0" u="none" strike="noStrike" cap="none">
           <a:solidFill>
             <a:srgbClr val="000000"/>
           </a:solidFill>
@@ -6692,7 +6949,7 @@
           <a:sym typeface="Arial"/>
         </a:defRPr>
       </a:lvl1pPr>
-      <a:lvl2pPr lvl="1" marR="0" rtl="0" algn="l">
+      <a:lvl2pPr marR="0" lvl="1" algn="l" rtl="0">
         <a:lnSpc>
           <a:spcPct val="100000"/>
         </a:lnSpc>
@@ -6706,7 +6963,7 @@
           <a:srgbClr val="000000"/>
         </a:buClr>
         <a:buFont typeface="Arial"/>
-        <a:defRPr b="0" i="0" sz="1400" u="none" cap="none" strike="noStrike">
+        <a:defRPr sz="1400" b="0" i="0" u="none" strike="noStrike" cap="none">
           <a:solidFill>
             <a:srgbClr val="000000"/>
           </a:solidFill>
@@ -6716,7 +6973,7 @@
           <a:sym typeface="Arial"/>
         </a:defRPr>
       </a:lvl2pPr>
-      <a:lvl3pPr lvl="2" marR="0" rtl="0" algn="l">
+      <a:lvl3pPr marR="0" lvl="2" algn="l" rtl="0">
         <a:lnSpc>
           <a:spcPct val="100000"/>
         </a:lnSpc>
@@ -6730,7 +6987,7 @@
           <a:srgbClr val="000000"/>
         </a:buClr>
         <a:buFont typeface="Arial"/>
-        <a:defRPr b="0" i="0" sz="1400" u="none" cap="none" strike="noStrike">
+        <a:defRPr sz="1400" b="0" i="0" u="none" strike="noStrike" cap="none">
           <a:solidFill>
             <a:srgbClr val="000000"/>
           </a:solidFill>
@@ -6740,7 +6997,7 @@
           <a:sym typeface="Arial"/>
         </a:defRPr>
       </a:lvl3pPr>
-      <a:lvl4pPr lvl="3" marR="0" rtl="0" algn="l">
+      <a:lvl4pPr marR="0" lvl="3" algn="l" rtl="0">
         <a:lnSpc>
           <a:spcPct val="100000"/>
         </a:lnSpc>
@@ -6754,7 +7011,7 @@
           <a:srgbClr val="000000"/>
         </a:buClr>
         <a:buFont typeface="Arial"/>
-        <a:defRPr b="0" i="0" sz="1400" u="none" cap="none" strike="noStrike">
+        <a:defRPr sz="1400" b="0" i="0" u="none" strike="noStrike" cap="none">
           <a:solidFill>
             <a:srgbClr val="000000"/>
           </a:solidFill>
@@ -6764,7 +7021,7 @@
           <a:sym typeface="Arial"/>
         </a:defRPr>
       </a:lvl4pPr>
-      <a:lvl5pPr lvl="4" marR="0" rtl="0" algn="l">
+      <a:lvl5pPr marR="0" lvl="4" algn="l" rtl="0">
         <a:lnSpc>
           <a:spcPct val="100000"/>
         </a:lnSpc>
@@ -6778,7 +7035,7 @@
           <a:srgbClr val="000000"/>
         </a:buClr>
         <a:buFont typeface="Arial"/>
-        <a:defRPr b="0" i="0" sz="1400" u="none" cap="none" strike="noStrike">
+        <a:defRPr sz="1400" b="0" i="0" u="none" strike="noStrike" cap="none">
           <a:solidFill>
             <a:srgbClr val="000000"/>
           </a:solidFill>
@@ -6788,7 +7045,7 @@
           <a:sym typeface="Arial"/>
         </a:defRPr>
       </a:lvl5pPr>
-      <a:lvl6pPr lvl="5" marR="0" rtl="0" algn="l">
+      <a:lvl6pPr marR="0" lvl="5" algn="l" rtl="0">
         <a:lnSpc>
           <a:spcPct val="100000"/>
         </a:lnSpc>
@@ -6802,7 +7059,7 @@
           <a:srgbClr val="000000"/>
         </a:buClr>
         <a:buFont typeface="Arial"/>
-        <a:defRPr b="0" i="0" sz="1400" u="none" cap="none" strike="noStrike">
+        <a:defRPr sz="1400" b="0" i="0" u="none" strike="noStrike" cap="none">
           <a:solidFill>
             <a:srgbClr val="000000"/>
           </a:solidFill>
@@ -6812,7 +7069,7 @@
           <a:sym typeface="Arial"/>
         </a:defRPr>
       </a:lvl6pPr>
-      <a:lvl7pPr lvl="6" marR="0" rtl="0" algn="l">
+      <a:lvl7pPr marR="0" lvl="6" algn="l" rtl="0">
         <a:lnSpc>
           <a:spcPct val="100000"/>
         </a:lnSpc>
@@ -6826,7 +7083,7 @@
           <a:srgbClr val="000000"/>
         </a:buClr>
         <a:buFont typeface="Arial"/>
-        <a:defRPr b="0" i="0" sz="1400" u="none" cap="none" strike="noStrike">
+        <a:defRPr sz="1400" b="0" i="0" u="none" strike="noStrike" cap="none">
           <a:solidFill>
             <a:srgbClr val="000000"/>
           </a:solidFill>
@@ -6836,7 +7093,7 @@
           <a:sym typeface="Arial"/>
         </a:defRPr>
       </a:lvl7pPr>
-      <a:lvl8pPr lvl="7" marR="0" rtl="0" algn="l">
+      <a:lvl8pPr marR="0" lvl="7" algn="l" rtl="0">
         <a:lnSpc>
           <a:spcPct val="100000"/>
         </a:lnSpc>
@@ -6850,7 +7107,7 @@
           <a:srgbClr val="000000"/>
         </a:buClr>
         <a:buFont typeface="Arial"/>
-        <a:defRPr b="0" i="0" sz="1400" u="none" cap="none" strike="noStrike">
+        <a:defRPr sz="1400" b="0" i="0" u="none" strike="noStrike" cap="none">
           <a:solidFill>
             <a:srgbClr val="000000"/>
           </a:solidFill>
@@ -6860,7 +7117,7 @@
           <a:sym typeface="Arial"/>
         </a:defRPr>
       </a:lvl8pPr>
-      <a:lvl9pPr lvl="8" marR="0" rtl="0" algn="l">
+      <a:lvl9pPr marR="0" lvl="8" algn="l" rtl="0">
         <a:lnSpc>
           <a:spcPct val="100000"/>
         </a:lnSpc>
@@ -6874,7 +7131,7 @@
           <a:srgbClr val="000000"/>
         </a:buClr>
         <a:buFont typeface="Arial"/>
-        <a:defRPr b="0" i="0" sz="1400" u="none" cap="none" strike="noStrike">
+        <a:defRPr sz="1400" b="0" i="0" u="none" strike="noStrike" cap="none">
           <a:solidFill>
             <a:srgbClr val="000000"/>
           </a:solidFill>
@@ -6890,18 +7147,19 @@
 </file>
 
 <file path=ppt/slides/slide1.xml><?xml version="1.0" encoding="utf-8"?>
-<p:sld xmlns:a="http://schemas.openxmlformats.org/drawingml/2006/main" xmlns:r="http://schemas.openxmlformats.org/officeDocument/2006/relationships" xmlns:mc="http://schemas.openxmlformats.org/markup-compatibility/2006" xmlns:mv="urn:schemas-microsoft-com:mac:vml" xmlns:p="http://schemas.openxmlformats.org/presentationml/2006/main" xmlns:c="http://schemas.openxmlformats.org/drawingml/2006/chart" xmlns:dgm="http://schemas.openxmlformats.org/drawingml/2006/diagram" xmlns:o="urn:schemas-microsoft-com:office:office" xmlns:v="urn:schemas-microsoft-com:vml" xmlns:pvml="urn:schemas-microsoft-com:office:powerpoint" xmlns:com="http://schemas.openxmlformats.org/drawingml/2006/compatibility" xmlns:p14="http://schemas.microsoft.com/office/powerpoint/2010/main" xmlns:p15="http://schemas.microsoft.com/office/powerpoint/2012/main" xmlns:ahyp="http://schemas.microsoft.com/office/drawing/2018/hyperlinkcolor">
+<p:sld xmlns:a="http://schemas.openxmlformats.org/drawingml/2006/main" xmlns:r="http://schemas.openxmlformats.org/officeDocument/2006/relationships" xmlns:p="http://schemas.openxmlformats.org/presentationml/2006/main">
   <p:cSld>
     <p:bg>
       <p:bgPr>
         <a:solidFill>
           <a:schemeClr val="lt1"/>
         </a:solidFill>
+        <a:effectLst/>
       </p:bgPr>
     </p:bg>
     <p:spTree>
       <p:nvGrpSpPr>
-        <p:cNvPr id="65" name="Shape 65"/>
+        <p:cNvPr id="1" name="Shape 65"/>
         <p:cNvGrpSpPr/>
         <p:nvPr/>
       </p:nvGrpSpPr>
@@ -6916,7 +7174,9 @@
       <p:sp>
         <p:nvSpPr>
           <p:cNvPr id="66" name="Google Shape;66;p13"/>
-          <p:cNvSpPr txBox="1"/>
+          <p:cNvSpPr txBox="1">
+            <a:spLocks noGrp="1"/>
+          </p:cNvSpPr>
           <p:nvPr>
             <p:ph type="ctrTitle"/>
           </p:nvPr>
@@ -6931,12 +7191,12 @@
           </a:prstGeom>
         </p:spPr>
         <p:txBody>
-          <a:bodyPr anchorCtr="0" anchor="b" bIns="91425" lIns="91425" spcFirstLastPara="1" rIns="91425" wrap="square" tIns="91425">
+          <a:bodyPr spcFirstLastPara="1" wrap="square" lIns="91425" tIns="91425" rIns="91425" bIns="91425" anchor="b" anchorCtr="0">
             <a:normAutofit fontScale="90000"/>
           </a:bodyPr>
           <a:lstStyle/>
           <a:p>
-            <a:pPr indent="0" lvl="0" marL="0" rtl="0" algn="ctr">
+            <a:pPr marL="0" lvl="0" indent="0" algn="ctr" rtl="0">
               <a:spcBef>
                 <a:spcPts val="0"/>
               </a:spcBef>
@@ -6956,9 +7216,11 @@
       <p:sp>
         <p:nvSpPr>
           <p:cNvPr id="67" name="Google Shape;67;p13"/>
-          <p:cNvSpPr txBox="1"/>
+          <p:cNvSpPr txBox="1">
+            <a:spLocks noGrp="1"/>
+          </p:cNvSpPr>
           <p:nvPr>
-            <p:ph idx="1" type="subTitle"/>
+            <p:ph type="subTitle" idx="1"/>
           </p:nvPr>
         </p:nvSpPr>
         <p:spPr>
@@ -6971,12 +7233,12 @@
           </a:prstGeom>
         </p:spPr>
         <p:txBody>
-          <a:bodyPr anchorCtr="0" anchor="t" bIns="91425" lIns="91425" spcFirstLastPara="1" rIns="91425" wrap="square" tIns="91425">
-            <a:normAutofit fontScale="62500" lnSpcReduction="20000"/>
+          <a:bodyPr spcFirstLastPara="1" wrap="square" lIns="91425" tIns="91425" rIns="91425" bIns="91425" anchor="t" anchorCtr="0">
+            <a:normAutofit fontScale="92500" lnSpcReduction="10000"/>
           </a:bodyPr>
           <a:lstStyle/>
           <a:p>
-            <a:pPr indent="0" lvl="0" marL="0" rtl="0" algn="ctr">
+            <a:pPr marL="0" lvl="0" indent="0" algn="ctr" rtl="0">
               <a:spcBef>
                 <a:spcPts val="0"/>
               </a:spcBef>
@@ -6992,7 +7254,7 @@
             <a:endParaRPr/>
           </a:p>
           <a:p>
-            <a:pPr indent="0" lvl="0" marL="0" rtl="0" algn="ctr">
+            <a:pPr marL="0" lvl="0" indent="0" algn="ctr" rtl="0">
               <a:spcBef>
                 <a:spcPts val="0"/>
               </a:spcBef>
@@ -7008,7 +7270,7 @@
             <a:endParaRPr/>
           </a:p>
           <a:p>
-            <a:pPr indent="0" lvl="0" marL="0" rtl="0" algn="ctr">
+            <a:pPr marL="0" lvl="0" indent="0" algn="ctr" rtl="0">
               <a:spcBef>
                 <a:spcPts val="0"/>
               </a:spcBef>
@@ -7017,9 +7279,6 @@
               </a:spcAft>
               <a:buNone/>
             </a:pPr>
-            <a:r>
-              <a:t/>
-            </a:r>
             <a:endParaRPr/>
           </a:p>
         </p:txBody>
@@ -7033,11 +7292,11 @@
 </file>
 
 <file path=ppt/slides/slide2.xml><?xml version="1.0" encoding="utf-8"?>
-<p:sld xmlns:a="http://schemas.openxmlformats.org/drawingml/2006/main" xmlns:r="http://schemas.openxmlformats.org/officeDocument/2006/relationships" xmlns:mc="http://schemas.openxmlformats.org/markup-compatibility/2006" xmlns:mv="urn:schemas-microsoft-com:mac:vml" xmlns:p="http://schemas.openxmlformats.org/presentationml/2006/main" xmlns:c="http://schemas.openxmlformats.org/drawingml/2006/chart" xmlns:dgm="http://schemas.openxmlformats.org/drawingml/2006/diagram" xmlns:o="urn:schemas-microsoft-com:office:office" xmlns:v="urn:schemas-microsoft-com:vml" xmlns:pvml="urn:schemas-microsoft-com:office:powerpoint" xmlns:com="http://schemas.openxmlformats.org/drawingml/2006/compatibility" xmlns:p14="http://schemas.microsoft.com/office/powerpoint/2010/main" xmlns:p15="http://schemas.microsoft.com/office/powerpoint/2012/main" xmlns:ahyp="http://schemas.microsoft.com/office/drawing/2018/hyperlinkcolor">
+<p:sld xmlns:a="http://schemas.openxmlformats.org/drawingml/2006/main" xmlns:r="http://schemas.openxmlformats.org/officeDocument/2006/relationships" xmlns:p="http://schemas.openxmlformats.org/presentationml/2006/main">
   <p:cSld>
     <p:spTree>
       <p:nvGrpSpPr>
-        <p:cNvPr id="71" name="Shape 71"/>
+        <p:cNvPr id="1" name="Shape 71"/>
         <p:cNvGrpSpPr/>
         <p:nvPr/>
       </p:nvGrpSpPr>
@@ -7052,7 +7311,9 @@
       <p:sp>
         <p:nvSpPr>
           <p:cNvPr id="72" name="Google Shape;72;p14"/>
-          <p:cNvSpPr txBox="1"/>
+          <p:cNvSpPr txBox="1">
+            <a:spLocks noGrp="1"/>
+          </p:cNvSpPr>
           <p:nvPr>
             <p:ph type="title"/>
           </p:nvPr>
@@ -7067,12 +7328,12 @@
           </a:prstGeom>
         </p:spPr>
         <p:txBody>
-          <a:bodyPr anchorCtr="0" anchor="t" bIns="91425" lIns="91425" spcFirstLastPara="1" rIns="91425" wrap="square" tIns="91425">
+          <a:bodyPr spcFirstLastPara="1" wrap="square" lIns="91425" tIns="91425" rIns="91425" bIns="91425" anchor="t" anchorCtr="0">
             <a:normAutofit fontScale="90000"/>
           </a:bodyPr>
           <a:lstStyle/>
           <a:p>
-            <a:pPr indent="0" lvl="0" marL="0" rtl="0" algn="l">
+            <a:pPr marL="0" lvl="0" indent="0" algn="l" rtl="0">
               <a:spcBef>
                 <a:spcPts val="0"/>
               </a:spcBef>
@@ -7082,19 +7343,21 @@
               <a:buNone/>
             </a:pPr>
             <a:r>
-              <a:rPr lang="en"/>
-              <a:t>Project scope</a:t>
+              <a:rPr lang="en" dirty="0"/>
+              <a:t>What do we want to know?</a:t>
             </a:r>
-            <a:endParaRPr/>
+            <a:endParaRPr dirty="0"/>
           </a:p>
         </p:txBody>
       </p:sp>
       <p:sp>
         <p:nvSpPr>
           <p:cNvPr id="73" name="Google Shape;73;p14"/>
-          <p:cNvSpPr txBox="1"/>
+          <p:cNvSpPr txBox="1">
+            <a:spLocks noGrp="1"/>
+          </p:cNvSpPr>
           <p:nvPr>
-            <p:ph idx="1" type="body"/>
+            <p:ph type="body" idx="1"/>
           </p:nvPr>
         </p:nvSpPr>
         <p:spPr>
@@ -7107,12 +7370,194 @@
           </a:prstGeom>
         </p:spPr>
         <p:txBody>
-          <a:bodyPr anchorCtr="0" anchor="t" bIns="91425" lIns="91425" spcFirstLastPara="1" rIns="91425" wrap="square" tIns="91425">
-            <a:normAutofit lnSpcReduction="20000"/>
+          <a:bodyPr spcFirstLastPara="1" wrap="square" lIns="91425" tIns="91425" rIns="91425" bIns="91425" anchor="t" anchorCtr="0">
+            <a:normAutofit/>
           </a:bodyPr>
           <a:lstStyle/>
           <a:p>
-            <a:pPr indent="-342900" lvl="0" marL="457200" rtl="0" algn="l">
+            <a:pPr marL="0" lvl="0" indent="0" algn="l" rtl="0">
+              <a:spcBef>
+                <a:spcPts val="1200"/>
+              </a:spcBef>
+              <a:spcAft>
+                <a:spcPts val="0"/>
+              </a:spcAft>
+              <a:buNone/>
+            </a:pPr>
+            <a:endParaRPr lang="en-GB" sz="651" dirty="0"/>
+          </a:p>
+          <a:p>
+            <a:pPr marL="0" lvl="0" indent="0" algn="l" rtl="0">
+              <a:spcBef>
+                <a:spcPts val="1200"/>
+              </a:spcBef>
+              <a:spcAft>
+                <a:spcPts val="0"/>
+              </a:spcAft>
+              <a:buNone/>
+            </a:pPr>
+            <a:endParaRPr lang="en-GB" sz="651" dirty="0"/>
+          </a:p>
+          <a:p>
+            <a:pPr marL="0" lvl="0" indent="0" algn="l" rtl="0">
+              <a:spcBef>
+                <a:spcPts val="1200"/>
+              </a:spcBef>
+              <a:spcAft>
+                <a:spcPts val="0"/>
+              </a:spcAft>
+              <a:buNone/>
+            </a:pPr>
+            <a:endParaRPr lang="en-GB" sz="651" dirty="0"/>
+          </a:p>
+          <a:p>
+            <a:pPr marL="0" lvl="0" indent="0" algn="l" rtl="0">
+              <a:spcBef>
+                <a:spcPts val="1200"/>
+              </a:spcBef>
+              <a:spcAft>
+                <a:spcPts val="0"/>
+              </a:spcAft>
+              <a:buNone/>
+            </a:pPr>
+            <a:endParaRPr sz="651" dirty="0"/>
+          </a:p>
+          <a:p>
+            <a:pPr lvl="0"/>
+            <a:r>
+              <a:rPr lang="en-GB" dirty="0"/>
+              <a:t>Which weather factors are important?</a:t>
+            </a:r>
+          </a:p>
+          <a:p>
+            <a:pPr lvl="0">
+              <a:spcBef>
+                <a:spcPts val="1200"/>
+              </a:spcBef>
+            </a:pPr>
+            <a:r>
+              <a:rPr lang="en-GB" dirty="0"/>
+              <a:t>Are any non-weather factors important?</a:t>
+            </a:r>
+            <a:endParaRPr lang="en-GB" sz="671" dirty="0"/>
+          </a:p>
+          <a:p>
+            <a:pPr marL="457200" lvl="0" indent="-342900" algn="l" rtl="0">
+              <a:spcBef>
+                <a:spcPts val="1200"/>
+              </a:spcBef>
+              <a:spcAft>
+                <a:spcPts val="0"/>
+              </a:spcAft>
+              <a:buSzPts val="1800"/>
+              <a:buChar char="●"/>
+            </a:pPr>
+            <a:r>
+              <a:rPr lang="en" dirty="0"/>
+              <a:t>How does Newark compare to other NYC airports?</a:t>
+            </a:r>
+            <a:endParaRPr dirty="0"/>
+          </a:p>
+        </p:txBody>
+      </p:sp>
+    </p:spTree>
+    <p:extLst>
+      <p:ext uri="{BB962C8B-B14F-4D97-AF65-F5344CB8AC3E}">
+        <p14:creationId xmlns:p14="http://schemas.microsoft.com/office/powerpoint/2010/main" val="1153906285"/>
+      </p:ext>
+    </p:extLst>
+  </p:cSld>
+  <p:clrMapOvr>
+    <a:masterClrMapping/>
+  </p:clrMapOvr>
+</p:sld>
+</file>
+
+<file path=ppt/slides/slide3.xml><?xml version="1.0" encoding="utf-8"?>
+<p:sld xmlns:a="http://schemas.openxmlformats.org/drawingml/2006/main" xmlns:r="http://schemas.openxmlformats.org/officeDocument/2006/relationships" xmlns:p="http://schemas.openxmlformats.org/presentationml/2006/main">
+  <p:cSld>
+    <p:spTree>
+      <p:nvGrpSpPr>
+        <p:cNvPr id="1" name="Shape 71"/>
+        <p:cNvGrpSpPr/>
+        <p:nvPr/>
+      </p:nvGrpSpPr>
+      <p:grpSpPr>
+        <a:xfrm>
+          <a:off x="0" y="0"/>
+          <a:ext cx="0" cy="0"/>
+          <a:chOff x="0" y="0"/>
+          <a:chExt cx="0" cy="0"/>
+        </a:xfrm>
+      </p:grpSpPr>
+      <p:sp>
+        <p:nvSpPr>
+          <p:cNvPr id="72" name="Google Shape;72;p14"/>
+          <p:cNvSpPr txBox="1">
+            <a:spLocks noGrp="1"/>
+          </p:cNvSpPr>
+          <p:nvPr>
+            <p:ph type="title"/>
+          </p:nvPr>
+        </p:nvSpPr>
+        <p:spPr>
+          <a:xfrm>
+            <a:off x="311700" y="445025"/>
+            <a:ext cx="8520600" cy="707400"/>
+          </a:xfrm>
+          <a:prstGeom prst="rect">
+            <a:avLst/>
+          </a:prstGeom>
+        </p:spPr>
+        <p:txBody>
+          <a:bodyPr spcFirstLastPara="1" wrap="square" lIns="91425" tIns="91425" rIns="91425" bIns="91425" anchor="t" anchorCtr="0">
+            <a:normAutofit fontScale="90000"/>
+          </a:bodyPr>
+          <a:lstStyle/>
+          <a:p>
+            <a:pPr marL="0" lvl="0" indent="0" algn="l" rtl="0">
+              <a:spcBef>
+                <a:spcPts val="0"/>
+              </a:spcBef>
+              <a:spcAft>
+                <a:spcPts val="0"/>
+              </a:spcAft>
+              <a:buNone/>
+            </a:pPr>
+            <a:r>
+              <a:rPr lang="en"/>
+              <a:t>Project scope</a:t>
+            </a:r>
+            <a:endParaRPr/>
+          </a:p>
+        </p:txBody>
+      </p:sp>
+      <p:sp>
+        <p:nvSpPr>
+          <p:cNvPr id="73" name="Google Shape;73;p14"/>
+          <p:cNvSpPr txBox="1">
+            <a:spLocks noGrp="1"/>
+          </p:cNvSpPr>
+          <p:nvPr>
+            <p:ph type="body" idx="1"/>
+          </p:nvPr>
+        </p:nvSpPr>
+        <p:spPr>
+          <a:xfrm>
+            <a:off x="311700" y="1152475"/>
+            <a:ext cx="8520600" cy="3700200"/>
+          </a:xfrm>
+          <a:prstGeom prst="rect">
+            <a:avLst/>
+          </a:prstGeom>
+        </p:spPr>
+        <p:txBody>
+          <a:bodyPr spcFirstLastPara="1" wrap="square" lIns="91425" tIns="91425" rIns="91425" bIns="91425" anchor="t" anchorCtr="0">
+            <a:normAutofit fontScale="92500" lnSpcReduction="10000"/>
+          </a:bodyPr>
+          <a:lstStyle/>
+          <a:p>
+            <a:pPr marL="457200" lvl="0" indent="-342900" algn="l" rtl="0">
               <a:spcBef>
                 <a:spcPts val="0"/>
               </a:spcBef>
@@ -7129,7 +7574,7 @@
             <a:endParaRPr/>
           </a:p>
           <a:p>
-            <a:pPr indent="0" lvl="0" marL="0" rtl="0" algn="l">
+            <a:pPr marL="0" lvl="0" indent="0" algn="l" rtl="0">
               <a:spcBef>
                 <a:spcPts val="1200"/>
               </a:spcBef>
@@ -7138,13 +7583,10 @@
               </a:spcAft>
               <a:buNone/>
             </a:pPr>
-            <a:r>
-              <a:t/>
-            </a:r>
             <a:endParaRPr sz="651"/>
           </a:p>
           <a:p>
-            <a:pPr indent="-342900" lvl="0" marL="457200" rtl="0" algn="l">
+            <a:pPr marL="457200" lvl="0" indent="-342900" algn="l" rtl="0">
               <a:spcBef>
                 <a:spcPts val="1200"/>
               </a:spcBef>
@@ -7156,20 +7598,12 @@
             </a:pPr>
             <a:r>
               <a:rPr lang="en"/>
-              <a:t>A departure is classed as delayed if the actual </a:t>
-            </a:r>
-            <a:r>
-              <a:rPr lang="en"/>
-              <a:t>departure</a:t>
-            </a:r>
-            <a:r>
-              <a:rPr lang="en"/>
-              <a:t> time is 15 minutes or more later than the scheduled time</a:t>
+              <a:t>A departure is classed as delayed if the actual departure time is 15 minutes or more later than the scheduled time</a:t>
             </a:r>
             <a:endParaRPr/>
           </a:p>
           <a:p>
-            <a:pPr indent="0" lvl="0" marL="0" rtl="0" algn="l">
+            <a:pPr marL="0" lvl="0" indent="0" algn="l" rtl="0">
               <a:spcBef>
                 <a:spcPts val="1200"/>
               </a:spcBef>
@@ -7178,13 +7612,10 @@
               </a:spcAft>
               <a:buNone/>
             </a:pPr>
-            <a:r>
-              <a:t/>
-            </a:r>
             <a:endParaRPr sz="671"/>
           </a:p>
           <a:p>
-            <a:pPr indent="-342900" lvl="0" marL="457200" rtl="0" algn="l">
+            <a:pPr marL="457200" lvl="0" indent="-342900" algn="l" rtl="0">
               <a:spcBef>
                 <a:spcPts val="1200"/>
               </a:spcBef>
@@ -7201,7 +7632,7 @@
             <a:endParaRPr/>
           </a:p>
           <a:p>
-            <a:pPr indent="0" lvl="0" marL="457200" rtl="0" algn="l">
+            <a:pPr marL="457200" lvl="0" indent="0" algn="l" rtl="0">
               <a:spcBef>
                 <a:spcPts val="1200"/>
               </a:spcBef>
@@ -7211,21 +7642,21 @@
               <a:buNone/>
             </a:pPr>
             <a:r>
-              <a:rPr b="1" lang="en" sz="1482">
+              <a:rPr lang="en" sz="1482" b="1">
                 <a:solidFill>
                   <a:srgbClr val="000000"/>
                 </a:solidFill>
               </a:rPr>
               <a:t>EWR - Newark Liberty International Airport</a:t>
             </a:r>
-            <a:endParaRPr b="1" sz="1482">
+            <a:endParaRPr sz="1482" b="1">
               <a:solidFill>
                 <a:srgbClr val="000000"/>
               </a:solidFill>
             </a:endParaRPr>
           </a:p>
           <a:p>
-            <a:pPr indent="0" lvl="0" marL="457200" rtl="0" algn="l">
+            <a:pPr marL="457200" lvl="0" indent="0" algn="l" rtl="0">
               <a:spcBef>
                 <a:spcPts val="1200"/>
               </a:spcBef>
@@ -7235,21 +7666,21 @@
               <a:buNone/>
             </a:pPr>
             <a:r>
-              <a:rPr b="1" lang="en" sz="1482">
+              <a:rPr lang="en" sz="1482" b="1">
                 <a:solidFill>
                   <a:srgbClr val="000000"/>
                 </a:solidFill>
               </a:rPr>
               <a:t>JFK  -  John F Kennedy International Airport</a:t>
             </a:r>
-            <a:endParaRPr b="1" sz="1482">
+            <a:endParaRPr sz="1482" b="1">
               <a:solidFill>
                 <a:srgbClr val="000000"/>
               </a:solidFill>
             </a:endParaRPr>
           </a:p>
           <a:p>
-            <a:pPr indent="0" lvl="0" marL="457200" rtl="0" algn="l">
+            <a:pPr marL="457200" lvl="0" indent="0" algn="l" rtl="0">
               <a:spcBef>
                 <a:spcPts val="1200"/>
               </a:spcBef>
@@ -7259,21 +7690,21 @@
               <a:buNone/>
             </a:pPr>
             <a:r>
-              <a:rPr b="1" lang="en" sz="1482">
+              <a:rPr lang="en" sz="1482" b="1">
                 <a:solidFill>
                   <a:srgbClr val="000000"/>
                 </a:solidFill>
               </a:rPr>
               <a:t>LGA - La Guardia Airport</a:t>
             </a:r>
-            <a:endParaRPr b="1" sz="1482">
+            <a:endParaRPr sz="1482" b="1">
               <a:solidFill>
                 <a:srgbClr val="000000"/>
               </a:solidFill>
             </a:endParaRPr>
           </a:p>
           <a:p>
-            <a:pPr indent="-342900" lvl="0" marL="457200" rtl="0" algn="l">
+            <a:pPr marL="457200" lvl="0" indent="-342900" algn="l" rtl="0">
               <a:spcBef>
                 <a:spcPts val="1200"/>
               </a:spcBef>
@@ -7285,15 +7716,7 @@
             </a:pPr>
             <a:r>
               <a:rPr lang="en"/>
-              <a:t>A full </a:t>
-            </a:r>
-            <a:r>
-              <a:rPr lang="en"/>
-              <a:t>report</a:t>
-            </a:r>
-            <a:r>
-              <a:rPr lang="en"/>
-              <a:t> with more detail is available to accompany this presentation</a:t>
+              <a:t>A full report with more detail is available to accompany this presentation</a:t>
             </a:r>
             <a:endParaRPr/>
           </a:p>
@@ -7307,12 +7730,12 @@
 </p:sld>
 </file>
 
-<file path=ppt/slides/slide3.xml><?xml version="1.0" encoding="utf-8"?>
-<p:sld xmlns:a="http://schemas.openxmlformats.org/drawingml/2006/main" xmlns:r="http://schemas.openxmlformats.org/officeDocument/2006/relationships" xmlns:mc="http://schemas.openxmlformats.org/markup-compatibility/2006" xmlns:mv="urn:schemas-microsoft-com:mac:vml" xmlns:p="http://schemas.openxmlformats.org/presentationml/2006/main" xmlns:c="http://schemas.openxmlformats.org/drawingml/2006/chart" xmlns:dgm="http://schemas.openxmlformats.org/drawingml/2006/diagram" xmlns:o="urn:schemas-microsoft-com:office:office" xmlns:v="urn:schemas-microsoft-com:vml" xmlns:pvml="urn:schemas-microsoft-com:office:powerpoint" xmlns:com="http://schemas.openxmlformats.org/drawingml/2006/compatibility" xmlns:p14="http://schemas.microsoft.com/office/powerpoint/2010/main" xmlns:p15="http://schemas.microsoft.com/office/powerpoint/2012/main" xmlns:ahyp="http://schemas.microsoft.com/office/drawing/2018/hyperlinkcolor">
+<file path=ppt/slides/slide4.xml><?xml version="1.0" encoding="utf-8"?>
+<p:sld xmlns:a="http://schemas.openxmlformats.org/drawingml/2006/main" xmlns:r="http://schemas.openxmlformats.org/officeDocument/2006/relationships" xmlns:p="http://schemas.openxmlformats.org/presentationml/2006/main">
   <p:cSld>
     <p:spTree>
       <p:nvGrpSpPr>
-        <p:cNvPr id="77" name="Shape 77"/>
+        <p:cNvPr id="1" name="Shape 77"/>
         <p:cNvGrpSpPr/>
         <p:nvPr/>
       </p:nvGrpSpPr>
@@ -7327,7 +7750,9 @@
       <p:sp>
         <p:nvSpPr>
           <p:cNvPr id="78" name="Google Shape;78;p15"/>
-          <p:cNvSpPr txBox="1"/>
+          <p:cNvSpPr txBox="1">
+            <a:spLocks noGrp="1"/>
+          </p:cNvSpPr>
           <p:nvPr>
             <p:ph type="title"/>
           </p:nvPr>
@@ -7342,12 +7767,12 @@
           </a:prstGeom>
         </p:spPr>
         <p:txBody>
-          <a:bodyPr anchorCtr="0" anchor="t" bIns="91425" lIns="91425" spcFirstLastPara="1" rIns="91425" wrap="square" tIns="91425">
+          <a:bodyPr spcFirstLastPara="1" wrap="square" lIns="91425" tIns="91425" rIns="91425" bIns="91425" anchor="t" anchorCtr="0">
             <a:normAutofit fontScale="90000"/>
           </a:bodyPr>
           <a:lstStyle/>
           <a:p>
-            <a:pPr indent="0" lvl="0" marL="0" rtl="0" algn="l">
+            <a:pPr marL="0" lvl="0" indent="0" algn="l" rtl="0">
               <a:spcBef>
                 <a:spcPts val="0"/>
               </a:spcBef>
@@ -7400,12 +7825,12 @@
 </p:sld>
 </file>
 
-<file path=ppt/slides/slide4.xml><?xml version="1.0" encoding="utf-8"?>
-<p:sld xmlns:a="http://schemas.openxmlformats.org/drawingml/2006/main" xmlns:r="http://schemas.openxmlformats.org/officeDocument/2006/relationships" xmlns:mc="http://schemas.openxmlformats.org/markup-compatibility/2006" xmlns:mv="urn:schemas-microsoft-com:mac:vml" xmlns:p="http://schemas.openxmlformats.org/presentationml/2006/main" xmlns:c="http://schemas.openxmlformats.org/drawingml/2006/chart" xmlns:dgm="http://schemas.openxmlformats.org/drawingml/2006/diagram" xmlns:o="urn:schemas-microsoft-com:office:office" xmlns:v="urn:schemas-microsoft-com:vml" xmlns:pvml="urn:schemas-microsoft-com:office:powerpoint" xmlns:com="http://schemas.openxmlformats.org/drawingml/2006/compatibility" xmlns:p14="http://schemas.microsoft.com/office/powerpoint/2010/main" xmlns:p15="http://schemas.microsoft.com/office/powerpoint/2012/main" xmlns:ahyp="http://schemas.microsoft.com/office/drawing/2018/hyperlinkcolor">
+<file path=ppt/slides/slide5.xml><?xml version="1.0" encoding="utf-8"?>
+<p:sld xmlns:a="http://schemas.openxmlformats.org/drawingml/2006/main" xmlns:r="http://schemas.openxmlformats.org/officeDocument/2006/relationships" xmlns:p="http://schemas.openxmlformats.org/presentationml/2006/main">
   <p:cSld>
     <p:spTree>
       <p:nvGrpSpPr>
-        <p:cNvPr id="83" name="Shape 83"/>
+        <p:cNvPr id="1" name="Shape 83"/>
         <p:cNvGrpSpPr/>
         <p:nvPr/>
       </p:nvGrpSpPr>
@@ -7420,7 +7845,9 @@
       <p:sp>
         <p:nvSpPr>
           <p:cNvPr id="84" name="Google Shape;84;p16"/>
-          <p:cNvSpPr txBox="1"/>
+          <p:cNvSpPr txBox="1">
+            <a:spLocks noGrp="1"/>
+          </p:cNvSpPr>
           <p:nvPr>
             <p:ph type="title"/>
           </p:nvPr>
@@ -7435,12 +7862,12 @@
           </a:prstGeom>
         </p:spPr>
         <p:txBody>
-          <a:bodyPr anchorCtr="0" anchor="t" bIns="91425" lIns="91425" spcFirstLastPara="1" rIns="91425" wrap="square" tIns="91425">
+          <a:bodyPr spcFirstLastPara="1" wrap="square" lIns="91425" tIns="91425" rIns="91425" bIns="91425" anchor="t" anchorCtr="0">
             <a:normAutofit fontScale="90000"/>
           </a:bodyPr>
           <a:lstStyle/>
           <a:p>
-            <a:pPr indent="0" lvl="0" marL="0" rtl="0" algn="l">
+            <a:pPr marL="0" lvl="0" indent="0" algn="l" rtl="0">
               <a:spcBef>
                 <a:spcPts val="0"/>
               </a:spcBef>
@@ -7493,12 +7920,12 @@
 </p:sld>
 </file>
 
-<file path=ppt/slides/slide5.xml><?xml version="1.0" encoding="utf-8"?>
-<p:sld xmlns:a="http://schemas.openxmlformats.org/drawingml/2006/main" xmlns:r="http://schemas.openxmlformats.org/officeDocument/2006/relationships" xmlns:mc="http://schemas.openxmlformats.org/markup-compatibility/2006" xmlns:mv="urn:schemas-microsoft-com:mac:vml" xmlns:p="http://schemas.openxmlformats.org/presentationml/2006/main" xmlns:c="http://schemas.openxmlformats.org/drawingml/2006/chart" xmlns:dgm="http://schemas.openxmlformats.org/drawingml/2006/diagram" xmlns:o="urn:schemas-microsoft-com:office:office" xmlns:v="urn:schemas-microsoft-com:vml" xmlns:pvml="urn:schemas-microsoft-com:office:powerpoint" xmlns:com="http://schemas.openxmlformats.org/drawingml/2006/compatibility" xmlns:p14="http://schemas.microsoft.com/office/powerpoint/2010/main" xmlns:p15="http://schemas.microsoft.com/office/powerpoint/2012/main" xmlns:ahyp="http://schemas.microsoft.com/office/drawing/2018/hyperlinkcolor">
+<file path=ppt/slides/slide6.xml><?xml version="1.0" encoding="utf-8"?>
+<p:sld xmlns:a="http://schemas.openxmlformats.org/drawingml/2006/main" xmlns:r="http://schemas.openxmlformats.org/officeDocument/2006/relationships" xmlns:p="http://schemas.openxmlformats.org/presentationml/2006/main">
   <p:cSld>
     <p:spTree>
       <p:nvGrpSpPr>
-        <p:cNvPr id="89" name="Shape 89"/>
+        <p:cNvPr id="1" name="Shape 89"/>
         <p:cNvGrpSpPr/>
         <p:nvPr/>
       </p:nvGrpSpPr>
@@ -7513,7 +7940,9 @@
       <p:sp>
         <p:nvSpPr>
           <p:cNvPr id="90" name="Google Shape;90;p17"/>
-          <p:cNvSpPr txBox="1"/>
+          <p:cNvSpPr txBox="1">
+            <a:spLocks noGrp="1"/>
+          </p:cNvSpPr>
           <p:nvPr>
             <p:ph type="title"/>
           </p:nvPr>
@@ -7528,12 +7957,12 @@
           </a:prstGeom>
         </p:spPr>
         <p:txBody>
-          <a:bodyPr anchorCtr="0" anchor="t" bIns="91425" lIns="91425" spcFirstLastPara="1" rIns="91425" wrap="square" tIns="91425">
+          <a:bodyPr spcFirstLastPara="1" wrap="square" lIns="91425" tIns="91425" rIns="91425" bIns="91425" anchor="t" anchorCtr="0">
             <a:normAutofit fontScale="90000"/>
           </a:bodyPr>
           <a:lstStyle/>
           <a:p>
-            <a:pPr indent="0" lvl="0" marL="0" rtl="0" algn="l">
+            <a:pPr marL="0" lvl="0" indent="0" algn="l" rtl="0">
               <a:lnSpc>
                 <a:spcPct val="110000"/>
               </a:lnSpc>
@@ -7560,9 +7989,11 @@
       <p:sp>
         <p:nvSpPr>
           <p:cNvPr id="91" name="Google Shape;91;p17"/>
-          <p:cNvSpPr txBox="1"/>
+          <p:cNvSpPr txBox="1">
+            <a:spLocks noGrp="1"/>
+          </p:cNvSpPr>
           <p:nvPr>
-            <p:ph idx="1" type="body"/>
+            <p:ph type="body" idx="1"/>
           </p:nvPr>
         </p:nvSpPr>
         <p:spPr>
@@ -7575,12 +8006,12 @@
           </a:prstGeom>
         </p:spPr>
         <p:txBody>
-          <a:bodyPr anchorCtr="0" anchor="t" bIns="91425" lIns="91425" spcFirstLastPara="1" rIns="91425" wrap="square" tIns="91425">
-            <a:normAutofit lnSpcReduction="10000"/>
+          <a:bodyPr spcFirstLastPara="1" wrap="square" lIns="91425" tIns="91425" rIns="91425" bIns="91425" anchor="t" anchorCtr="0">
+            <a:normAutofit/>
           </a:bodyPr>
           <a:lstStyle/>
           <a:p>
-            <a:pPr indent="0" lvl="0" marL="0" rtl="0" algn="l">
+            <a:pPr marL="0" lvl="0" indent="0" algn="l" rtl="0">
               <a:spcBef>
                 <a:spcPts val="0"/>
               </a:spcBef>
@@ -7589,13 +8020,10 @@
               </a:spcAft>
               <a:buNone/>
             </a:pPr>
-            <a:r>
-              <a:t/>
-            </a:r>
             <a:endParaRPr sz="651"/>
           </a:p>
           <a:p>
-            <a:pPr indent="-334404" lvl="0" marL="457200" rtl="0" algn="l">
+            <a:pPr marL="457200" lvl="0" indent="-334404" algn="l" rtl="0">
               <a:spcBef>
                 <a:spcPts val="1200"/>
               </a:spcBef>
@@ -7609,7 +8037,7 @@
               <a:buChar char="●"/>
             </a:pPr>
             <a:r>
-              <a:rPr b="1" lang="en" sz="1666">
+              <a:rPr lang="en" sz="1666" b="1">
                 <a:solidFill>
                   <a:srgbClr val="333333"/>
                 </a:solidFill>
@@ -7640,7 +8068,7 @@
             </a:endParaRPr>
           </a:p>
           <a:p>
-            <a:pPr indent="0" lvl="0" marL="0" rtl="0" algn="l">
+            <a:pPr marL="0" lvl="0" indent="0" algn="l" rtl="0">
               <a:spcBef>
                 <a:spcPts val="800"/>
               </a:spcBef>
@@ -7649,9 +8077,6 @@
               </a:spcAft>
               <a:buNone/>
             </a:pPr>
-            <a:r>
-              <a:t/>
-            </a:r>
             <a:endParaRPr sz="1666">
               <a:solidFill>
                 <a:srgbClr val="333333"/>
@@ -7662,7 +8087,7 @@
             </a:endParaRPr>
           </a:p>
           <a:p>
-            <a:pPr indent="-334404" lvl="0" marL="457200" rtl="0" algn="l">
+            <a:pPr marL="457200" lvl="0" indent="-334404" algn="l" rtl="0">
               <a:spcBef>
                 <a:spcPts val="800"/>
               </a:spcBef>
@@ -7676,7 +8101,7 @@
               <a:buChar char="●"/>
             </a:pPr>
             <a:r>
-              <a:rPr b="1" lang="en" sz="1666">
+              <a:rPr lang="en" sz="1666" b="1">
                 <a:solidFill>
                   <a:srgbClr val="333333"/>
                 </a:solidFill>
@@ -7698,7 +8123,7 @@
               <a:t> </a:t>
             </a:r>
             <a:r>
-              <a:rPr b="1" lang="en" sz="1666">
+              <a:rPr lang="en" sz="1666" b="1">
                 <a:solidFill>
                   <a:srgbClr val="333333"/>
                 </a:solidFill>
@@ -7729,7 +8154,7 @@
             </a:endParaRPr>
           </a:p>
           <a:p>
-            <a:pPr indent="0" lvl="0" marL="457200" rtl="0" algn="l">
+            <a:pPr marL="457200" lvl="0" indent="0" algn="l" rtl="0">
               <a:spcBef>
                 <a:spcPts val="800"/>
               </a:spcBef>
@@ -7738,9 +8163,6 @@
               </a:spcAft>
               <a:buNone/>
             </a:pPr>
-            <a:r>
-              <a:t/>
-            </a:r>
             <a:endParaRPr sz="1666">
               <a:solidFill>
                 <a:srgbClr val="333333"/>
@@ -7751,7 +8173,7 @@
             </a:endParaRPr>
           </a:p>
           <a:p>
-            <a:pPr indent="-334404" lvl="0" marL="457200" rtl="0" algn="l">
+            <a:pPr marL="457200" lvl="0" indent="-334404" algn="l" rtl="0">
               <a:spcBef>
                 <a:spcPts val="800"/>
               </a:spcBef>
@@ -7765,7 +8187,7 @@
               <a:buChar char="●"/>
             </a:pPr>
             <a:r>
-              <a:rPr b="1" lang="en" sz="1666">
+              <a:rPr lang="en" sz="1666" b="1">
                 <a:solidFill>
                   <a:srgbClr val="333333"/>
                 </a:solidFill>
@@ -7796,7 +8218,7 @@
             </a:endParaRPr>
           </a:p>
           <a:p>
-            <a:pPr indent="0" lvl="0" marL="0" rtl="0" algn="l">
+            <a:pPr marL="0" lvl="0" indent="0" algn="l" rtl="0">
               <a:spcBef>
                 <a:spcPts val="800"/>
               </a:spcBef>
@@ -7805,9 +8227,6 @@
               </a:spcAft>
               <a:buNone/>
             </a:pPr>
-            <a:r>
-              <a:t/>
-            </a:r>
             <a:endParaRPr sz="1666">
               <a:solidFill>
                 <a:srgbClr val="333333"/>
@@ -7818,7 +8237,7 @@
             </a:endParaRPr>
           </a:p>
           <a:p>
-            <a:pPr indent="-334404" lvl="0" marL="457200" rtl="0" algn="l">
+            <a:pPr marL="457200" lvl="0" indent="-334404" algn="l" rtl="0">
               <a:spcBef>
                 <a:spcPts val="800"/>
               </a:spcBef>
@@ -7832,7 +8251,7 @@
               <a:buChar char="●"/>
             </a:pPr>
             <a:r>
-              <a:rPr b="1" lang="en" sz="1666">
+              <a:rPr lang="en" sz="1666" b="1">
                 <a:solidFill>
                   <a:srgbClr val="333333"/>
                 </a:solidFill>
@@ -7863,7 +8282,7 @@
             </a:endParaRPr>
           </a:p>
           <a:p>
-            <a:pPr indent="0" lvl="0" marL="0" rtl="0" algn="l">
+            <a:pPr marL="0" lvl="0" indent="0" algn="l" rtl="0">
               <a:spcBef>
                 <a:spcPts val="800"/>
               </a:spcBef>
@@ -7872,9 +8291,6 @@
               </a:spcAft>
               <a:buNone/>
             </a:pPr>
-            <a:r>
-              <a:t/>
-            </a:r>
             <a:endParaRPr sz="1450">
               <a:solidFill>
                 <a:srgbClr val="333333"/>
@@ -7894,12 +8310,12 @@
 </p:sld>
 </file>
 
-<file path=ppt/slides/slide6.xml><?xml version="1.0" encoding="utf-8"?>
-<p:sld xmlns:a="http://schemas.openxmlformats.org/drawingml/2006/main" xmlns:r="http://schemas.openxmlformats.org/officeDocument/2006/relationships" xmlns:mc="http://schemas.openxmlformats.org/markup-compatibility/2006" xmlns:mv="urn:schemas-microsoft-com:mac:vml" xmlns:p="http://schemas.openxmlformats.org/presentationml/2006/main" xmlns:c="http://schemas.openxmlformats.org/drawingml/2006/chart" xmlns:dgm="http://schemas.openxmlformats.org/drawingml/2006/diagram" xmlns:o="urn:schemas-microsoft-com:office:office" xmlns:v="urn:schemas-microsoft-com:vml" xmlns:pvml="urn:schemas-microsoft-com:office:powerpoint" xmlns:com="http://schemas.openxmlformats.org/drawingml/2006/compatibility" xmlns:p14="http://schemas.microsoft.com/office/powerpoint/2010/main" xmlns:p15="http://schemas.microsoft.com/office/powerpoint/2012/main" xmlns:ahyp="http://schemas.microsoft.com/office/drawing/2018/hyperlinkcolor">
+<file path=ppt/slides/slide7.xml><?xml version="1.0" encoding="utf-8"?>
+<p:sld xmlns:a="http://schemas.openxmlformats.org/drawingml/2006/main" xmlns:r="http://schemas.openxmlformats.org/officeDocument/2006/relationships" xmlns:p="http://schemas.openxmlformats.org/presentationml/2006/main">
   <p:cSld>
     <p:spTree>
       <p:nvGrpSpPr>
-        <p:cNvPr id="95" name="Shape 95"/>
+        <p:cNvPr id="1" name="Shape 95"/>
         <p:cNvGrpSpPr/>
         <p:nvPr/>
       </p:nvGrpSpPr>
@@ -7914,7 +8330,9 @@
       <p:sp>
         <p:nvSpPr>
           <p:cNvPr id="96" name="Google Shape;96;p18"/>
-          <p:cNvSpPr txBox="1"/>
+          <p:cNvSpPr txBox="1">
+            <a:spLocks noGrp="1"/>
+          </p:cNvSpPr>
           <p:nvPr>
             <p:ph type="title"/>
           </p:nvPr>
@@ -7929,12 +8347,12 @@
           </a:prstGeom>
         </p:spPr>
         <p:txBody>
-          <a:bodyPr anchorCtr="0" anchor="t" bIns="91425" lIns="91425" spcFirstLastPara="1" rIns="91425" wrap="square" tIns="91425">
+          <a:bodyPr spcFirstLastPara="1" wrap="square" lIns="91425" tIns="91425" rIns="91425" bIns="91425" anchor="t" anchorCtr="0">
             <a:normAutofit fontScale="90000"/>
           </a:bodyPr>
           <a:lstStyle/>
           <a:p>
-            <a:pPr indent="0" lvl="0" marL="0" rtl="0" algn="l">
+            <a:pPr marL="0" lvl="0" indent="0" algn="l" rtl="0">
               <a:lnSpc>
                 <a:spcPct val="110000"/>
               </a:lnSpc>
@@ -7961,7 +8379,7 @@
             </a:endParaRPr>
           </a:p>
           <a:p>
-            <a:pPr indent="0" lvl="0" marL="0" rtl="0" algn="l">
+            <a:pPr marL="0" lvl="0" indent="0" algn="l" rtl="0">
               <a:spcBef>
                 <a:spcPts val="800"/>
               </a:spcBef>
@@ -7970,9 +8388,6 @@
               </a:spcAft>
               <a:buNone/>
             </a:pPr>
-            <a:r>
-              <a:t/>
-            </a:r>
             <a:endParaRPr/>
           </a:p>
         </p:txBody>
@@ -7980,9 +8395,11 @@
       <p:sp>
         <p:nvSpPr>
           <p:cNvPr id="97" name="Google Shape;97;p18"/>
-          <p:cNvSpPr txBox="1"/>
+          <p:cNvSpPr txBox="1">
+            <a:spLocks noGrp="1"/>
+          </p:cNvSpPr>
           <p:nvPr>
-            <p:ph idx="1" type="body"/>
+            <p:ph type="body" idx="1"/>
           </p:nvPr>
         </p:nvSpPr>
         <p:spPr>
@@ -7995,12 +8412,12 @@
           </a:prstGeom>
         </p:spPr>
         <p:txBody>
-          <a:bodyPr anchorCtr="0" anchor="t" bIns="91425" lIns="91425" spcFirstLastPara="1" rIns="91425" wrap="square" tIns="91425">
-            <a:normAutofit fontScale="85000" lnSpcReduction="20000"/>
+          <a:bodyPr spcFirstLastPara="1" wrap="square" lIns="91425" tIns="91425" rIns="91425" bIns="91425" anchor="t" anchorCtr="0">
+            <a:normAutofit fontScale="92500" lnSpcReduction="20000"/>
           </a:bodyPr>
           <a:lstStyle/>
           <a:p>
-            <a:pPr indent="0" lvl="0" marL="0" rtl="0" algn="l">
+            <a:pPr marL="0" lvl="0" indent="0" algn="l" rtl="0">
               <a:spcBef>
                 <a:spcPts val="0"/>
               </a:spcBef>
@@ -8016,7 +8433,7 @@
             <a:endParaRPr/>
           </a:p>
           <a:p>
-            <a:pPr indent="0" lvl="0" marL="0" rtl="0" algn="l">
+            <a:pPr marL="0" lvl="0" indent="0" algn="l" rtl="0">
               <a:spcBef>
                 <a:spcPts val="1200"/>
               </a:spcBef>
@@ -8025,13 +8442,10 @@
               </a:spcAft>
               <a:buNone/>
             </a:pPr>
-            <a:r>
-              <a:t/>
-            </a:r>
             <a:endParaRPr sz="651"/>
           </a:p>
           <a:p>
-            <a:pPr indent="-318534" lvl="0" marL="457200" rtl="0" algn="l">
+            <a:pPr marL="457200" lvl="0" indent="-318534" algn="l" rtl="0">
               <a:spcBef>
                 <a:spcPts val="1200"/>
               </a:spcBef>
@@ -8065,7 +8479,7 @@
             </a:endParaRPr>
           </a:p>
           <a:p>
-            <a:pPr indent="-318534" lvl="0" marL="457200" rtl="0" algn="l">
+            <a:pPr marL="457200" lvl="0" indent="-318534" algn="l" rtl="0">
               <a:spcBef>
                 <a:spcPts val="0"/>
               </a:spcBef>
@@ -8099,7 +8513,7 @@
             </a:endParaRPr>
           </a:p>
           <a:p>
-            <a:pPr indent="-318534" lvl="0" marL="457200" rtl="0" algn="l">
+            <a:pPr marL="457200" lvl="0" indent="-318534" algn="l" rtl="0">
               <a:spcBef>
                 <a:spcPts val="0"/>
               </a:spcBef>
@@ -8133,7 +8547,7 @@
             </a:endParaRPr>
           </a:p>
           <a:p>
-            <a:pPr indent="-318534" lvl="0" marL="457200" rtl="0" algn="l">
+            <a:pPr marL="457200" lvl="0" indent="-318534" algn="l" rtl="0">
               <a:spcBef>
                 <a:spcPts val="0"/>
               </a:spcBef>
@@ -8167,7 +8581,7 @@
             </a:endParaRPr>
           </a:p>
           <a:p>
-            <a:pPr indent="-318534" lvl="0" marL="457200" rtl="0" algn="l">
+            <a:pPr marL="457200" lvl="0" indent="-318534" algn="l" rtl="0">
               <a:spcBef>
                 <a:spcPts val="0"/>
               </a:spcBef>
@@ -8201,7 +8615,7 @@
             </a:endParaRPr>
           </a:p>
           <a:p>
-            <a:pPr indent="-318534" lvl="0" marL="457200" rtl="0" algn="l">
+            <a:pPr marL="457200" lvl="0" indent="-318534" algn="l" rtl="0">
               <a:spcBef>
                 <a:spcPts val="0"/>
               </a:spcBef>
@@ -8235,7 +8649,7 @@
             </a:endParaRPr>
           </a:p>
           <a:p>
-            <a:pPr indent="-318534" lvl="0" marL="457200" rtl="0" algn="l">
+            <a:pPr marL="457200" lvl="0" indent="-318534" algn="l" rtl="0">
               <a:spcBef>
                 <a:spcPts val="0"/>
               </a:spcBef>
@@ -8269,7 +8683,7 @@
             </a:endParaRPr>
           </a:p>
           <a:p>
-            <a:pPr indent="0" lvl="0" marL="0" rtl="0" algn="l">
+            <a:pPr marL="0" lvl="0" indent="0" algn="l" rtl="0">
               <a:spcBef>
                 <a:spcPts val="800"/>
               </a:spcBef>
@@ -8278,9 +8692,6 @@
               </a:spcAft>
               <a:buNone/>
             </a:pPr>
-            <a:r>
-              <a:t/>
-            </a:r>
             <a:endParaRPr sz="1450">
               <a:solidFill>
                 <a:srgbClr val="333333"/>
@@ -8291,7 +8702,7 @@
             </a:endParaRPr>
           </a:p>
           <a:p>
-            <a:pPr indent="0" lvl="0" marL="0" rtl="0" algn="l">
+            <a:pPr marL="0" lvl="0" indent="0" algn="l" rtl="0">
               <a:spcBef>
                 <a:spcPts val="800"/>
               </a:spcBef>
@@ -8307,7 +8718,7 @@
             <a:endParaRPr/>
           </a:p>
           <a:p>
-            <a:pPr indent="0" lvl="0" marL="0" rtl="0" algn="l">
+            <a:pPr marL="0" lvl="0" indent="0" algn="l" rtl="0">
               <a:spcBef>
                 <a:spcPts val="1200"/>
               </a:spcBef>
@@ -8323,7 +8734,7 @@
             <a:endParaRPr/>
           </a:p>
           <a:p>
-            <a:pPr indent="0" lvl="0" marL="0" rtl="0" algn="l">
+            <a:pPr marL="0" lvl="0" indent="0" algn="l" rtl="0">
               <a:spcBef>
                 <a:spcPts val="1200"/>
               </a:spcBef>
@@ -8332,9 +8743,6 @@
               </a:spcAft>
               <a:buNone/>
             </a:pPr>
-            <a:r>
-              <a:t/>
-            </a:r>
             <a:endParaRPr sz="1450">
               <a:solidFill>
                 <a:srgbClr val="333333"/>
@@ -8354,12 +8762,12 @@
 </p:sld>
 </file>
 
-<file path=ppt/slides/slide7.xml><?xml version="1.0" encoding="utf-8"?>
-<p:sld xmlns:a="http://schemas.openxmlformats.org/drawingml/2006/main" xmlns:r="http://schemas.openxmlformats.org/officeDocument/2006/relationships" xmlns:mc="http://schemas.openxmlformats.org/markup-compatibility/2006" xmlns:mv="urn:schemas-microsoft-com:mac:vml" xmlns:p="http://schemas.openxmlformats.org/presentationml/2006/main" xmlns:c="http://schemas.openxmlformats.org/drawingml/2006/chart" xmlns:dgm="http://schemas.openxmlformats.org/drawingml/2006/diagram" xmlns:o="urn:schemas-microsoft-com:office:office" xmlns:v="urn:schemas-microsoft-com:vml" xmlns:pvml="urn:schemas-microsoft-com:office:powerpoint" xmlns:com="http://schemas.openxmlformats.org/drawingml/2006/compatibility" xmlns:p14="http://schemas.microsoft.com/office/powerpoint/2010/main" xmlns:p15="http://schemas.microsoft.com/office/powerpoint/2012/main" xmlns:ahyp="http://schemas.microsoft.com/office/drawing/2018/hyperlinkcolor">
+<file path=ppt/slides/slide8.xml><?xml version="1.0" encoding="utf-8"?>
+<p:sld xmlns:a="http://schemas.openxmlformats.org/drawingml/2006/main" xmlns:r="http://schemas.openxmlformats.org/officeDocument/2006/relationships" xmlns:p="http://schemas.openxmlformats.org/presentationml/2006/main">
   <p:cSld>
     <p:spTree>
       <p:nvGrpSpPr>
-        <p:cNvPr id="101" name="Shape 101"/>
+        <p:cNvPr id="1" name="Shape 101"/>
         <p:cNvGrpSpPr/>
         <p:nvPr/>
       </p:nvGrpSpPr>
@@ -8374,27 +8782,29 @@
       <p:sp>
         <p:nvSpPr>
           <p:cNvPr id="102" name="Google Shape;102;p19"/>
-          <p:cNvSpPr txBox="1"/>
+          <p:cNvSpPr txBox="1">
+            <a:spLocks noGrp="1"/>
+          </p:cNvSpPr>
           <p:nvPr>
             <p:ph type="title"/>
           </p:nvPr>
         </p:nvSpPr>
         <p:spPr>
           <a:xfrm>
-            <a:off x="311700" y="445025"/>
-            <a:ext cx="8520600" cy="707400"/>
+            <a:off x="311700" y="111318"/>
+            <a:ext cx="8520600" cy="967881"/>
           </a:xfrm>
           <a:prstGeom prst="rect">
             <a:avLst/>
           </a:prstGeom>
         </p:spPr>
         <p:txBody>
-          <a:bodyPr anchorCtr="0" anchor="t" bIns="91425" lIns="91425" spcFirstLastPara="1" rIns="91425" wrap="square" tIns="91425">
+          <a:bodyPr spcFirstLastPara="1" wrap="square" lIns="91425" tIns="91425" rIns="91425" bIns="91425" anchor="t" anchorCtr="0">
             <a:normAutofit fontScale="90000"/>
           </a:bodyPr>
           <a:lstStyle/>
           <a:p>
-            <a:pPr indent="0" lvl="0" marL="0" rtl="0" algn="l">
+            <a:pPr marL="0" lvl="0" indent="0" algn="l" rtl="0">
               <a:lnSpc>
                 <a:spcPct val="110000"/>
               </a:lnSpc>
@@ -8407,21 +8817,21 @@
               <a:buNone/>
             </a:pPr>
             <a:r>
-              <a:rPr lang="en" sz="3472">
+              <a:rPr lang="en" sz="3472" dirty="0">
                 <a:highlight>
                   <a:srgbClr val="FFFFFF"/>
                 </a:highlight>
               </a:rPr>
               <a:t>Which factors missing from the model could be important?</a:t>
             </a:r>
-            <a:endParaRPr sz="3472">
+            <a:endParaRPr sz="3472" dirty="0">
               <a:highlight>
                 <a:srgbClr val="FFFFFF"/>
               </a:highlight>
             </a:endParaRPr>
           </a:p>
           <a:p>
-            <a:pPr indent="0" lvl="0" marL="0" rtl="0" algn="l">
+            <a:pPr marL="0" lvl="0" indent="0" algn="l" rtl="0">
               <a:spcBef>
                 <a:spcPts val="800"/>
               </a:spcBef>
@@ -8430,19 +8840,18 @@
               </a:spcAft>
               <a:buNone/>
             </a:pPr>
-            <a:r>
-              <a:t/>
-            </a:r>
-            <a:endParaRPr/>
+            <a:endParaRPr dirty="0"/>
           </a:p>
         </p:txBody>
       </p:sp>
       <p:sp>
         <p:nvSpPr>
           <p:cNvPr id="103" name="Google Shape;103;p19"/>
-          <p:cNvSpPr txBox="1"/>
+          <p:cNvSpPr txBox="1">
+            <a:spLocks noGrp="1"/>
+          </p:cNvSpPr>
           <p:nvPr>
-            <p:ph idx="1" type="body"/>
+            <p:ph type="body" idx="1"/>
           </p:nvPr>
         </p:nvSpPr>
         <p:spPr>
@@ -8455,12 +8864,12 @@
           </a:prstGeom>
         </p:spPr>
         <p:txBody>
-          <a:bodyPr anchorCtr="0" anchor="t" bIns="91425" lIns="91425" spcFirstLastPara="1" rIns="91425" wrap="square" tIns="91425">
-            <a:normAutofit fontScale="92500"/>
+          <a:bodyPr spcFirstLastPara="1" wrap="square" lIns="91425" tIns="91425" rIns="91425" bIns="91425" anchor="t" anchorCtr="0">
+            <a:normAutofit fontScale="85000" lnSpcReduction="20000"/>
           </a:bodyPr>
           <a:lstStyle/>
           <a:p>
-            <a:pPr indent="0" lvl="0" marL="0" rtl="0" algn="l">
+            <a:pPr marL="0" lvl="0" indent="0" algn="l" rtl="0">
               <a:spcBef>
                 <a:spcPts val="0"/>
               </a:spcBef>
@@ -8520,12 +8929,12 @@
 </p:sld>
 </file>
 
-<file path=ppt/slides/slide8.xml><?xml version="1.0" encoding="utf-8"?>
-<p:sld xmlns:a="http://schemas.openxmlformats.org/drawingml/2006/main" xmlns:r="http://schemas.openxmlformats.org/officeDocument/2006/relationships" xmlns:mc="http://schemas.openxmlformats.org/markup-compatibility/2006" xmlns:mv="urn:schemas-microsoft-com:mac:vml" xmlns:p="http://schemas.openxmlformats.org/presentationml/2006/main" xmlns:c="http://schemas.openxmlformats.org/drawingml/2006/chart" xmlns:dgm="http://schemas.openxmlformats.org/drawingml/2006/diagram" xmlns:o="urn:schemas-microsoft-com:office:office" xmlns:v="urn:schemas-microsoft-com:vml" xmlns:pvml="urn:schemas-microsoft-com:office:powerpoint" xmlns:com="http://schemas.openxmlformats.org/drawingml/2006/compatibility" xmlns:p14="http://schemas.microsoft.com/office/powerpoint/2010/main" xmlns:p15="http://schemas.microsoft.com/office/powerpoint/2012/main" xmlns:ahyp="http://schemas.microsoft.com/office/drawing/2018/hyperlinkcolor">
+<file path=ppt/slides/slide9.xml><?xml version="1.0" encoding="utf-8"?>
+<p:sld xmlns:a="http://schemas.openxmlformats.org/drawingml/2006/main" xmlns:r="http://schemas.openxmlformats.org/officeDocument/2006/relationships" xmlns:p="http://schemas.openxmlformats.org/presentationml/2006/main">
   <p:cSld>
     <p:spTree>
       <p:nvGrpSpPr>
-        <p:cNvPr id="108" name="Shape 108"/>
+        <p:cNvPr id="1" name="Shape 108"/>
         <p:cNvGrpSpPr/>
         <p:nvPr/>
       </p:nvGrpSpPr>
@@ -8540,7 +8949,9 @@
       <p:sp>
         <p:nvSpPr>
           <p:cNvPr id="109" name="Google Shape;109;p20"/>
-          <p:cNvSpPr txBox="1"/>
+          <p:cNvSpPr txBox="1">
+            <a:spLocks noGrp="1"/>
+          </p:cNvSpPr>
           <p:nvPr>
             <p:ph type="title"/>
           </p:nvPr>
@@ -8555,12 +8966,12 @@
           </a:prstGeom>
         </p:spPr>
         <p:txBody>
-          <a:bodyPr anchorCtr="0" anchor="t" bIns="91425" lIns="91425" spcFirstLastPara="1" rIns="91425" wrap="square" tIns="91425">
+          <a:bodyPr spcFirstLastPara="1" wrap="square" lIns="91425" tIns="91425" rIns="91425" bIns="91425" anchor="t" anchorCtr="0">
             <a:normAutofit fontScale="90000"/>
           </a:bodyPr>
           <a:lstStyle/>
           <a:p>
-            <a:pPr indent="0" lvl="0" marL="0" rtl="0" algn="l">
+            <a:pPr marL="0" lvl="0" indent="0" algn="l" rtl="0">
               <a:lnSpc>
                 <a:spcPct val="110000"/>
               </a:lnSpc>
@@ -8587,7 +8998,7 @@
             </a:endParaRPr>
           </a:p>
           <a:p>
-            <a:pPr indent="0" lvl="0" marL="0" rtl="0" algn="l">
+            <a:pPr marL="0" lvl="0" indent="0" algn="l" rtl="0">
               <a:spcBef>
                 <a:spcPts val="800"/>
               </a:spcBef>
@@ -8596,9 +9007,6 @@
               </a:spcAft>
               <a:buNone/>
             </a:pPr>
-            <a:r>
-              <a:t/>
-            </a:r>
             <a:endParaRPr/>
           </a:p>
         </p:txBody>
@@ -8606,9 +9014,11 @@
       <p:sp>
         <p:nvSpPr>
           <p:cNvPr id="110" name="Google Shape;110;p20"/>
-          <p:cNvSpPr txBox="1"/>
+          <p:cNvSpPr txBox="1">
+            <a:spLocks noGrp="1"/>
+          </p:cNvSpPr>
           <p:nvPr>
-            <p:ph idx="1" type="body"/>
+            <p:ph type="body" idx="1"/>
           </p:nvPr>
         </p:nvSpPr>
         <p:spPr>
@@ -8621,12 +9031,12 @@
           </a:prstGeom>
         </p:spPr>
         <p:txBody>
-          <a:bodyPr anchorCtr="0" anchor="t" bIns="91425" lIns="91425" spcFirstLastPara="1" rIns="91425" wrap="square" tIns="91425">
+          <a:bodyPr spcFirstLastPara="1" wrap="square" lIns="91425" tIns="91425" rIns="91425" bIns="91425" anchor="t" anchorCtr="0">
             <a:normAutofit fontScale="85000" lnSpcReduction="20000"/>
           </a:bodyPr>
           <a:lstStyle/>
           <a:p>
-            <a:pPr indent="0" lvl="0" marL="0" rtl="0" algn="l">
+            <a:pPr marL="0" lvl="0" indent="0" algn="l" rtl="0">
               <a:spcBef>
                 <a:spcPts val="0"/>
               </a:spcBef>
@@ -8635,13 +9045,10 @@
               </a:spcAft>
               <a:buNone/>
             </a:pPr>
-            <a:r>
-              <a:t/>
-            </a:r>
             <a:endParaRPr/>
           </a:p>
           <a:p>
-            <a:pPr indent="0" lvl="0" marL="0" rtl="0" algn="l">
+            <a:pPr marL="0" lvl="0" indent="0" algn="l" rtl="0">
               <a:spcBef>
                 <a:spcPts val="1200"/>
               </a:spcBef>
@@ -8671,7 +9078,7 @@
             </a:endParaRPr>
           </a:p>
           <a:p>
-            <a:pPr indent="0" lvl="0" marL="0" rtl="0" algn="l">
+            <a:pPr marL="0" lvl="0" indent="0" algn="l" rtl="0">
               <a:spcBef>
                 <a:spcPts val="800"/>
               </a:spcBef>
@@ -8680,9 +9087,6 @@
               </a:spcAft>
               <a:buNone/>
             </a:pPr>
-            <a:r>
-              <a:t/>
-            </a:r>
             <a:endParaRPr sz="1666">
               <a:solidFill>
                 <a:srgbClr val="333333"/>
@@ -8693,7 +9097,7 @@
             </a:endParaRPr>
           </a:p>
           <a:p>
-            <a:pPr indent="0" lvl="0" marL="0" rtl="0" algn="l">
+            <a:pPr marL="0" lvl="0" indent="0" algn="l" rtl="0">
               <a:spcBef>
                 <a:spcPts val="800"/>
               </a:spcBef>
@@ -8723,7 +9127,7 @@
             </a:endParaRPr>
           </a:p>
           <a:p>
-            <a:pPr indent="0" lvl="0" marL="0" rtl="0" algn="l">
+            <a:pPr marL="0" lvl="0" indent="0" algn="l" rtl="0">
               <a:spcBef>
                 <a:spcPts val="800"/>
               </a:spcBef>
@@ -8732,9 +9136,6 @@
               </a:spcAft>
               <a:buNone/>
             </a:pPr>
-            <a:r>
-              <a:t/>
-            </a:r>
             <a:endParaRPr sz="1666">
               <a:solidFill>
                 <a:srgbClr val="333333"/>
@@ -8745,7 +9146,7 @@
             </a:endParaRPr>
           </a:p>
           <a:p>
-            <a:pPr indent="0" lvl="0" marL="0" rtl="0" algn="l">
+            <a:pPr marL="0" lvl="0" indent="0" algn="l" rtl="0">
               <a:spcBef>
                 <a:spcPts val="800"/>
               </a:spcBef>
@@ -8766,7 +9167,7 @@
               <a:t>However, the data which was in scope for this report </a:t>
             </a:r>
             <a:r>
-              <a:rPr b="1" lang="en" sz="1666">
+              <a:rPr lang="en" sz="1666" b="1">
                 <a:solidFill>
                   <a:srgbClr val="333333"/>
                 </a:solidFill>
@@ -8797,7 +9198,7 @@
             </a:endParaRPr>
           </a:p>
           <a:p>
-            <a:pPr indent="0" lvl="0" marL="0" rtl="0" algn="l">
+            <a:pPr marL="0" lvl="0" indent="0" algn="l" rtl="0">
               <a:spcBef>
                 <a:spcPts val="800"/>
               </a:spcBef>
@@ -8806,9 +9207,6 @@
               </a:spcAft>
               <a:buNone/>
             </a:pPr>
-            <a:r>
-              <a:t/>
-            </a:r>
             <a:endParaRPr sz="1666">
               <a:solidFill>
                 <a:srgbClr val="333333"/>
@@ -8819,7 +9217,7 @@
             </a:endParaRPr>
           </a:p>
           <a:p>
-            <a:pPr indent="0" lvl="0" marL="0" rtl="0" algn="l">
+            <a:pPr marL="0" lvl="0" indent="0" algn="l" rtl="0">
               <a:spcBef>
                 <a:spcPts val="800"/>
               </a:spcBef>
@@ -8837,29 +9235,7 @@
                   <a:srgbClr val="FFFFFF"/>
                 </a:highlight>
               </a:rPr>
-              <a:t>Further analysis required - </a:t>
-            </a:r>
-            <a:r>
-              <a:rPr lang="en" sz="1666">
-                <a:solidFill>
-                  <a:srgbClr val="333333"/>
-                </a:solidFill>
-                <a:highlight>
-                  <a:srgbClr val="FFFFFF"/>
-                </a:highlight>
-              </a:rPr>
-              <a:t>perhaps</a:t>
-            </a:r>
-            <a:r>
-              <a:rPr lang="en" sz="1666">
-                <a:solidFill>
-                  <a:srgbClr val="333333"/>
-                </a:solidFill>
-                <a:highlight>
-                  <a:srgbClr val="FFFFFF"/>
-                </a:highlight>
-              </a:rPr>
-              <a:t> using reporting on causes of delays collated by the US Bureau of Transportation Statistics since 2003:</a:t>
+              <a:t>Further analysis required - perhaps using reporting on causes of delays collated by the US Bureau of Transportation Statistics since 2003:</a:t>
             </a:r>
             <a:endParaRPr sz="1666">
               <a:solidFill>
@@ -8871,7 +9247,7 @@
             </a:endParaRPr>
           </a:p>
           <a:p>
-            <a:pPr indent="0" lvl="0" marL="0" rtl="0" algn="l">
+            <a:pPr marL="0" lvl="0" indent="0" algn="l" rtl="0">
               <a:spcBef>
                 <a:spcPts val="800"/>
               </a:spcBef>
@@ -8911,7 +9287,288 @@
 </file>
 
 <file path=ppt/theme/theme1.xml><?xml version="1.0" encoding="utf-8"?>
-<a:theme xmlns:a="http://schemas.openxmlformats.org/drawingml/2006/main" xmlns:r="http://schemas.openxmlformats.org/officeDocument/2006/relationships">
+<a:theme xmlns:a="http://schemas.openxmlformats.org/drawingml/2006/main" name="Tropic">
+  <a:themeElements>
+    <a:clrScheme name="Tropic">
+      <a:dk1>
+        <a:srgbClr val="A1E8D9"/>
+      </a:dk1>
+      <a:lt1>
+        <a:srgbClr val="FFFFFF"/>
+      </a:lt1>
+      <a:dk2>
+        <a:srgbClr val="695D46"/>
+      </a:dk2>
+      <a:lt2>
+        <a:srgbClr val="B3A77D"/>
+      </a:lt2>
+      <a:accent1>
+        <a:srgbClr val="EF6C00"/>
+      </a:accent1>
+      <a:accent2>
+        <a:srgbClr val="CE93D8"/>
+      </a:accent2>
+      <a:accent3>
+        <a:srgbClr val="4DB6AC"/>
+      </a:accent3>
+      <a:accent4>
+        <a:srgbClr val="FF9800"/>
+      </a:accent4>
+      <a:accent5>
+        <a:srgbClr val="009668"/>
+      </a:accent5>
+      <a:accent6>
+        <a:srgbClr val="EEFF41"/>
+      </a:accent6>
+      <a:hlink>
+        <a:srgbClr val="009668"/>
+      </a:hlink>
+      <a:folHlink>
+        <a:srgbClr val="009668"/>
+      </a:folHlink>
+    </a:clrScheme>
+    <a:fontScheme name="Office">
+      <a:majorFont>
+        <a:latin typeface="Arial"/>
+        <a:ea typeface=""/>
+        <a:cs typeface=""/>
+        <a:font script="Jpan" typeface="ＭＳ Ｐゴシック"/>
+        <a:font script="Hang" typeface="맑은 고딕"/>
+        <a:font script="Hans" typeface="宋体"/>
+        <a:font script="Hant" typeface="新細明體"/>
+        <a:font script="Arab" typeface="Times New Roman"/>
+        <a:font script="Hebr" typeface="Times New Roman"/>
+        <a:font script="Thai" typeface="Angsana New"/>
+        <a:font script="Ethi" typeface="Nyala"/>
+        <a:font script="Beng" typeface="Vrinda"/>
+        <a:font script="Gujr" typeface="Shruti"/>
+        <a:font script="Khmr" typeface="MoolBoran"/>
+        <a:font script="Knda" typeface="Tunga"/>
+        <a:font script="Guru" typeface="Raavi"/>
+        <a:font script="Cans" typeface="Euphemia"/>
+        <a:font script="Cher" typeface="Plantagenet Cherokee"/>
+        <a:font script="Yiii" typeface="Microsoft Yi Baiti"/>
+        <a:font script="Tibt" typeface="Microsoft Himalaya"/>
+        <a:font script="Thaa" typeface="MV Boli"/>
+        <a:font script="Deva" typeface="Mangal"/>
+        <a:font script="Telu" typeface="Gautami"/>
+        <a:font script="Taml" typeface="Latha"/>
+        <a:font script="Syrc" typeface="Estrangelo Edessa"/>
+        <a:font script="Orya" typeface="Kalinga"/>
+        <a:font script="Mlym" typeface="Kartika"/>
+        <a:font script="Laoo" typeface="DokChampa"/>
+        <a:font script="Sinh" typeface="Iskoola Pota"/>
+        <a:font script="Mong" typeface="Mongolian Baiti"/>
+        <a:font script="Viet" typeface="Times New Roman"/>
+        <a:font script="Uigh" typeface="Microsoft Uighur"/>
+        <a:font script="Geor" typeface="Sylfaen"/>
+      </a:majorFont>
+      <a:minorFont>
+        <a:latin typeface="Arial"/>
+        <a:ea typeface=""/>
+        <a:cs typeface=""/>
+        <a:font script="Jpan" typeface="ＭＳ Ｐゴシック"/>
+        <a:font script="Hang" typeface="맑은 고딕"/>
+        <a:font script="Hans" typeface="宋体"/>
+        <a:font script="Hant" typeface="新細明體"/>
+        <a:font script="Arab" typeface="Arial"/>
+        <a:font script="Hebr" typeface="Arial"/>
+        <a:font script="Thai" typeface="Cordia New"/>
+        <a:font script="Ethi" typeface="Nyala"/>
+        <a:font script="Beng" typeface="Vrinda"/>
+        <a:font script="Gujr" typeface="Shruti"/>
+        <a:font script="Khmr" typeface="DaunPenh"/>
+        <a:font script="Knda" typeface="Tunga"/>
+        <a:font script="Guru" typeface="Raavi"/>
+        <a:font script="Cans" typeface="Euphemia"/>
+        <a:font script="Cher" typeface="Plantagenet Cherokee"/>
+        <a:font script="Yiii" typeface="Microsoft Yi Baiti"/>
+        <a:font script="Tibt" typeface="Microsoft Himalaya"/>
+        <a:font script="Thaa" typeface="MV Boli"/>
+        <a:font script="Deva" typeface="Mangal"/>
+        <a:font script="Telu" typeface="Gautami"/>
+        <a:font script="Taml" typeface="Latha"/>
+        <a:font script="Syrc" typeface="Estrangelo Edessa"/>
+        <a:font script="Orya" typeface="Kalinga"/>
+        <a:font script="Mlym" typeface="Kartika"/>
+        <a:font script="Laoo" typeface="DokChampa"/>
+        <a:font script="Sinh" typeface="Iskoola Pota"/>
+        <a:font script="Mong" typeface="Mongolian Baiti"/>
+        <a:font script="Viet" typeface="Arial"/>
+        <a:font script="Uigh" typeface="Microsoft Uighur"/>
+        <a:font script="Geor" typeface="Sylfaen"/>
+      </a:minorFont>
+    </a:fontScheme>
+    <a:fmtScheme name="Office">
+      <a:fillStyleLst>
+        <a:solidFill>
+          <a:schemeClr val="phClr"/>
+        </a:solidFill>
+        <a:gradFill rotWithShape="1">
+          <a:gsLst>
+            <a:gs pos="0">
+              <a:schemeClr val="phClr">
+                <a:tint val="50000"/>
+                <a:satMod val="300000"/>
+              </a:schemeClr>
+            </a:gs>
+            <a:gs pos="35000">
+              <a:schemeClr val="phClr">
+                <a:tint val="37000"/>
+                <a:satMod val="300000"/>
+              </a:schemeClr>
+            </a:gs>
+            <a:gs pos="100000">
+              <a:schemeClr val="phClr">
+                <a:tint val="15000"/>
+                <a:satMod val="350000"/>
+              </a:schemeClr>
+            </a:gs>
+          </a:gsLst>
+          <a:lin ang="16200000" scaled="1"/>
+        </a:gradFill>
+        <a:gradFill rotWithShape="1">
+          <a:gsLst>
+            <a:gs pos="0">
+              <a:schemeClr val="phClr">
+                <a:tint val="100000"/>
+                <a:shade val="100000"/>
+                <a:satMod val="130000"/>
+              </a:schemeClr>
+            </a:gs>
+            <a:gs pos="100000">
+              <a:schemeClr val="phClr">
+                <a:tint val="50000"/>
+                <a:shade val="100000"/>
+                <a:satMod val="350000"/>
+              </a:schemeClr>
+            </a:gs>
+          </a:gsLst>
+          <a:lin ang="16200000" scaled="0"/>
+        </a:gradFill>
+      </a:fillStyleLst>
+      <a:lnStyleLst>
+        <a:ln w="9525" cap="flat" cmpd="sng" algn="ctr">
+          <a:solidFill>
+            <a:schemeClr val="phClr">
+              <a:shade val="95000"/>
+              <a:satMod val="105000"/>
+            </a:schemeClr>
+          </a:solidFill>
+          <a:prstDash val="solid"/>
+        </a:ln>
+        <a:ln w="25400" cap="flat" cmpd="sng" algn="ctr">
+          <a:solidFill>
+            <a:schemeClr val="phClr"/>
+          </a:solidFill>
+          <a:prstDash val="solid"/>
+        </a:ln>
+        <a:ln w="38100" cap="flat" cmpd="sng" algn="ctr">
+          <a:solidFill>
+            <a:schemeClr val="phClr"/>
+          </a:solidFill>
+          <a:prstDash val="solid"/>
+        </a:ln>
+      </a:lnStyleLst>
+      <a:effectStyleLst>
+        <a:effectStyle>
+          <a:effectLst>
+            <a:outerShdw blurRad="40000" dist="20000" dir="5400000" rotWithShape="0">
+              <a:srgbClr val="000000">
+                <a:alpha val="38000"/>
+              </a:srgbClr>
+            </a:outerShdw>
+          </a:effectLst>
+        </a:effectStyle>
+        <a:effectStyle>
+          <a:effectLst>
+            <a:outerShdw blurRad="40000" dist="23000" dir="5400000" rotWithShape="0">
+              <a:srgbClr val="000000">
+                <a:alpha val="35000"/>
+              </a:srgbClr>
+            </a:outerShdw>
+          </a:effectLst>
+        </a:effectStyle>
+        <a:effectStyle>
+          <a:effectLst>
+            <a:outerShdw blurRad="40000" dist="23000" dir="5400000" rotWithShape="0">
+              <a:srgbClr val="000000">
+                <a:alpha val="35000"/>
+              </a:srgbClr>
+            </a:outerShdw>
+          </a:effectLst>
+          <a:scene3d>
+            <a:camera prst="orthographicFront">
+              <a:rot lat="0" lon="0" rev="0"/>
+            </a:camera>
+            <a:lightRig rig="threePt" dir="t">
+              <a:rot lat="0" lon="0" rev="1200000"/>
+            </a:lightRig>
+          </a:scene3d>
+          <a:sp3d>
+            <a:bevelT w="63500" h="25400"/>
+          </a:sp3d>
+        </a:effectStyle>
+      </a:effectStyleLst>
+      <a:bgFillStyleLst>
+        <a:solidFill>
+          <a:schemeClr val="phClr"/>
+        </a:solidFill>
+        <a:gradFill rotWithShape="1">
+          <a:gsLst>
+            <a:gs pos="0">
+              <a:schemeClr val="phClr">
+                <a:tint val="40000"/>
+                <a:satMod val="350000"/>
+              </a:schemeClr>
+            </a:gs>
+            <a:gs pos="40000">
+              <a:schemeClr val="phClr">
+                <a:tint val="45000"/>
+                <a:shade val="99000"/>
+                <a:satMod val="350000"/>
+              </a:schemeClr>
+            </a:gs>
+            <a:gs pos="100000">
+              <a:schemeClr val="phClr">
+                <a:shade val="20000"/>
+                <a:satMod val="255000"/>
+              </a:schemeClr>
+            </a:gs>
+          </a:gsLst>
+          <a:path path="circle">
+            <a:fillToRect l="50000" t="-80000" r="50000" b="180000"/>
+          </a:path>
+        </a:gradFill>
+        <a:gradFill rotWithShape="1">
+          <a:gsLst>
+            <a:gs pos="0">
+              <a:schemeClr val="phClr">
+                <a:tint val="80000"/>
+                <a:satMod val="300000"/>
+              </a:schemeClr>
+            </a:gs>
+            <a:gs pos="100000">
+              <a:schemeClr val="phClr">
+                <a:shade val="30000"/>
+                <a:satMod val="200000"/>
+              </a:schemeClr>
+            </a:gs>
+          </a:gsLst>
+          <a:path path="circle">
+            <a:fillToRect l="50000" t="50000" r="50000" b="50000"/>
+          </a:path>
+        </a:gradFill>
+      </a:bgFillStyleLst>
+    </a:fmtScheme>
+  </a:themeElements>
+  <a:objectDefaults/>
+  <a:extraClrSchemeLst/>
+</a:theme>
+</file>
+
+<file path=ppt/theme/theme2.xml><?xml version="1.0" encoding="utf-8"?>
+<a:theme xmlns:a="http://schemas.openxmlformats.org/drawingml/2006/main">
   <a:themeElements>
     <a:clrScheme name="Default">
       <a:dk1>
@@ -9186,284 +9843,7 @@
       </a:bgFillStyleLst>
     </a:fmtScheme>
   </a:themeElements>
-</a:theme>
-</file>
-
-<file path=ppt/theme/theme2.xml><?xml version="1.0" encoding="utf-8"?>
-<a:theme xmlns:a="http://schemas.openxmlformats.org/drawingml/2006/main" xmlns:r="http://schemas.openxmlformats.org/officeDocument/2006/relationships" name="Tropic">
-  <a:themeElements>
-    <a:clrScheme name="Tropic">
-      <a:dk1>
-        <a:srgbClr val="A1E8D9"/>
-      </a:dk1>
-      <a:lt1>
-        <a:srgbClr val="FFFFFF"/>
-      </a:lt1>
-      <a:dk2>
-        <a:srgbClr val="695D46"/>
-      </a:dk2>
-      <a:lt2>
-        <a:srgbClr val="B3A77D"/>
-      </a:lt2>
-      <a:accent1>
-        <a:srgbClr val="EF6C00"/>
-      </a:accent1>
-      <a:accent2>
-        <a:srgbClr val="CE93D8"/>
-      </a:accent2>
-      <a:accent3>
-        <a:srgbClr val="4DB6AC"/>
-      </a:accent3>
-      <a:accent4>
-        <a:srgbClr val="FF9800"/>
-      </a:accent4>
-      <a:accent5>
-        <a:srgbClr val="009668"/>
-      </a:accent5>
-      <a:accent6>
-        <a:srgbClr val="EEFF41"/>
-      </a:accent6>
-      <a:hlink>
-        <a:srgbClr val="009668"/>
-      </a:hlink>
-      <a:folHlink>
-        <a:srgbClr val="009668"/>
-      </a:folHlink>
-    </a:clrScheme>
-    <a:fontScheme name="Office">
-      <a:majorFont>
-        <a:latin typeface="Arial"/>
-        <a:ea typeface=""/>
-        <a:cs typeface=""/>
-        <a:font script="Jpan" typeface="ＭＳ Ｐゴシック"/>
-        <a:font script="Hang" typeface="맑은 고딕"/>
-        <a:font script="Hans" typeface="宋体"/>
-        <a:font script="Hant" typeface="新細明體"/>
-        <a:font script="Arab" typeface="Times New Roman"/>
-        <a:font script="Hebr" typeface="Times New Roman"/>
-        <a:font script="Thai" typeface="Angsana New"/>
-        <a:font script="Ethi" typeface="Nyala"/>
-        <a:font script="Beng" typeface="Vrinda"/>
-        <a:font script="Gujr" typeface="Shruti"/>
-        <a:font script="Khmr" typeface="MoolBoran"/>
-        <a:font script="Knda" typeface="Tunga"/>
-        <a:font script="Guru" typeface="Raavi"/>
-        <a:font script="Cans" typeface="Euphemia"/>
-        <a:font script="Cher" typeface="Plantagenet Cherokee"/>
-        <a:font script="Yiii" typeface="Microsoft Yi Baiti"/>
-        <a:font script="Tibt" typeface="Microsoft Himalaya"/>
-        <a:font script="Thaa" typeface="MV Boli"/>
-        <a:font script="Deva" typeface="Mangal"/>
-        <a:font script="Telu" typeface="Gautami"/>
-        <a:font script="Taml" typeface="Latha"/>
-        <a:font script="Syrc" typeface="Estrangelo Edessa"/>
-        <a:font script="Orya" typeface="Kalinga"/>
-        <a:font script="Mlym" typeface="Kartika"/>
-        <a:font script="Laoo" typeface="DokChampa"/>
-        <a:font script="Sinh" typeface="Iskoola Pota"/>
-        <a:font script="Mong" typeface="Mongolian Baiti"/>
-        <a:font script="Viet" typeface="Times New Roman"/>
-        <a:font script="Uigh" typeface="Microsoft Uighur"/>
-        <a:font script="Geor" typeface="Sylfaen"/>
-      </a:majorFont>
-      <a:minorFont>
-        <a:latin typeface="Arial"/>
-        <a:ea typeface=""/>
-        <a:cs typeface=""/>
-        <a:font script="Jpan" typeface="ＭＳ Ｐゴシック"/>
-        <a:font script="Hang" typeface="맑은 고딕"/>
-        <a:font script="Hans" typeface="宋体"/>
-        <a:font script="Hant" typeface="新細明體"/>
-        <a:font script="Arab" typeface="Arial"/>
-        <a:font script="Hebr" typeface="Arial"/>
-        <a:font script="Thai" typeface="Cordia New"/>
-        <a:font script="Ethi" typeface="Nyala"/>
-        <a:font script="Beng" typeface="Vrinda"/>
-        <a:font script="Gujr" typeface="Shruti"/>
-        <a:font script="Khmr" typeface="DaunPenh"/>
-        <a:font script="Knda" typeface="Tunga"/>
-        <a:font script="Guru" typeface="Raavi"/>
-        <a:font script="Cans" typeface="Euphemia"/>
-        <a:font script="Cher" typeface="Plantagenet Cherokee"/>
-        <a:font script="Yiii" typeface="Microsoft Yi Baiti"/>
-        <a:font script="Tibt" typeface="Microsoft Himalaya"/>
-        <a:font script="Thaa" typeface="MV Boli"/>
-        <a:font script="Deva" typeface="Mangal"/>
-        <a:font script="Telu" typeface="Gautami"/>
-        <a:font script="Taml" typeface="Latha"/>
-        <a:font script="Syrc" typeface="Estrangelo Edessa"/>
-        <a:font script="Orya" typeface="Kalinga"/>
-        <a:font script="Mlym" typeface="Kartika"/>
-        <a:font script="Laoo" typeface="DokChampa"/>
-        <a:font script="Sinh" typeface="Iskoola Pota"/>
-        <a:font script="Mong" typeface="Mongolian Baiti"/>
-        <a:font script="Viet" typeface="Arial"/>
-        <a:font script="Uigh" typeface="Microsoft Uighur"/>
-        <a:font script="Geor" typeface="Sylfaen"/>
-      </a:minorFont>
-    </a:fontScheme>
-    <a:fmtScheme name="Office">
-      <a:fillStyleLst>
-        <a:solidFill>
-          <a:schemeClr val="phClr"/>
-        </a:solidFill>
-        <a:gradFill rotWithShape="1">
-          <a:gsLst>
-            <a:gs pos="0">
-              <a:schemeClr val="phClr">
-                <a:tint val="50000"/>
-                <a:satMod val="300000"/>
-              </a:schemeClr>
-            </a:gs>
-            <a:gs pos="35000">
-              <a:schemeClr val="phClr">
-                <a:tint val="37000"/>
-                <a:satMod val="300000"/>
-              </a:schemeClr>
-            </a:gs>
-            <a:gs pos="100000">
-              <a:schemeClr val="phClr">
-                <a:tint val="15000"/>
-                <a:satMod val="350000"/>
-              </a:schemeClr>
-            </a:gs>
-          </a:gsLst>
-          <a:lin ang="16200000" scaled="1"/>
-        </a:gradFill>
-        <a:gradFill rotWithShape="1">
-          <a:gsLst>
-            <a:gs pos="0">
-              <a:schemeClr val="phClr">
-                <a:tint val="100000"/>
-                <a:shade val="100000"/>
-                <a:satMod val="130000"/>
-              </a:schemeClr>
-            </a:gs>
-            <a:gs pos="100000">
-              <a:schemeClr val="phClr">
-                <a:tint val="50000"/>
-                <a:shade val="100000"/>
-                <a:satMod val="350000"/>
-              </a:schemeClr>
-            </a:gs>
-          </a:gsLst>
-          <a:lin ang="16200000" scaled="0"/>
-        </a:gradFill>
-      </a:fillStyleLst>
-      <a:lnStyleLst>
-        <a:ln w="9525" cap="flat" cmpd="sng" algn="ctr">
-          <a:solidFill>
-            <a:schemeClr val="phClr">
-              <a:shade val="95000"/>
-              <a:satMod val="105000"/>
-            </a:schemeClr>
-          </a:solidFill>
-          <a:prstDash val="solid"/>
-        </a:ln>
-        <a:ln w="25400" cap="flat" cmpd="sng" algn="ctr">
-          <a:solidFill>
-            <a:schemeClr val="phClr"/>
-          </a:solidFill>
-          <a:prstDash val="solid"/>
-        </a:ln>
-        <a:ln w="38100" cap="flat" cmpd="sng" algn="ctr">
-          <a:solidFill>
-            <a:schemeClr val="phClr"/>
-          </a:solidFill>
-          <a:prstDash val="solid"/>
-        </a:ln>
-      </a:lnStyleLst>
-      <a:effectStyleLst>
-        <a:effectStyle>
-          <a:effectLst>
-            <a:outerShdw blurRad="40000" dist="20000" dir="5400000" rotWithShape="0">
-              <a:srgbClr val="000000">
-                <a:alpha val="38000"/>
-              </a:srgbClr>
-            </a:outerShdw>
-          </a:effectLst>
-        </a:effectStyle>
-        <a:effectStyle>
-          <a:effectLst>
-            <a:outerShdw blurRad="40000" dist="23000" dir="5400000" rotWithShape="0">
-              <a:srgbClr val="000000">
-                <a:alpha val="35000"/>
-              </a:srgbClr>
-            </a:outerShdw>
-          </a:effectLst>
-        </a:effectStyle>
-        <a:effectStyle>
-          <a:effectLst>
-            <a:outerShdw blurRad="40000" dist="23000" dir="5400000" rotWithShape="0">
-              <a:srgbClr val="000000">
-                <a:alpha val="35000"/>
-              </a:srgbClr>
-            </a:outerShdw>
-          </a:effectLst>
-          <a:scene3d>
-            <a:camera prst="orthographicFront">
-              <a:rot lat="0" lon="0" rev="0"/>
-            </a:camera>
-            <a:lightRig rig="threePt" dir="t">
-              <a:rot lat="0" lon="0" rev="1200000"/>
-            </a:lightRig>
-          </a:scene3d>
-          <a:sp3d>
-            <a:bevelT w="63500" h="25400"/>
-          </a:sp3d>
-        </a:effectStyle>
-      </a:effectStyleLst>
-      <a:bgFillStyleLst>
-        <a:solidFill>
-          <a:schemeClr val="phClr"/>
-        </a:solidFill>
-        <a:gradFill rotWithShape="1">
-          <a:gsLst>
-            <a:gs pos="0">
-              <a:schemeClr val="phClr">
-                <a:tint val="40000"/>
-                <a:satMod val="350000"/>
-              </a:schemeClr>
-            </a:gs>
-            <a:gs pos="40000">
-              <a:schemeClr val="phClr">
-                <a:tint val="45000"/>
-                <a:shade val="99000"/>
-                <a:satMod val="350000"/>
-              </a:schemeClr>
-            </a:gs>
-            <a:gs pos="100000">
-              <a:schemeClr val="phClr">
-                <a:shade val="20000"/>
-                <a:satMod val="255000"/>
-              </a:schemeClr>
-            </a:gs>
-          </a:gsLst>
-          <a:path path="circle">
-            <a:fillToRect l="50000" t="-80000" r="50000" b="180000"/>
-          </a:path>
-        </a:gradFill>
-        <a:gradFill rotWithShape="1">
-          <a:gsLst>
-            <a:gs pos="0">
-              <a:schemeClr val="phClr">
-                <a:tint val="80000"/>
-                <a:satMod val="300000"/>
-              </a:schemeClr>
-            </a:gs>
-            <a:gs pos="100000">
-              <a:schemeClr val="phClr">
-                <a:shade val="30000"/>
-                <a:satMod val="200000"/>
-              </a:schemeClr>
-            </a:gs>
-          </a:gsLst>
-          <a:path path="circle">
-            <a:fillToRect l="50000" t="50000" r="50000" b="50000"/>
-          </a:path>
-        </a:gradFill>
-      </a:bgFillStyleLst>
-    </a:fmtScheme>
-  </a:themeElements>
+  <a:objectDefaults/>
+  <a:extraClrSchemeLst/>
 </a:theme>
 </file>
--- a/documentation/presentation.pptx
+++ b/documentation/presentation.pptx
@@ -1589,7 +1589,7 @@
         </p:nvSpPr>
         <p:spPr>
           <a:xfrm>
-            <a:off x="381300" y="685800"/>
+            <a:off x="381000" y="685800"/>
             <a:ext cx="6096000" cy="3429000"/>
           </a:xfrm>
           <a:custGeom>
@@ -7553,7 +7553,7 @@
         </p:spPr>
         <p:txBody>
           <a:bodyPr spcFirstLastPara="1" wrap="square" lIns="91425" tIns="91425" rIns="91425" bIns="91425" anchor="t" anchorCtr="0">
-            <a:normAutofit fontScale="92500" lnSpcReduction="10000"/>
+            <a:normAutofit fontScale="92500"/>
           </a:bodyPr>
           <a:lstStyle/>
           <a:p>
@@ -7568,10 +7568,10 @@
               <a:buChar char="●"/>
             </a:pPr>
             <a:r>
-              <a:rPr lang="en"/>
+              <a:rPr lang="en" dirty="0"/>
               <a:t>Covers the period Jan - Dec 2017</a:t>
             </a:r>
-            <a:endParaRPr/>
+            <a:endParaRPr dirty="0"/>
           </a:p>
           <a:p>
             <a:pPr marL="0" lvl="0" indent="0" algn="l" rtl="0">
@@ -7583,7 +7583,7 @@
               </a:spcAft>
               <a:buNone/>
             </a:pPr>
-            <a:endParaRPr sz="651"/>
+            <a:endParaRPr sz="651" dirty="0"/>
           </a:p>
           <a:p>
             <a:pPr marL="457200" lvl="0" indent="-342900" algn="l" rtl="0">
@@ -7597,10 +7597,10 @@
               <a:buChar char="●"/>
             </a:pPr>
             <a:r>
-              <a:rPr lang="en"/>
-              <a:t>A departure is classed as delayed if the actual departure time is 15 minutes or more later than the scheduled time</a:t>
+              <a:rPr lang="en" dirty="0"/>
+              <a:t>Delayed departure = 15 minutes or more late</a:t>
             </a:r>
-            <a:endParaRPr/>
+            <a:endParaRPr dirty="0"/>
           </a:p>
           <a:p>
             <a:pPr marL="0" lvl="0" indent="0" algn="l" rtl="0">
@@ -7612,7 +7612,7 @@
               </a:spcAft>
               <a:buNone/>
             </a:pPr>
-            <a:endParaRPr sz="671"/>
+            <a:endParaRPr sz="671" dirty="0"/>
           </a:p>
           <a:p>
             <a:pPr marL="457200" lvl="0" indent="-342900" algn="l" rtl="0">
@@ -7626,10 +7626,10 @@
               <a:buChar char="●"/>
             </a:pPr>
             <a:r>
-              <a:rPr lang="en"/>
+              <a:rPr lang="en" dirty="0"/>
               <a:t>Includes data for three New York airports:</a:t>
             </a:r>
-            <a:endParaRPr/>
+            <a:endParaRPr dirty="0"/>
           </a:p>
           <a:p>
             <a:pPr marL="457200" lvl="0" indent="0" algn="l" rtl="0">
@@ -7642,14 +7642,14 @@
               <a:buNone/>
             </a:pPr>
             <a:r>
-              <a:rPr lang="en" sz="1482" b="1">
+              <a:rPr lang="en" sz="1482" b="1" dirty="0">
                 <a:solidFill>
                   <a:srgbClr val="000000"/>
                 </a:solidFill>
               </a:rPr>
               <a:t>EWR - Newark Liberty International Airport</a:t>
             </a:r>
-            <a:endParaRPr sz="1482" b="1">
+            <a:endParaRPr sz="1482" b="1" dirty="0">
               <a:solidFill>
                 <a:srgbClr val="000000"/>
               </a:solidFill>
@@ -7666,14 +7666,14 @@
               <a:buNone/>
             </a:pPr>
             <a:r>
-              <a:rPr lang="en" sz="1482" b="1">
+              <a:rPr lang="en" sz="1482" b="1" dirty="0">
                 <a:solidFill>
                   <a:srgbClr val="000000"/>
                 </a:solidFill>
               </a:rPr>
               <a:t>JFK  -  John F Kennedy International Airport</a:t>
             </a:r>
-            <a:endParaRPr sz="1482" b="1">
+            <a:endParaRPr sz="1482" b="1" dirty="0">
               <a:solidFill>
                 <a:srgbClr val="000000"/>
               </a:solidFill>
@@ -7690,14 +7690,14 @@
               <a:buNone/>
             </a:pPr>
             <a:r>
-              <a:rPr lang="en" sz="1482" b="1">
+              <a:rPr lang="en" sz="1482" b="1" dirty="0">
                 <a:solidFill>
                   <a:srgbClr val="000000"/>
                 </a:solidFill>
               </a:rPr>
               <a:t>LGA - La Guardia Airport</a:t>
             </a:r>
-            <a:endParaRPr sz="1482" b="1">
+            <a:endParaRPr sz="1482" b="1" dirty="0">
               <a:solidFill>
                 <a:srgbClr val="000000"/>
               </a:solidFill>
@@ -7715,10 +7715,10 @@
               <a:buChar char="●"/>
             </a:pPr>
             <a:r>
-              <a:rPr lang="en"/>
+              <a:rPr lang="en" dirty="0"/>
               <a:t>A full report with more detail is available to accompany this presentation</a:t>
             </a:r>
-            <a:endParaRPr/>
+            <a:endParaRPr dirty="0"/>
           </a:p>
         </p:txBody>
       </p:sp>
@@ -8339,7 +8339,7 @@
         </p:nvSpPr>
         <p:spPr>
           <a:xfrm>
-            <a:off x="311700" y="445025"/>
+            <a:off x="311700" y="290825"/>
             <a:ext cx="8520600" cy="707400"/>
           </a:xfrm>
           <a:prstGeom prst="rect">
@@ -8365,14 +8365,14 @@
               <a:buNone/>
             </a:pPr>
             <a:r>
-              <a:rPr lang="en" sz="3583">
+              <a:rPr lang="en" sz="3583" dirty="0">
                 <a:highlight>
                   <a:srgbClr val="FFFFFF"/>
                 </a:highlight>
               </a:rPr>
               <a:t>Which factors have an impact on flight delays?</a:t>
             </a:r>
-            <a:endParaRPr sz="3583">
+            <a:endParaRPr sz="3583" dirty="0">
               <a:highlight>
                 <a:srgbClr val="FFFFFF"/>
               </a:highlight>
@@ -8388,7 +8388,7 @@
               </a:spcAft>
               <a:buNone/>
             </a:pPr>
-            <a:endParaRPr/>
+            <a:endParaRPr dirty="0"/>
           </a:p>
         </p:txBody>
       </p:sp>
@@ -8427,10 +8427,10 @@
               <a:buNone/>
             </a:pPr>
             <a:r>
-              <a:rPr lang="en"/>
+              <a:rPr lang="en" dirty="0"/>
               <a:t>Analysis of the available data showed that the following are statistically significant:</a:t>
             </a:r>
-            <a:endParaRPr/>
+            <a:endParaRPr dirty="0"/>
           </a:p>
           <a:p>
             <a:pPr marL="0" lvl="0" indent="0" algn="l" rtl="0">
@@ -8442,7 +8442,7 @@
               </a:spcAft>
               <a:buNone/>
             </a:pPr>
-            <a:endParaRPr sz="651"/>
+            <a:endParaRPr sz="651" dirty="0"/>
           </a:p>
           <a:p>
             <a:pPr marL="457200" lvl="0" indent="-318534" algn="l" rtl="0">
@@ -8459,7 +8459,7 @@
               <a:buChar char="●"/>
             </a:pPr>
             <a:r>
-              <a:rPr lang="en" sz="1666">
+              <a:rPr lang="en" sz="1666" dirty="0">
                 <a:solidFill>
                   <a:srgbClr val="333333"/>
                 </a:solidFill>
@@ -8469,7 +8469,7 @@
               </a:rPr>
               <a:t>number of departures in scheduled departure hour</a:t>
             </a:r>
-            <a:endParaRPr sz="1666">
+            <a:endParaRPr sz="1666" dirty="0">
               <a:solidFill>
                 <a:srgbClr val="333333"/>
               </a:solidFill>
@@ -8493,7 +8493,7 @@
               <a:buChar char="●"/>
             </a:pPr>
             <a:r>
-              <a:rPr lang="en" sz="1666">
+              <a:rPr lang="en" sz="1666" dirty="0">
                 <a:solidFill>
                   <a:srgbClr val="333333"/>
                 </a:solidFill>
@@ -8503,7 +8503,7 @@
               </a:rPr>
               <a:t>visibility (miles)</a:t>
             </a:r>
-            <a:endParaRPr sz="1666">
+            <a:endParaRPr sz="1666" dirty="0">
               <a:solidFill>
                 <a:srgbClr val="333333"/>
               </a:solidFill>
@@ -8527,7 +8527,7 @@
               <a:buChar char="●"/>
             </a:pPr>
             <a:r>
-              <a:rPr lang="en" sz="1666">
+              <a:rPr lang="en" sz="1666" dirty="0">
                 <a:solidFill>
                   <a:srgbClr val="333333"/>
                 </a:solidFill>
@@ -8537,7 +8537,7 @@
               </a:rPr>
               <a:t>wind speed (mph)</a:t>
             </a:r>
-            <a:endParaRPr sz="1666">
+            <a:endParaRPr sz="1666" dirty="0">
               <a:solidFill>
                 <a:srgbClr val="333333"/>
               </a:solidFill>
@@ -8561,7 +8561,7 @@
               <a:buChar char="●"/>
             </a:pPr>
             <a:r>
-              <a:rPr lang="en" sz="1666">
+              <a:rPr lang="en" sz="1666" dirty="0">
                 <a:solidFill>
                   <a:srgbClr val="333333"/>
                 </a:solidFill>
@@ -8571,7 +8571,7 @@
               </a:rPr>
               <a:t>wind direction cardinal (N, S, E, W)</a:t>
             </a:r>
-            <a:endParaRPr sz="1666">
+            <a:endParaRPr sz="1666" dirty="0">
               <a:solidFill>
                 <a:srgbClr val="333333"/>
               </a:solidFill>
@@ -8595,7 +8595,7 @@
               <a:buChar char="●"/>
             </a:pPr>
             <a:r>
-              <a:rPr lang="en" sz="1666">
+              <a:rPr lang="en" sz="1666" dirty="0">
                 <a:solidFill>
                   <a:srgbClr val="333333"/>
                 </a:solidFill>
@@ -8605,7 +8605,7 @@
               </a:rPr>
               <a:t>precipitation daily total (inches)</a:t>
             </a:r>
-            <a:endParaRPr sz="1666">
+            <a:endParaRPr sz="1666" dirty="0">
               <a:solidFill>
                 <a:srgbClr val="333333"/>
               </a:solidFill>
@@ -8629,7 +8629,7 @@
               <a:buChar char="●"/>
             </a:pPr>
             <a:r>
-              <a:rPr lang="en" sz="1666">
+              <a:rPr lang="en" sz="1666" dirty="0">
                 <a:solidFill>
                   <a:srgbClr val="333333"/>
                 </a:solidFill>
@@ -8639,7 +8639,7 @@
               </a:rPr>
               <a:t>snowfall daily total (inches)</a:t>
             </a:r>
-            <a:endParaRPr sz="1666">
+            <a:endParaRPr sz="1666" dirty="0">
               <a:solidFill>
                 <a:srgbClr val="333333"/>
               </a:solidFill>
@@ -8663,7 +8663,7 @@
               <a:buChar char="●"/>
             </a:pPr>
             <a:r>
-              <a:rPr lang="en" sz="1666">
+              <a:rPr lang="en" sz="1666" dirty="0">
                 <a:solidFill>
                   <a:srgbClr val="333333"/>
                 </a:solidFill>
@@ -8673,7 +8673,7 @@
               </a:rPr>
               <a:t>temperature daily maximum (Fahrenheit)</a:t>
             </a:r>
-            <a:endParaRPr sz="1666">
+            <a:endParaRPr sz="1666" dirty="0">
               <a:solidFill>
                 <a:srgbClr val="333333"/>
               </a:solidFill>
@@ -8692,7 +8692,7 @@
               </a:spcAft>
               <a:buNone/>
             </a:pPr>
-            <a:endParaRPr sz="1450">
+            <a:endParaRPr sz="1450" dirty="0">
               <a:solidFill>
                 <a:srgbClr val="333333"/>
               </a:solidFill>
@@ -8712,10 +8712,10 @@
               <a:buNone/>
             </a:pPr>
             <a:r>
-              <a:rPr lang="en"/>
+              <a:rPr lang="en" dirty="0"/>
               <a:t>Note only one of these is a non-weather factor </a:t>
             </a:r>
-            <a:endParaRPr/>
+            <a:endParaRPr dirty="0"/>
           </a:p>
           <a:p>
             <a:pPr marL="0" lvl="0" indent="0" algn="l" rtl="0">
@@ -8728,10 +8728,10 @@
               <a:buNone/>
             </a:pPr>
             <a:r>
-              <a:rPr lang="en"/>
+              <a:rPr lang="en" dirty="0"/>
               <a:t>Modeling produced similar results with and without this variable</a:t>
             </a:r>
-            <a:endParaRPr/>
+            <a:endParaRPr dirty="0"/>
           </a:p>
           <a:p>
             <a:pPr marL="0" lvl="0" indent="0" algn="l" rtl="0">
@@ -8743,7 +8743,7 @@
               </a:spcAft>
               <a:buNone/>
             </a:pPr>
-            <a:endParaRPr sz="1450">
+            <a:endParaRPr sz="1450" dirty="0">
               <a:solidFill>
                 <a:srgbClr val="333333"/>
               </a:solidFill>
@@ -8865,7 +8865,7 @@
         </p:spPr>
         <p:txBody>
           <a:bodyPr spcFirstLastPara="1" wrap="square" lIns="91425" tIns="91425" rIns="91425" bIns="91425" anchor="t" anchorCtr="0">
-            <a:normAutofit fontScale="85000" lnSpcReduction="20000"/>
+            <a:normAutofit/>
           </a:bodyPr>
           <a:lstStyle/>
           <a:p>
@@ -8879,10 +8879,10 @@
               <a:buNone/>
             </a:pPr>
             <a:r>
-              <a:rPr lang="en"/>
-              <a:t>Other sources show the importance of the knock-on effect of a plane arriving late from an earlier flight - it has not been possible to include this factor in this analysis</a:t>
+              <a:rPr lang="en" dirty="0"/>
+              <a:t>Other reports show delays to previous flights are a factor</a:t>
             </a:r>
-            <a:endParaRPr sz="1450">
+            <a:endParaRPr sz="1450" dirty="0">
               <a:solidFill>
                 <a:srgbClr val="333333"/>
               </a:solidFill>
@@ -8984,14 +8984,14 @@
               <a:buNone/>
             </a:pPr>
             <a:r>
-              <a:rPr lang="en" sz="3583">
+              <a:rPr lang="en" sz="3583" dirty="0">
                 <a:highlight>
                   <a:srgbClr val="FFFFFF"/>
                 </a:highlight>
               </a:rPr>
               <a:t>Conclusions and next steps</a:t>
             </a:r>
-            <a:endParaRPr sz="3583">
+            <a:endParaRPr sz="3583" dirty="0">
               <a:highlight>
                 <a:srgbClr val="FFFFFF"/>
               </a:highlight>
@@ -9007,7 +9007,7 @@
               </a:spcAft>
               <a:buNone/>
             </a:pPr>
-            <a:endParaRPr/>
+            <a:endParaRPr dirty="0"/>
           </a:p>
         </p:txBody>
       </p:sp>
@@ -9045,7 +9045,7 @@
               </a:spcAft>
               <a:buNone/>
             </a:pPr>
-            <a:endParaRPr/>
+            <a:endParaRPr dirty="0"/>
           </a:p>
           <a:p>
             <a:pPr marL="0" lvl="0" indent="0" algn="l" rtl="0">
@@ -9058,7 +9058,7 @@
               <a:buNone/>
             </a:pPr>
             <a:r>
-              <a:rPr lang="en" sz="1666">
+              <a:rPr lang="en" sz="1666" dirty="0">
                 <a:solidFill>
                   <a:srgbClr val="333333"/>
                 </a:solidFill>
@@ -9068,7 +9068,7 @@
               </a:rPr>
               <a:t>A number of weather variables have a significant effect on delayed departures</a:t>
             </a:r>
-            <a:endParaRPr sz="1666">
+            <a:endParaRPr sz="1666" dirty="0">
               <a:solidFill>
                 <a:srgbClr val="333333"/>
               </a:solidFill>
@@ -9087,7 +9087,7 @@
               </a:spcAft>
               <a:buNone/>
             </a:pPr>
-            <a:endParaRPr sz="1666">
+            <a:endParaRPr sz="1666" dirty="0">
               <a:solidFill>
                 <a:srgbClr val="333333"/>
               </a:solidFill>
@@ -9107,7 +9107,7 @@
               <a:buNone/>
             </a:pPr>
             <a:r>
-              <a:rPr lang="en" sz="1666">
+              <a:rPr lang="en" sz="1666" dirty="0">
                 <a:solidFill>
                   <a:srgbClr val="333333"/>
                 </a:solidFill>
@@ -9117,7 +9117,7 @@
               </a:rPr>
               <a:t>The number of flights leaving in the scheduled hour of departure is also significant</a:t>
             </a:r>
-            <a:endParaRPr sz="1666">
+            <a:endParaRPr sz="1666" dirty="0">
               <a:solidFill>
                 <a:srgbClr val="333333"/>
               </a:solidFill>
@@ -9136,7 +9136,7 @@
               </a:spcAft>
               <a:buNone/>
             </a:pPr>
-            <a:endParaRPr sz="1666">
+            <a:endParaRPr sz="1666" dirty="0">
               <a:solidFill>
                 <a:srgbClr val="333333"/>
               </a:solidFill>
@@ -9156,7 +9156,7 @@
               <a:buNone/>
             </a:pPr>
             <a:r>
-              <a:rPr lang="en" sz="1666">
+              <a:rPr lang="en" sz="1666" dirty="0">
                 <a:solidFill>
                   <a:srgbClr val="333333"/>
                 </a:solidFill>
@@ -9167,7 +9167,7 @@
               <a:t>However, the data which was in scope for this report </a:t>
             </a:r>
             <a:r>
-              <a:rPr lang="en" sz="1666" b="1">
+              <a:rPr lang="en" sz="1666" b="1" dirty="0">
                 <a:solidFill>
                   <a:srgbClr val="333333"/>
                 </a:solidFill>
@@ -9178,7 +9178,7 @@
               <a:t>is not sufficient  to make business decisions </a:t>
             </a:r>
             <a:r>
-              <a:rPr lang="en" sz="1666">
+              <a:rPr lang="en" sz="1666" dirty="0">
                 <a:solidFill>
                   <a:srgbClr val="333333"/>
                 </a:solidFill>
@@ -9186,9 +9186,9 @@
                   <a:srgbClr val="FFFFFF"/>
                 </a:highlight>
               </a:rPr>
-              <a:t>on future investment at Newark - important factors (such as the knock-on effect of earlier flight delays) were not in scope</a:t>
+              <a:t>on future investment at Newark - important factors (such as the knock-on effect of earlier flight delays) could not be assessed</a:t>
             </a:r>
-            <a:endParaRPr sz="1666">
+            <a:endParaRPr sz="1666" dirty="0">
               <a:solidFill>
                 <a:srgbClr val="333333"/>
               </a:solidFill>
@@ -9207,7 +9207,7 @@
               </a:spcAft>
               <a:buNone/>
             </a:pPr>
-            <a:endParaRPr sz="1666">
+            <a:endParaRPr sz="1666" dirty="0">
               <a:solidFill>
                 <a:srgbClr val="333333"/>
               </a:solidFill>
@@ -9227,7 +9227,7 @@
               <a:buNone/>
             </a:pPr>
             <a:r>
-              <a:rPr lang="en" sz="1666">
+              <a:rPr lang="en" sz="1666" dirty="0">
                 <a:solidFill>
                   <a:srgbClr val="333333"/>
                 </a:solidFill>
@@ -9237,7 +9237,7 @@
               </a:rPr>
               <a:t>Further analysis required - perhaps using reporting on causes of delays collated by the US Bureau of Transportation Statistics since 2003:</a:t>
             </a:r>
-            <a:endParaRPr sz="1666">
+            <a:endParaRPr sz="1666" dirty="0">
               <a:solidFill>
                 <a:srgbClr val="333333"/>
               </a:solidFill>
@@ -9257,17 +9257,37 @@
               <a:buNone/>
             </a:pPr>
             <a:r>
-              <a:rPr lang="en" sz="1666">
+              <a:rPr lang="en" sz="1666" dirty="0">
                 <a:solidFill>
                   <a:srgbClr val="333333"/>
                 </a:solidFill>
                 <a:highlight>
                   <a:srgbClr val="FFFFFF"/>
                 </a:highlight>
+                <a:hlinkClick r:id="rId3"/>
               </a:rPr>
               <a:t>https://www.transtats.bts.gov/OT_Delay/OT_DelayCause1.asp</a:t>
             </a:r>
-            <a:endParaRPr sz="1450">
+            <a:endParaRPr lang="en" sz="1666" dirty="0">
+              <a:solidFill>
+                <a:srgbClr val="333333"/>
+              </a:solidFill>
+              <a:highlight>
+                <a:srgbClr val="FFFFFF"/>
+              </a:highlight>
+            </a:endParaRPr>
+          </a:p>
+          <a:p>
+            <a:pPr marL="0" lvl="0" indent="0" algn="l" rtl="0">
+              <a:spcBef>
+                <a:spcPts val="800"/>
+              </a:spcBef>
+              <a:spcAft>
+                <a:spcPts val="800"/>
+              </a:spcAft>
+              <a:buNone/>
+            </a:pPr>
+            <a:endParaRPr sz="1450" dirty="0">
               <a:solidFill>
                 <a:srgbClr val="333333"/>
               </a:solidFill>

--- a/documentation/presentation.pptx
+++ b/documentation/presentation.pptx
@@ -5,7 +5,7 @@
     <p:sldMasterId id="2147483659" r:id="rId1"/>
   </p:sldMasterIdLst>
   <p:notesMasterIdLst>
-    <p:notesMasterId r:id="rId11"/>
+    <p:notesMasterId r:id="rId12"/>
   </p:notesMasterIdLst>
   <p:sldIdLst>
     <p:sldId id="256" r:id="rId2"/>
@@ -15,23 +15,24 @@
     <p:sldId id="259" r:id="rId6"/>
     <p:sldId id="260" r:id="rId7"/>
     <p:sldId id="261" r:id="rId8"/>
-    <p:sldId id="262" r:id="rId9"/>
-    <p:sldId id="263" r:id="rId10"/>
+    <p:sldId id="265" r:id="rId9"/>
+    <p:sldId id="262" r:id="rId10"/>
+    <p:sldId id="263" r:id="rId11"/>
   </p:sldIdLst>
   <p:sldSz cx="9144000" cy="5143500" type="screen16x9"/>
   <p:notesSz cx="6858000" cy="9144000"/>
   <p:embeddedFontLst>
     <p:embeddedFont>
       <p:font typeface="Open Sans" panose="020B0706030804020204" pitchFamily="34" charset="0"/>
-      <p:regular r:id="rId12"/>
-      <p:bold r:id="rId13"/>
-      <p:italic r:id="rId14"/>
-      <p:boldItalic r:id="rId15"/>
+      <p:regular r:id="rId13"/>
+      <p:bold r:id="rId14"/>
+      <p:italic r:id="rId15"/>
+      <p:boldItalic r:id="rId16"/>
     </p:embeddedFont>
     <p:embeddedFont>
       <p:font typeface="PT Sans Narrow" panose="020B0506020203020204" pitchFamily="34" charset="77"/>
-      <p:regular r:id="rId16"/>
-      <p:bold r:id="rId17"/>
+      <p:regular r:id="rId17"/>
+      <p:bold r:id="rId18"/>
     </p:embeddedFont>
   </p:embeddedFontLst>
   <p:defaultTextStyle>
@@ -827,6 +828,110 @@
 </p:notes>
 </file>
 
+<file path=ppt/notesSlides/notesSlide10.xml><?xml version="1.0" encoding="utf-8"?>
+<p:notes xmlns:a="http://schemas.openxmlformats.org/drawingml/2006/main" xmlns:r="http://schemas.openxmlformats.org/officeDocument/2006/relationships" xmlns:p="http://schemas.openxmlformats.org/presentationml/2006/main" showMasterSp="0" showMasterPhAnim="0">
+  <p:cSld>
+    <p:spTree>
+      <p:nvGrpSpPr>
+        <p:cNvPr id="1" name="Shape 105"/>
+        <p:cNvGrpSpPr/>
+        <p:nvPr/>
+      </p:nvGrpSpPr>
+      <p:grpSpPr>
+        <a:xfrm>
+          <a:off x="0" y="0"/>
+          <a:ext cx="0" cy="0"/>
+          <a:chOff x="0" y="0"/>
+          <a:chExt cx="0" cy="0"/>
+        </a:xfrm>
+      </p:grpSpPr>
+      <p:sp>
+        <p:nvSpPr>
+          <p:cNvPr id="106" name="Google Shape;106;gc6875fa144_0_336:notes"/>
+          <p:cNvSpPr>
+            <a:spLocks noGrp="1" noRot="1" noChangeAspect="1"/>
+          </p:cNvSpPr>
+          <p:nvPr>
+            <p:ph type="sldImg" idx="2"/>
+          </p:nvPr>
+        </p:nvSpPr>
+        <p:spPr>
+          <a:xfrm>
+            <a:off x="381000" y="685800"/>
+            <a:ext cx="6096000" cy="3429000"/>
+          </a:xfrm>
+          <a:custGeom>
+            <a:avLst/>
+            <a:gdLst/>
+            <a:ahLst/>
+            <a:cxnLst/>
+            <a:rect l="l" t="t" r="r" b="b"/>
+            <a:pathLst>
+              <a:path w="120000" h="120000" extrusionOk="0">
+                <a:moveTo>
+                  <a:pt x="0" y="0"/>
+                </a:moveTo>
+                <a:lnTo>
+                  <a:pt x="120000" y="0"/>
+                </a:lnTo>
+                <a:lnTo>
+                  <a:pt x="120000" y="120000"/>
+                </a:lnTo>
+                <a:lnTo>
+                  <a:pt x="0" y="120000"/>
+                </a:lnTo>
+                <a:close/>
+              </a:path>
+            </a:pathLst>
+          </a:custGeom>
+        </p:spPr>
+      </p:sp>
+      <p:sp>
+        <p:nvSpPr>
+          <p:cNvPr id="107" name="Google Shape;107;gc6875fa144_0_336:notes"/>
+          <p:cNvSpPr txBox="1">
+            <a:spLocks noGrp="1"/>
+          </p:cNvSpPr>
+          <p:nvPr>
+            <p:ph type="body" idx="1"/>
+          </p:nvPr>
+        </p:nvSpPr>
+        <p:spPr>
+          <a:xfrm>
+            <a:off x="685800" y="4343400"/>
+            <a:ext cx="5486400" cy="4114800"/>
+          </a:xfrm>
+          <a:prstGeom prst="rect">
+            <a:avLst/>
+          </a:prstGeom>
+        </p:spPr>
+        <p:txBody>
+          <a:bodyPr spcFirstLastPara="1" wrap="square" lIns="91425" tIns="91425" rIns="91425" bIns="91425" anchor="t" anchorCtr="0">
+            <a:noAutofit/>
+          </a:bodyPr>
+          <a:lstStyle/>
+          <a:p>
+            <a:pPr marL="0" lvl="0" indent="0" algn="l" rtl="0">
+              <a:spcBef>
+                <a:spcPts val="0"/>
+              </a:spcBef>
+              <a:spcAft>
+                <a:spcPts val="0"/>
+              </a:spcAft>
+              <a:buNone/>
+            </a:pPr>
+            <a:endParaRPr/>
+          </a:p>
+        </p:txBody>
+      </p:sp>
+    </p:spTree>
+  </p:cSld>
+  <p:clrMapOvr>
+    <a:masterClrMapping/>
+  </p:clrMapOvr>
+</p:notes>
+</file>
+
 <file path=ppt/notesSlides/notesSlide2.xml><?xml version="1.0" encoding="utf-8"?>
 <p:notes xmlns:a="http://schemas.openxmlformats.org/drawingml/2006/main" xmlns:r="http://schemas.openxmlformats.org/officeDocument/2006/relationships" xmlns:p="http://schemas.openxmlformats.org/presentationml/2006/main" showMasterSp="0" showMasterPhAnim="0">
   <p:cSld>
@@ -1461,6 +1566,115 @@
   <p:cSld>
     <p:spTree>
       <p:nvGrpSpPr>
+        <p:cNvPr id="1" name="Shape 92"/>
+        <p:cNvGrpSpPr/>
+        <p:nvPr/>
+      </p:nvGrpSpPr>
+      <p:grpSpPr>
+        <a:xfrm>
+          <a:off x="0" y="0"/>
+          <a:ext cx="0" cy="0"/>
+          <a:chOff x="0" y="0"/>
+          <a:chExt cx="0" cy="0"/>
+        </a:xfrm>
+      </p:grpSpPr>
+      <p:sp>
+        <p:nvSpPr>
+          <p:cNvPr id="93" name="Google Shape;93;gc6875fa144_0_330:notes"/>
+          <p:cNvSpPr>
+            <a:spLocks noGrp="1" noRot="1" noChangeAspect="1"/>
+          </p:cNvSpPr>
+          <p:nvPr>
+            <p:ph type="sldImg" idx="2"/>
+          </p:nvPr>
+        </p:nvSpPr>
+        <p:spPr>
+          <a:xfrm>
+            <a:off x="381000" y="685800"/>
+            <a:ext cx="6096000" cy="3429000"/>
+          </a:xfrm>
+          <a:custGeom>
+            <a:avLst/>
+            <a:gdLst/>
+            <a:ahLst/>
+            <a:cxnLst/>
+            <a:rect l="l" t="t" r="r" b="b"/>
+            <a:pathLst>
+              <a:path w="120000" h="120000" extrusionOk="0">
+                <a:moveTo>
+                  <a:pt x="0" y="0"/>
+                </a:moveTo>
+                <a:lnTo>
+                  <a:pt x="120000" y="0"/>
+                </a:lnTo>
+                <a:lnTo>
+                  <a:pt x="120000" y="120000"/>
+                </a:lnTo>
+                <a:lnTo>
+                  <a:pt x="0" y="120000"/>
+                </a:lnTo>
+                <a:close/>
+              </a:path>
+            </a:pathLst>
+          </a:custGeom>
+        </p:spPr>
+      </p:sp>
+      <p:sp>
+        <p:nvSpPr>
+          <p:cNvPr id="94" name="Google Shape;94;gc6875fa144_0_330:notes"/>
+          <p:cNvSpPr txBox="1">
+            <a:spLocks noGrp="1"/>
+          </p:cNvSpPr>
+          <p:nvPr>
+            <p:ph type="body" idx="1"/>
+          </p:nvPr>
+        </p:nvSpPr>
+        <p:spPr>
+          <a:xfrm>
+            <a:off x="685800" y="4343400"/>
+            <a:ext cx="5486400" cy="4114800"/>
+          </a:xfrm>
+          <a:prstGeom prst="rect">
+            <a:avLst/>
+          </a:prstGeom>
+        </p:spPr>
+        <p:txBody>
+          <a:bodyPr spcFirstLastPara="1" wrap="square" lIns="91425" tIns="91425" rIns="91425" bIns="91425" anchor="t" anchorCtr="0">
+            <a:noAutofit/>
+          </a:bodyPr>
+          <a:lstStyle/>
+          <a:p>
+            <a:pPr marL="0" lvl="0" indent="0" algn="l" rtl="0">
+              <a:spcBef>
+                <a:spcPts val="0"/>
+              </a:spcBef>
+              <a:spcAft>
+                <a:spcPts val="0"/>
+              </a:spcAft>
+              <a:buNone/>
+            </a:pPr>
+            <a:endParaRPr/>
+          </a:p>
+        </p:txBody>
+      </p:sp>
+    </p:spTree>
+    <p:extLst>
+      <p:ext uri="{BB962C8B-B14F-4D97-AF65-F5344CB8AC3E}">
+        <p14:creationId xmlns:p14="http://schemas.microsoft.com/office/powerpoint/2010/main" val="3111128166"/>
+      </p:ext>
+    </p:extLst>
+  </p:cSld>
+  <p:clrMapOvr>
+    <a:masterClrMapping/>
+  </p:clrMapOvr>
+</p:notes>
+</file>
+
+<file path=ppt/notesSlides/notesSlide9.xml><?xml version="1.0" encoding="utf-8"?>
+<p:notes xmlns:a="http://schemas.openxmlformats.org/drawingml/2006/main" xmlns:r="http://schemas.openxmlformats.org/officeDocument/2006/relationships" xmlns:p="http://schemas.openxmlformats.org/presentationml/2006/main" showMasterSp="0" showMasterPhAnim="0">
+  <p:cSld>
+    <p:spTree>
+      <p:nvGrpSpPr>
         <p:cNvPr id="1" name="Shape 98"/>
         <p:cNvGrpSpPr/>
         <p:nvPr/>
@@ -1517,110 +1731,6 @@
       <p:sp>
         <p:nvSpPr>
           <p:cNvPr id="100" name="Google Shape;100;gc6875fa144_0_325:notes"/>
-          <p:cNvSpPr txBox="1">
-            <a:spLocks noGrp="1"/>
-          </p:cNvSpPr>
-          <p:nvPr>
-            <p:ph type="body" idx="1"/>
-          </p:nvPr>
-        </p:nvSpPr>
-        <p:spPr>
-          <a:xfrm>
-            <a:off x="685800" y="4343400"/>
-            <a:ext cx="5486400" cy="4114800"/>
-          </a:xfrm>
-          <a:prstGeom prst="rect">
-            <a:avLst/>
-          </a:prstGeom>
-        </p:spPr>
-        <p:txBody>
-          <a:bodyPr spcFirstLastPara="1" wrap="square" lIns="91425" tIns="91425" rIns="91425" bIns="91425" anchor="t" anchorCtr="0">
-            <a:noAutofit/>
-          </a:bodyPr>
-          <a:lstStyle/>
-          <a:p>
-            <a:pPr marL="0" lvl="0" indent="0" algn="l" rtl="0">
-              <a:spcBef>
-                <a:spcPts val="0"/>
-              </a:spcBef>
-              <a:spcAft>
-                <a:spcPts val="0"/>
-              </a:spcAft>
-              <a:buNone/>
-            </a:pPr>
-            <a:endParaRPr/>
-          </a:p>
-        </p:txBody>
-      </p:sp>
-    </p:spTree>
-  </p:cSld>
-  <p:clrMapOvr>
-    <a:masterClrMapping/>
-  </p:clrMapOvr>
-</p:notes>
-</file>
-
-<file path=ppt/notesSlides/notesSlide9.xml><?xml version="1.0" encoding="utf-8"?>
-<p:notes xmlns:a="http://schemas.openxmlformats.org/drawingml/2006/main" xmlns:r="http://schemas.openxmlformats.org/officeDocument/2006/relationships" xmlns:p="http://schemas.openxmlformats.org/presentationml/2006/main" showMasterSp="0" showMasterPhAnim="0">
-  <p:cSld>
-    <p:spTree>
-      <p:nvGrpSpPr>
-        <p:cNvPr id="1" name="Shape 105"/>
-        <p:cNvGrpSpPr/>
-        <p:nvPr/>
-      </p:nvGrpSpPr>
-      <p:grpSpPr>
-        <a:xfrm>
-          <a:off x="0" y="0"/>
-          <a:ext cx="0" cy="0"/>
-          <a:chOff x="0" y="0"/>
-          <a:chExt cx="0" cy="0"/>
-        </a:xfrm>
-      </p:grpSpPr>
-      <p:sp>
-        <p:nvSpPr>
-          <p:cNvPr id="106" name="Google Shape;106;gc6875fa144_0_336:notes"/>
-          <p:cNvSpPr>
-            <a:spLocks noGrp="1" noRot="1" noChangeAspect="1"/>
-          </p:cNvSpPr>
-          <p:nvPr>
-            <p:ph type="sldImg" idx="2"/>
-          </p:nvPr>
-        </p:nvSpPr>
-        <p:spPr>
-          <a:xfrm>
-            <a:off x="381000" y="685800"/>
-            <a:ext cx="6096000" cy="3429000"/>
-          </a:xfrm>
-          <a:custGeom>
-            <a:avLst/>
-            <a:gdLst/>
-            <a:ahLst/>
-            <a:cxnLst/>
-            <a:rect l="l" t="t" r="r" b="b"/>
-            <a:pathLst>
-              <a:path w="120000" h="120000" extrusionOk="0">
-                <a:moveTo>
-                  <a:pt x="0" y="0"/>
-                </a:moveTo>
-                <a:lnTo>
-                  <a:pt x="120000" y="0"/>
-                </a:lnTo>
-                <a:lnTo>
-                  <a:pt x="120000" y="120000"/>
-                </a:lnTo>
-                <a:lnTo>
-                  <a:pt x="0" y="120000"/>
-                </a:lnTo>
-                <a:close/>
-              </a:path>
-            </a:pathLst>
-          </a:custGeom>
-        </p:spPr>
-      </p:sp>
-      <p:sp>
-        <p:nvSpPr>
-          <p:cNvPr id="107" name="Google Shape;107;gc6875fa144_0_336:notes"/>
           <p:cNvSpPr txBox="1">
             <a:spLocks noGrp="1"/>
           </p:cNvSpPr>
@@ -7291,6 +7401,383 @@
 </p:sld>
 </file>
 
+<file path=ppt/slides/slide10.xml><?xml version="1.0" encoding="utf-8"?>
+<p:sld xmlns:a="http://schemas.openxmlformats.org/drawingml/2006/main" xmlns:r="http://schemas.openxmlformats.org/officeDocument/2006/relationships" xmlns:p="http://schemas.openxmlformats.org/presentationml/2006/main">
+  <p:cSld>
+    <p:spTree>
+      <p:nvGrpSpPr>
+        <p:cNvPr id="1" name="Shape 108"/>
+        <p:cNvGrpSpPr/>
+        <p:nvPr/>
+      </p:nvGrpSpPr>
+      <p:grpSpPr>
+        <a:xfrm>
+          <a:off x="0" y="0"/>
+          <a:ext cx="0" cy="0"/>
+          <a:chOff x="0" y="0"/>
+          <a:chExt cx="0" cy="0"/>
+        </a:xfrm>
+      </p:grpSpPr>
+      <p:sp>
+        <p:nvSpPr>
+          <p:cNvPr id="109" name="Google Shape;109;p20"/>
+          <p:cNvSpPr txBox="1">
+            <a:spLocks noGrp="1"/>
+          </p:cNvSpPr>
+          <p:nvPr>
+            <p:ph type="title"/>
+          </p:nvPr>
+        </p:nvSpPr>
+        <p:spPr>
+          <a:xfrm>
+            <a:off x="311700" y="445025"/>
+            <a:ext cx="8520600" cy="707400"/>
+          </a:xfrm>
+          <a:prstGeom prst="rect">
+            <a:avLst/>
+          </a:prstGeom>
+        </p:spPr>
+        <p:txBody>
+          <a:bodyPr spcFirstLastPara="1" wrap="square" lIns="91425" tIns="91425" rIns="91425" bIns="91425" anchor="t" anchorCtr="0">
+            <a:normAutofit fontScale="90000"/>
+          </a:bodyPr>
+          <a:lstStyle/>
+          <a:p>
+            <a:pPr marL="0" lvl="0" indent="0" algn="l" rtl="0">
+              <a:lnSpc>
+                <a:spcPct val="110000"/>
+              </a:lnSpc>
+              <a:spcBef>
+                <a:spcPts val="1500"/>
+              </a:spcBef>
+              <a:spcAft>
+                <a:spcPts val="0"/>
+              </a:spcAft>
+              <a:buNone/>
+            </a:pPr>
+            <a:r>
+              <a:rPr lang="en" sz="3583" dirty="0">
+                <a:highlight>
+                  <a:srgbClr val="FFFFFF"/>
+                </a:highlight>
+              </a:rPr>
+              <a:t>Conclusions and next steps</a:t>
+            </a:r>
+            <a:endParaRPr sz="3583" dirty="0">
+              <a:highlight>
+                <a:srgbClr val="FFFFFF"/>
+              </a:highlight>
+            </a:endParaRPr>
+          </a:p>
+          <a:p>
+            <a:pPr marL="0" lvl="0" indent="0" algn="l" rtl="0">
+              <a:spcBef>
+                <a:spcPts val="800"/>
+              </a:spcBef>
+              <a:spcAft>
+                <a:spcPts val="0"/>
+              </a:spcAft>
+              <a:buNone/>
+            </a:pPr>
+            <a:endParaRPr dirty="0"/>
+          </a:p>
+        </p:txBody>
+      </p:sp>
+      <p:sp>
+        <p:nvSpPr>
+          <p:cNvPr id="110" name="Google Shape;110;p20"/>
+          <p:cNvSpPr txBox="1">
+            <a:spLocks noGrp="1"/>
+          </p:cNvSpPr>
+          <p:nvPr>
+            <p:ph type="body" idx="1"/>
+          </p:nvPr>
+        </p:nvSpPr>
+        <p:spPr>
+          <a:xfrm>
+            <a:off x="311700" y="1152475"/>
+            <a:ext cx="8520600" cy="3700200"/>
+          </a:xfrm>
+          <a:prstGeom prst="rect">
+            <a:avLst/>
+          </a:prstGeom>
+        </p:spPr>
+        <p:txBody>
+          <a:bodyPr spcFirstLastPara="1" wrap="square" lIns="91425" tIns="91425" rIns="91425" bIns="91425" anchor="t" anchorCtr="0">
+            <a:normAutofit fontScale="85000" lnSpcReduction="20000"/>
+          </a:bodyPr>
+          <a:lstStyle/>
+          <a:p>
+            <a:pPr marL="0" lvl="0" indent="0" algn="l" rtl="0">
+              <a:spcBef>
+                <a:spcPts val="0"/>
+              </a:spcBef>
+              <a:spcAft>
+                <a:spcPts val="0"/>
+              </a:spcAft>
+              <a:buNone/>
+            </a:pPr>
+            <a:endParaRPr dirty="0"/>
+          </a:p>
+          <a:p>
+            <a:pPr marL="0" lvl="0" indent="0" algn="l" rtl="0">
+              <a:spcBef>
+                <a:spcPts val="1200"/>
+              </a:spcBef>
+              <a:spcAft>
+                <a:spcPts val="0"/>
+              </a:spcAft>
+              <a:buNone/>
+            </a:pPr>
+            <a:r>
+              <a:rPr lang="en" sz="1666" dirty="0">
+                <a:solidFill>
+                  <a:srgbClr val="333333"/>
+                </a:solidFill>
+                <a:highlight>
+                  <a:srgbClr val="FFFFFF"/>
+                </a:highlight>
+              </a:rPr>
+              <a:t>A number of weather variables have a significant effect on delayed departures</a:t>
+            </a:r>
+            <a:endParaRPr sz="1666" dirty="0">
+              <a:solidFill>
+                <a:srgbClr val="333333"/>
+              </a:solidFill>
+              <a:highlight>
+                <a:srgbClr val="FFFFFF"/>
+              </a:highlight>
+            </a:endParaRPr>
+          </a:p>
+          <a:p>
+            <a:pPr marL="0" lvl="0" indent="0" algn="l" rtl="0">
+              <a:spcBef>
+                <a:spcPts val="800"/>
+              </a:spcBef>
+              <a:spcAft>
+                <a:spcPts val="0"/>
+              </a:spcAft>
+              <a:buNone/>
+            </a:pPr>
+            <a:endParaRPr sz="1666" dirty="0">
+              <a:solidFill>
+                <a:srgbClr val="333333"/>
+              </a:solidFill>
+              <a:highlight>
+                <a:srgbClr val="FFFFFF"/>
+              </a:highlight>
+            </a:endParaRPr>
+          </a:p>
+          <a:p>
+            <a:pPr marL="0" lvl="0" indent="0" algn="l" rtl="0">
+              <a:spcBef>
+                <a:spcPts val="800"/>
+              </a:spcBef>
+              <a:spcAft>
+                <a:spcPts val="0"/>
+              </a:spcAft>
+              <a:buNone/>
+            </a:pPr>
+            <a:r>
+              <a:rPr lang="en" sz="1666" dirty="0">
+                <a:solidFill>
+                  <a:srgbClr val="333333"/>
+                </a:solidFill>
+                <a:highlight>
+                  <a:srgbClr val="FFFFFF"/>
+                </a:highlight>
+              </a:rPr>
+              <a:t>The number of flights leaving in the scheduled hour of departure is also significant</a:t>
+            </a:r>
+            <a:endParaRPr sz="1666" dirty="0">
+              <a:solidFill>
+                <a:srgbClr val="333333"/>
+              </a:solidFill>
+              <a:highlight>
+                <a:srgbClr val="FFFFFF"/>
+              </a:highlight>
+            </a:endParaRPr>
+          </a:p>
+          <a:p>
+            <a:pPr marL="0" lvl="0" indent="0" algn="l" rtl="0">
+              <a:spcBef>
+                <a:spcPts val="800"/>
+              </a:spcBef>
+              <a:spcAft>
+                <a:spcPts val="0"/>
+              </a:spcAft>
+              <a:buNone/>
+            </a:pPr>
+            <a:endParaRPr sz="1666" dirty="0">
+              <a:solidFill>
+                <a:srgbClr val="333333"/>
+              </a:solidFill>
+              <a:highlight>
+                <a:srgbClr val="FFFFFF"/>
+              </a:highlight>
+            </a:endParaRPr>
+          </a:p>
+          <a:p>
+            <a:pPr marL="0" lvl="0" indent="0" algn="l" rtl="0">
+              <a:spcBef>
+                <a:spcPts val="800"/>
+              </a:spcBef>
+              <a:spcAft>
+                <a:spcPts val="0"/>
+              </a:spcAft>
+              <a:buNone/>
+            </a:pPr>
+            <a:r>
+              <a:rPr lang="en" sz="1666" dirty="0">
+                <a:solidFill>
+                  <a:srgbClr val="333333"/>
+                </a:solidFill>
+                <a:highlight>
+                  <a:srgbClr val="FFFFFF"/>
+                </a:highlight>
+              </a:rPr>
+              <a:t>However, the data which was in scope for this report </a:t>
+            </a:r>
+            <a:r>
+              <a:rPr lang="en" sz="1666" b="1" dirty="0">
+                <a:solidFill>
+                  <a:srgbClr val="333333"/>
+                </a:solidFill>
+                <a:highlight>
+                  <a:srgbClr val="FFFFFF"/>
+                </a:highlight>
+              </a:rPr>
+              <a:t>is not sufficient  to make business decisions </a:t>
+            </a:r>
+            <a:r>
+              <a:rPr lang="en" sz="1666" dirty="0">
+                <a:solidFill>
+                  <a:srgbClr val="333333"/>
+                </a:solidFill>
+                <a:highlight>
+                  <a:srgbClr val="FFFFFF"/>
+                </a:highlight>
+              </a:rPr>
+              <a:t>on future investment at Newark - important factors (such as the knock-on effect of earlier flight delays) could not be assessed</a:t>
+            </a:r>
+            <a:endParaRPr sz="1666" dirty="0">
+              <a:solidFill>
+                <a:srgbClr val="333333"/>
+              </a:solidFill>
+              <a:highlight>
+                <a:srgbClr val="FFFFFF"/>
+              </a:highlight>
+            </a:endParaRPr>
+          </a:p>
+          <a:p>
+            <a:pPr marL="0" lvl="0" indent="0" algn="l" rtl="0">
+              <a:spcBef>
+                <a:spcPts val="800"/>
+              </a:spcBef>
+              <a:spcAft>
+                <a:spcPts val="0"/>
+              </a:spcAft>
+              <a:buNone/>
+            </a:pPr>
+            <a:endParaRPr sz="1666" dirty="0">
+              <a:solidFill>
+                <a:srgbClr val="333333"/>
+              </a:solidFill>
+              <a:highlight>
+                <a:srgbClr val="FFFFFF"/>
+              </a:highlight>
+            </a:endParaRPr>
+          </a:p>
+          <a:p>
+            <a:pPr marL="0" lvl="0" indent="0" algn="l" rtl="0">
+              <a:spcBef>
+                <a:spcPts val="800"/>
+              </a:spcBef>
+              <a:spcAft>
+                <a:spcPts val="0"/>
+              </a:spcAft>
+              <a:buNone/>
+            </a:pPr>
+            <a:r>
+              <a:rPr lang="en" sz="1666" dirty="0">
+                <a:solidFill>
+                  <a:srgbClr val="333333"/>
+                </a:solidFill>
+                <a:highlight>
+                  <a:srgbClr val="FFFFFF"/>
+                </a:highlight>
+              </a:rPr>
+              <a:t>Further analysis required - perhaps using reporting on causes of delays collated by the US Bureau of Transportation Statistics since 2003:</a:t>
+            </a:r>
+            <a:endParaRPr sz="1666" dirty="0">
+              <a:solidFill>
+                <a:srgbClr val="333333"/>
+              </a:solidFill>
+              <a:highlight>
+                <a:srgbClr val="FFFFFF"/>
+              </a:highlight>
+            </a:endParaRPr>
+          </a:p>
+          <a:p>
+            <a:pPr marL="0" lvl="0" indent="0" algn="l" rtl="0">
+              <a:spcBef>
+                <a:spcPts val="800"/>
+              </a:spcBef>
+              <a:spcAft>
+                <a:spcPts val="800"/>
+              </a:spcAft>
+              <a:buNone/>
+            </a:pPr>
+            <a:r>
+              <a:rPr lang="en" sz="1666" dirty="0">
+                <a:solidFill>
+                  <a:srgbClr val="333333"/>
+                </a:solidFill>
+                <a:highlight>
+                  <a:srgbClr val="FFFFFF"/>
+                </a:highlight>
+                <a:hlinkClick r:id="rId3"/>
+              </a:rPr>
+              <a:t>https://www.transtats.bts.gov/OT_Delay/OT_DelayCause1.asp</a:t>
+            </a:r>
+            <a:endParaRPr lang="en" sz="1666" dirty="0">
+              <a:solidFill>
+                <a:srgbClr val="333333"/>
+              </a:solidFill>
+              <a:highlight>
+                <a:srgbClr val="FFFFFF"/>
+              </a:highlight>
+            </a:endParaRPr>
+          </a:p>
+          <a:p>
+            <a:pPr marL="0" lvl="0" indent="0" algn="l" rtl="0">
+              <a:spcBef>
+                <a:spcPts val="800"/>
+              </a:spcBef>
+              <a:spcAft>
+                <a:spcPts val="800"/>
+              </a:spcAft>
+              <a:buNone/>
+            </a:pPr>
+            <a:endParaRPr sz="1450" dirty="0">
+              <a:solidFill>
+                <a:srgbClr val="333333"/>
+              </a:solidFill>
+              <a:highlight>
+                <a:srgbClr val="FFFFFF"/>
+              </a:highlight>
+            </a:endParaRPr>
+          </a:p>
+        </p:txBody>
+      </p:sp>
+    </p:spTree>
+  </p:cSld>
+  <p:clrMapOvr>
+    <a:masterClrMapping/>
+  </p:clrMapOvr>
+</p:sld>
+</file>
+
 <file path=ppt/slides/slide2.xml><?xml version="1.0" encoding="utf-8"?>
 <p:sld xmlns:a="http://schemas.openxmlformats.org/drawingml/2006/main" xmlns:r="http://schemas.openxmlformats.org/officeDocument/2006/relationships" xmlns:p="http://schemas.openxmlformats.org/presentationml/2006/main">
   <p:cSld>
@@ -7455,6 +7942,22 @@
             <a:r>
               <a:rPr lang="en" dirty="0"/>
               <a:t>How does Newark compare to other NYC airports?</a:t>
+            </a:r>
+          </a:p>
+          <a:p>
+            <a:pPr marL="457200" lvl="0" indent="-342900" algn="l" rtl="0">
+              <a:spcBef>
+                <a:spcPts val="1200"/>
+              </a:spcBef>
+              <a:spcAft>
+                <a:spcPts val="0"/>
+              </a:spcAft>
+              <a:buSzPts val="1800"/>
+              <a:buChar char="●"/>
+            </a:pPr>
+            <a:r>
+              <a:rPr lang="en" dirty="0"/>
+              <a:t>What investments could Newark make to reduce delays?</a:t>
             </a:r>
             <a:endParaRPr dirty="0"/>
           </a:p>
@@ -8767,6 +9270,312 @@
   <p:cSld>
     <p:spTree>
       <p:nvGrpSpPr>
+        <p:cNvPr id="1" name="Shape 95"/>
+        <p:cNvGrpSpPr/>
+        <p:nvPr/>
+      </p:nvGrpSpPr>
+      <p:grpSpPr>
+        <a:xfrm>
+          <a:off x="0" y="0"/>
+          <a:ext cx="0" cy="0"/>
+          <a:chOff x="0" y="0"/>
+          <a:chExt cx="0" cy="0"/>
+        </a:xfrm>
+      </p:grpSpPr>
+      <p:sp>
+        <p:nvSpPr>
+          <p:cNvPr id="96" name="Google Shape;96;p18"/>
+          <p:cNvSpPr txBox="1">
+            <a:spLocks noGrp="1"/>
+          </p:cNvSpPr>
+          <p:nvPr>
+            <p:ph type="title"/>
+          </p:nvPr>
+        </p:nvSpPr>
+        <p:spPr>
+          <a:xfrm>
+            <a:off x="311700" y="290825"/>
+            <a:ext cx="8520600" cy="707400"/>
+          </a:xfrm>
+          <a:prstGeom prst="rect">
+            <a:avLst/>
+          </a:prstGeom>
+        </p:spPr>
+        <p:txBody>
+          <a:bodyPr spcFirstLastPara="1" wrap="square" lIns="91425" tIns="91425" rIns="91425" bIns="91425" anchor="t" anchorCtr="0">
+            <a:normAutofit fontScale="90000"/>
+          </a:bodyPr>
+          <a:lstStyle/>
+          <a:p>
+            <a:pPr marL="0" lvl="0" indent="0" algn="l" rtl="0">
+              <a:lnSpc>
+                <a:spcPct val="110000"/>
+              </a:lnSpc>
+              <a:spcBef>
+                <a:spcPts val="1500"/>
+              </a:spcBef>
+              <a:spcAft>
+                <a:spcPts val="0"/>
+              </a:spcAft>
+              <a:buNone/>
+            </a:pPr>
+            <a:r>
+              <a:rPr lang="en" sz="3583" dirty="0">
+                <a:highlight>
+                  <a:srgbClr val="FFFFFF"/>
+                </a:highlight>
+              </a:rPr>
+              <a:t>How good is the model at explaining delayed departures?</a:t>
+            </a:r>
+            <a:endParaRPr sz="3583" dirty="0">
+              <a:highlight>
+                <a:srgbClr val="FFFFFF"/>
+              </a:highlight>
+            </a:endParaRPr>
+          </a:p>
+          <a:p>
+            <a:pPr marL="0" lvl="0" indent="0" algn="l" rtl="0">
+              <a:spcBef>
+                <a:spcPts val="800"/>
+              </a:spcBef>
+              <a:spcAft>
+                <a:spcPts val="0"/>
+              </a:spcAft>
+              <a:buNone/>
+            </a:pPr>
+            <a:endParaRPr dirty="0"/>
+          </a:p>
+        </p:txBody>
+      </p:sp>
+      <p:sp>
+        <p:nvSpPr>
+          <p:cNvPr id="97" name="Google Shape;97;p18"/>
+          <p:cNvSpPr txBox="1">
+            <a:spLocks noGrp="1"/>
+          </p:cNvSpPr>
+          <p:nvPr>
+            <p:ph type="body" idx="1"/>
+          </p:nvPr>
+        </p:nvSpPr>
+        <p:spPr>
+          <a:xfrm>
+            <a:off x="311700" y="1152475"/>
+            <a:ext cx="8520600" cy="3700200"/>
+          </a:xfrm>
+          <a:prstGeom prst="rect">
+            <a:avLst/>
+          </a:prstGeom>
+        </p:spPr>
+        <p:txBody>
+          <a:bodyPr spcFirstLastPara="1" wrap="square" lIns="91425" tIns="91425" rIns="91425" bIns="91425" anchor="t" anchorCtr="0">
+            <a:normAutofit/>
+          </a:bodyPr>
+          <a:lstStyle/>
+          <a:p>
+            <a:pPr marL="0" lvl="0" indent="0" algn="l" rtl="0">
+              <a:spcBef>
+                <a:spcPts val="0"/>
+              </a:spcBef>
+              <a:spcAft>
+                <a:spcPts val="0"/>
+              </a:spcAft>
+              <a:buNone/>
+            </a:pPr>
+            <a:endParaRPr lang="en" dirty="0"/>
+          </a:p>
+          <a:p>
+            <a:pPr marL="0" lvl="0" indent="0" algn="l" rtl="0">
+              <a:spcBef>
+                <a:spcPts val="0"/>
+              </a:spcBef>
+              <a:spcAft>
+                <a:spcPts val="0"/>
+              </a:spcAft>
+              <a:buNone/>
+            </a:pPr>
+            <a:endParaRPr lang="en" dirty="0"/>
+          </a:p>
+          <a:p>
+            <a:pPr marL="0" lvl="0" indent="0" algn="l" rtl="0">
+              <a:spcBef>
+                <a:spcPts val="0"/>
+              </a:spcBef>
+              <a:spcAft>
+                <a:spcPts val="0"/>
+              </a:spcAft>
+              <a:buNone/>
+            </a:pPr>
+            <a:r>
+              <a:rPr lang="en-GB" dirty="0"/>
+              <a:t>Short answer: “OK, but not great!”</a:t>
+            </a:r>
+            <a:endParaRPr lang="en" dirty="0"/>
+          </a:p>
+          <a:p>
+            <a:pPr marL="285750" lvl="0" indent="-285750" algn="l" rtl="0">
+              <a:spcBef>
+                <a:spcPts val="0"/>
+              </a:spcBef>
+              <a:spcAft>
+                <a:spcPts val="0"/>
+              </a:spcAft>
+              <a:buFont typeface="Arial" panose="020B0604020202020204" pitchFamily="34" charset="0"/>
+              <a:buChar char="•"/>
+            </a:pPr>
+            <a:endParaRPr lang="en-GB" dirty="0"/>
+          </a:p>
+          <a:p>
+            <a:pPr marL="285750" lvl="0" indent="-285750" algn="l" rtl="0">
+              <a:spcBef>
+                <a:spcPts val="0"/>
+              </a:spcBef>
+              <a:spcAft>
+                <a:spcPts val="0"/>
+              </a:spcAft>
+              <a:buFont typeface="Arial" panose="020B0604020202020204" pitchFamily="34" charset="0"/>
+              <a:buChar char="•"/>
+            </a:pPr>
+            <a:endParaRPr dirty="0"/>
+          </a:p>
+          <a:p>
+            <a:pPr marL="285750" lvl="0" indent="-285750">
+              <a:buFont typeface="Arial" panose="020B0604020202020204" pitchFamily="34" charset="0"/>
+              <a:buChar char="•"/>
+            </a:pPr>
+            <a:r>
+              <a:rPr lang="en" dirty="0">
+                <a:highlight>
+                  <a:srgbClr val="FFFFFF"/>
+                </a:highlight>
+              </a:rPr>
+              <a:t>Statistical analysis was used to test the “fit” of the model </a:t>
+            </a:r>
+          </a:p>
+          <a:p>
+            <a:pPr marL="0" lvl="0" indent="0">
+              <a:buNone/>
+            </a:pPr>
+            <a:endParaRPr lang="en" dirty="0">
+              <a:highlight>
+                <a:srgbClr val="FFFFFF"/>
+              </a:highlight>
+            </a:endParaRPr>
+          </a:p>
+          <a:p>
+            <a:pPr marL="285750" lvl="0" indent="-285750">
+              <a:buFont typeface="Arial" panose="020B0604020202020204" pitchFamily="34" charset="0"/>
+              <a:buChar char="•"/>
+            </a:pPr>
+            <a:r>
+              <a:rPr lang="en-GB" sz="1666" dirty="0">
+                <a:solidFill>
+                  <a:srgbClr val="333333"/>
+                </a:solidFill>
+                <a:highlight>
+                  <a:srgbClr val="FFFFFF"/>
+                </a:highlight>
+              </a:rPr>
+              <a:t>Although significant, factors in previous slide didn’t do a great job of predicting variance in departure delays</a:t>
+            </a:r>
+          </a:p>
+          <a:p>
+            <a:pPr marL="285750" lvl="0" indent="-285750">
+              <a:buFont typeface="Arial" panose="020B0604020202020204" pitchFamily="34" charset="0"/>
+              <a:buChar char="•"/>
+            </a:pPr>
+            <a:endParaRPr lang="en-GB" sz="1666" dirty="0">
+              <a:solidFill>
+                <a:srgbClr val="333333"/>
+              </a:solidFill>
+              <a:highlight>
+                <a:srgbClr val="FFFFFF"/>
+              </a:highlight>
+            </a:endParaRPr>
+          </a:p>
+          <a:p>
+            <a:pPr marL="285750" lvl="0" indent="-285750">
+              <a:buFont typeface="Arial" panose="020B0604020202020204" pitchFamily="34" charset="0"/>
+              <a:buChar char="•"/>
+            </a:pPr>
+            <a:r>
+              <a:rPr lang="en-GB" sz="1666" dirty="0">
+                <a:solidFill>
+                  <a:srgbClr val="333333"/>
+                </a:solidFill>
+                <a:highlight>
+                  <a:srgbClr val="FFFFFF"/>
+                </a:highlight>
+              </a:rPr>
+              <a:t>Could there be important factors which are not included in the data?</a:t>
+            </a:r>
+          </a:p>
+          <a:p>
+            <a:pPr marL="285750" lvl="0" indent="-285750">
+              <a:buFont typeface="Arial" panose="020B0604020202020204" pitchFamily="34" charset="0"/>
+              <a:buChar char="•"/>
+            </a:pPr>
+            <a:endParaRPr lang="en-GB" sz="1666" dirty="0">
+              <a:solidFill>
+                <a:srgbClr val="333333"/>
+              </a:solidFill>
+              <a:highlight>
+                <a:srgbClr val="FFFFFF"/>
+              </a:highlight>
+            </a:endParaRPr>
+          </a:p>
+          <a:p>
+            <a:pPr marL="285750" lvl="0" indent="-285750">
+              <a:buFont typeface="Arial" panose="020B0604020202020204" pitchFamily="34" charset="0"/>
+              <a:buChar char="•"/>
+            </a:pPr>
+            <a:endParaRPr sz="1666" dirty="0">
+              <a:solidFill>
+                <a:srgbClr val="333333"/>
+              </a:solidFill>
+              <a:highlight>
+                <a:srgbClr val="FFFFFF"/>
+              </a:highlight>
+            </a:endParaRPr>
+          </a:p>
+          <a:p>
+            <a:pPr marL="0" lvl="0" indent="0" algn="l" rtl="0">
+              <a:spcBef>
+                <a:spcPts val="1200"/>
+              </a:spcBef>
+              <a:spcAft>
+                <a:spcPts val="800"/>
+              </a:spcAft>
+              <a:buNone/>
+            </a:pPr>
+            <a:endParaRPr sz="1450" dirty="0">
+              <a:solidFill>
+                <a:srgbClr val="333333"/>
+              </a:solidFill>
+              <a:highlight>
+                <a:srgbClr val="FFFFFF"/>
+              </a:highlight>
+            </a:endParaRPr>
+          </a:p>
+        </p:txBody>
+      </p:sp>
+    </p:spTree>
+    <p:extLst>
+      <p:ext uri="{BB962C8B-B14F-4D97-AF65-F5344CB8AC3E}">
+        <p14:creationId xmlns:p14="http://schemas.microsoft.com/office/powerpoint/2010/main" val="3902573340"/>
+      </p:ext>
+    </p:extLst>
+  </p:cSld>
+  <p:clrMapOvr>
+    <a:masterClrMapping/>
+  </p:clrMapOvr>
+</p:sld>
+</file>
+
+<file path=ppt/slides/slide9.xml><?xml version="1.0" encoding="utf-8"?>
+<p:sld xmlns:a="http://schemas.openxmlformats.org/drawingml/2006/main" xmlns:r="http://schemas.openxmlformats.org/officeDocument/2006/relationships" xmlns:p="http://schemas.openxmlformats.org/presentationml/2006/main">
+  <p:cSld>
+    <p:spTree>
+      <p:nvGrpSpPr>
         <p:cNvPr id="1" name="Shape 101"/>
         <p:cNvGrpSpPr/>
         <p:nvPr/>
@@ -8921,383 +9730,6 @@
           </a:ln>
         </p:spPr>
       </p:pic>
-    </p:spTree>
-  </p:cSld>
-  <p:clrMapOvr>
-    <a:masterClrMapping/>
-  </p:clrMapOvr>
-</p:sld>
-</file>
-
-<file path=ppt/slides/slide9.xml><?xml version="1.0" encoding="utf-8"?>
-<p:sld xmlns:a="http://schemas.openxmlformats.org/drawingml/2006/main" xmlns:r="http://schemas.openxmlformats.org/officeDocument/2006/relationships" xmlns:p="http://schemas.openxmlformats.org/presentationml/2006/main">
-  <p:cSld>
-    <p:spTree>
-      <p:nvGrpSpPr>
-        <p:cNvPr id="1" name="Shape 108"/>
-        <p:cNvGrpSpPr/>
-        <p:nvPr/>
-      </p:nvGrpSpPr>
-      <p:grpSpPr>
-        <a:xfrm>
-          <a:off x="0" y="0"/>
-          <a:ext cx="0" cy="0"/>
-          <a:chOff x="0" y="0"/>
-          <a:chExt cx="0" cy="0"/>
-        </a:xfrm>
-      </p:grpSpPr>
-      <p:sp>
-        <p:nvSpPr>
-          <p:cNvPr id="109" name="Google Shape;109;p20"/>
-          <p:cNvSpPr txBox="1">
-            <a:spLocks noGrp="1"/>
-          </p:cNvSpPr>
-          <p:nvPr>
-            <p:ph type="title"/>
-          </p:nvPr>
-        </p:nvSpPr>
-        <p:spPr>
-          <a:xfrm>
-            <a:off x="311700" y="445025"/>
-            <a:ext cx="8520600" cy="707400"/>
-          </a:xfrm>
-          <a:prstGeom prst="rect">
-            <a:avLst/>
-          </a:prstGeom>
-        </p:spPr>
-        <p:txBody>
-          <a:bodyPr spcFirstLastPara="1" wrap="square" lIns="91425" tIns="91425" rIns="91425" bIns="91425" anchor="t" anchorCtr="0">
-            <a:normAutofit fontScale="90000"/>
-          </a:bodyPr>
-          <a:lstStyle/>
-          <a:p>
-            <a:pPr marL="0" lvl="0" indent="0" algn="l" rtl="0">
-              <a:lnSpc>
-                <a:spcPct val="110000"/>
-              </a:lnSpc>
-              <a:spcBef>
-                <a:spcPts val="1500"/>
-              </a:spcBef>
-              <a:spcAft>
-                <a:spcPts val="0"/>
-              </a:spcAft>
-              <a:buNone/>
-            </a:pPr>
-            <a:r>
-              <a:rPr lang="en" sz="3583" dirty="0">
-                <a:highlight>
-                  <a:srgbClr val="FFFFFF"/>
-                </a:highlight>
-              </a:rPr>
-              <a:t>Conclusions and next steps</a:t>
-            </a:r>
-            <a:endParaRPr sz="3583" dirty="0">
-              <a:highlight>
-                <a:srgbClr val="FFFFFF"/>
-              </a:highlight>
-            </a:endParaRPr>
-          </a:p>
-          <a:p>
-            <a:pPr marL="0" lvl="0" indent="0" algn="l" rtl="0">
-              <a:spcBef>
-                <a:spcPts val="800"/>
-              </a:spcBef>
-              <a:spcAft>
-                <a:spcPts val="0"/>
-              </a:spcAft>
-              <a:buNone/>
-            </a:pPr>
-            <a:endParaRPr dirty="0"/>
-          </a:p>
-        </p:txBody>
-      </p:sp>
-      <p:sp>
-        <p:nvSpPr>
-          <p:cNvPr id="110" name="Google Shape;110;p20"/>
-          <p:cNvSpPr txBox="1">
-            <a:spLocks noGrp="1"/>
-          </p:cNvSpPr>
-          <p:nvPr>
-            <p:ph type="body" idx="1"/>
-          </p:nvPr>
-        </p:nvSpPr>
-        <p:spPr>
-          <a:xfrm>
-            <a:off x="311700" y="1152475"/>
-            <a:ext cx="8520600" cy="3700200"/>
-          </a:xfrm>
-          <a:prstGeom prst="rect">
-            <a:avLst/>
-          </a:prstGeom>
-        </p:spPr>
-        <p:txBody>
-          <a:bodyPr spcFirstLastPara="1" wrap="square" lIns="91425" tIns="91425" rIns="91425" bIns="91425" anchor="t" anchorCtr="0">
-            <a:normAutofit fontScale="85000" lnSpcReduction="20000"/>
-          </a:bodyPr>
-          <a:lstStyle/>
-          <a:p>
-            <a:pPr marL="0" lvl="0" indent="0" algn="l" rtl="0">
-              <a:spcBef>
-                <a:spcPts val="0"/>
-              </a:spcBef>
-              <a:spcAft>
-                <a:spcPts val="0"/>
-              </a:spcAft>
-              <a:buNone/>
-            </a:pPr>
-            <a:endParaRPr dirty="0"/>
-          </a:p>
-          <a:p>
-            <a:pPr marL="0" lvl="0" indent="0" algn="l" rtl="0">
-              <a:spcBef>
-                <a:spcPts val="1200"/>
-              </a:spcBef>
-              <a:spcAft>
-                <a:spcPts val="0"/>
-              </a:spcAft>
-              <a:buNone/>
-            </a:pPr>
-            <a:r>
-              <a:rPr lang="en" sz="1666" dirty="0">
-                <a:solidFill>
-                  <a:srgbClr val="333333"/>
-                </a:solidFill>
-                <a:highlight>
-                  <a:srgbClr val="FFFFFF"/>
-                </a:highlight>
-              </a:rPr>
-              <a:t>A number of weather variables have a significant effect on delayed departures</a:t>
-            </a:r>
-            <a:endParaRPr sz="1666" dirty="0">
-              <a:solidFill>
-                <a:srgbClr val="333333"/>
-              </a:solidFill>
-              <a:highlight>
-                <a:srgbClr val="FFFFFF"/>
-              </a:highlight>
-            </a:endParaRPr>
-          </a:p>
-          <a:p>
-            <a:pPr marL="0" lvl="0" indent="0" algn="l" rtl="0">
-              <a:spcBef>
-                <a:spcPts val="800"/>
-              </a:spcBef>
-              <a:spcAft>
-                <a:spcPts val="0"/>
-              </a:spcAft>
-              <a:buNone/>
-            </a:pPr>
-            <a:endParaRPr sz="1666" dirty="0">
-              <a:solidFill>
-                <a:srgbClr val="333333"/>
-              </a:solidFill>
-              <a:highlight>
-                <a:srgbClr val="FFFFFF"/>
-              </a:highlight>
-            </a:endParaRPr>
-          </a:p>
-          <a:p>
-            <a:pPr marL="0" lvl="0" indent="0" algn="l" rtl="0">
-              <a:spcBef>
-                <a:spcPts val="800"/>
-              </a:spcBef>
-              <a:spcAft>
-                <a:spcPts val="0"/>
-              </a:spcAft>
-              <a:buNone/>
-            </a:pPr>
-            <a:r>
-              <a:rPr lang="en" sz="1666" dirty="0">
-                <a:solidFill>
-                  <a:srgbClr val="333333"/>
-                </a:solidFill>
-                <a:highlight>
-                  <a:srgbClr val="FFFFFF"/>
-                </a:highlight>
-              </a:rPr>
-              <a:t>The number of flights leaving in the scheduled hour of departure is also significant</a:t>
-            </a:r>
-            <a:endParaRPr sz="1666" dirty="0">
-              <a:solidFill>
-                <a:srgbClr val="333333"/>
-              </a:solidFill>
-              <a:highlight>
-                <a:srgbClr val="FFFFFF"/>
-              </a:highlight>
-            </a:endParaRPr>
-          </a:p>
-          <a:p>
-            <a:pPr marL="0" lvl="0" indent="0" algn="l" rtl="0">
-              <a:spcBef>
-                <a:spcPts val="800"/>
-              </a:spcBef>
-              <a:spcAft>
-                <a:spcPts val="0"/>
-              </a:spcAft>
-              <a:buNone/>
-            </a:pPr>
-            <a:endParaRPr sz="1666" dirty="0">
-              <a:solidFill>
-                <a:srgbClr val="333333"/>
-              </a:solidFill>
-              <a:highlight>
-                <a:srgbClr val="FFFFFF"/>
-              </a:highlight>
-            </a:endParaRPr>
-          </a:p>
-          <a:p>
-            <a:pPr marL="0" lvl="0" indent="0" algn="l" rtl="0">
-              <a:spcBef>
-                <a:spcPts val="800"/>
-              </a:spcBef>
-              <a:spcAft>
-                <a:spcPts val="0"/>
-              </a:spcAft>
-              <a:buNone/>
-            </a:pPr>
-            <a:r>
-              <a:rPr lang="en" sz="1666" dirty="0">
-                <a:solidFill>
-                  <a:srgbClr val="333333"/>
-                </a:solidFill>
-                <a:highlight>
-                  <a:srgbClr val="FFFFFF"/>
-                </a:highlight>
-              </a:rPr>
-              <a:t>However, the data which was in scope for this report </a:t>
-            </a:r>
-            <a:r>
-              <a:rPr lang="en" sz="1666" b="1" dirty="0">
-                <a:solidFill>
-                  <a:srgbClr val="333333"/>
-                </a:solidFill>
-                <a:highlight>
-                  <a:srgbClr val="FFFFFF"/>
-                </a:highlight>
-              </a:rPr>
-              <a:t>is not sufficient  to make business decisions </a:t>
-            </a:r>
-            <a:r>
-              <a:rPr lang="en" sz="1666" dirty="0">
-                <a:solidFill>
-                  <a:srgbClr val="333333"/>
-                </a:solidFill>
-                <a:highlight>
-                  <a:srgbClr val="FFFFFF"/>
-                </a:highlight>
-              </a:rPr>
-              <a:t>on future investment at Newark - important factors (such as the knock-on effect of earlier flight delays) could not be assessed</a:t>
-            </a:r>
-            <a:endParaRPr sz="1666" dirty="0">
-              <a:solidFill>
-                <a:srgbClr val="333333"/>
-              </a:solidFill>
-              <a:highlight>
-                <a:srgbClr val="FFFFFF"/>
-              </a:highlight>
-            </a:endParaRPr>
-          </a:p>
-          <a:p>
-            <a:pPr marL="0" lvl="0" indent="0" algn="l" rtl="0">
-              <a:spcBef>
-                <a:spcPts val="800"/>
-              </a:spcBef>
-              <a:spcAft>
-                <a:spcPts val="0"/>
-              </a:spcAft>
-              <a:buNone/>
-            </a:pPr>
-            <a:endParaRPr sz="1666" dirty="0">
-              <a:solidFill>
-                <a:srgbClr val="333333"/>
-              </a:solidFill>
-              <a:highlight>
-                <a:srgbClr val="FFFFFF"/>
-              </a:highlight>
-            </a:endParaRPr>
-          </a:p>
-          <a:p>
-            <a:pPr marL="0" lvl="0" indent="0" algn="l" rtl="0">
-              <a:spcBef>
-                <a:spcPts val="800"/>
-              </a:spcBef>
-              <a:spcAft>
-                <a:spcPts val="0"/>
-              </a:spcAft>
-              <a:buNone/>
-            </a:pPr>
-            <a:r>
-              <a:rPr lang="en" sz="1666" dirty="0">
-                <a:solidFill>
-                  <a:srgbClr val="333333"/>
-                </a:solidFill>
-                <a:highlight>
-                  <a:srgbClr val="FFFFFF"/>
-                </a:highlight>
-              </a:rPr>
-              <a:t>Further analysis required - perhaps using reporting on causes of delays collated by the US Bureau of Transportation Statistics since 2003:</a:t>
-            </a:r>
-            <a:endParaRPr sz="1666" dirty="0">
-              <a:solidFill>
-                <a:srgbClr val="333333"/>
-              </a:solidFill>
-              <a:highlight>
-                <a:srgbClr val="FFFFFF"/>
-              </a:highlight>
-            </a:endParaRPr>
-          </a:p>
-          <a:p>
-            <a:pPr marL="0" lvl="0" indent="0" algn="l" rtl="0">
-              <a:spcBef>
-                <a:spcPts val="800"/>
-              </a:spcBef>
-              <a:spcAft>
-                <a:spcPts val="800"/>
-              </a:spcAft>
-              <a:buNone/>
-            </a:pPr>
-            <a:r>
-              <a:rPr lang="en" sz="1666" dirty="0">
-                <a:solidFill>
-                  <a:srgbClr val="333333"/>
-                </a:solidFill>
-                <a:highlight>
-                  <a:srgbClr val="FFFFFF"/>
-                </a:highlight>
-                <a:hlinkClick r:id="rId3"/>
-              </a:rPr>
-              <a:t>https://www.transtats.bts.gov/OT_Delay/OT_DelayCause1.asp</a:t>
-            </a:r>
-            <a:endParaRPr lang="en" sz="1666" dirty="0">
-              <a:solidFill>
-                <a:srgbClr val="333333"/>
-              </a:solidFill>
-              <a:highlight>
-                <a:srgbClr val="FFFFFF"/>
-              </a:highlight>
-            </a:endParaRPr>
-          </a:p>
-          <a:p>
-            <a:pPr marL="0" lvl="0" indent="0" algn="l" rtl="0">
-              <a:spcBef>
-                <a:spcPts val="800"/>
-              </a:spcBef>
-              <a:spcAft>
-                <a:spcPts val="800"/>
-              </a:spcAft>
-              <a:buNone/>
-            </a:pPr>
-            <a:endParaRPr sz="1450" dirty="0">
-              <a:solidFill>
-                <a:srgbClr val="333333"/>
-              </a:solidFill>
-              <a:highlight>
-                <a:srgbClr val="FFFFFF"/>
-              </a:highlight>
-            </a:endParaRPr>
-          </a:p>
-        </p:txBody>
-      </p:sp>
     </p:spTree>
   </p:cSld>
   <p:clrMapOvr>

--- a/documentation/presentation.pptx
+++ b/documentation/presentation.pptx
@@ -8523,45 +8523,19 @@
               </a:spcAft>
               <a:buNone/>
             </a:pPr>
-            <a:endParaRPr sz="651"/>
-          </a:p>
-          <a:p>
-            <a:pPr marL="457200" lvl="0" indent="-334404" algn="l" rtl="0">
-              <a:spcBef>
-                <a:spcPts val="1200"/>
-              </a:spcBef>
-              <a:spcAft>
-                <a:spcPts val="0"/>
-              </a:spcAft>
-              <a:buClr>
-                <a:srgbClr val="333333"/>
-              </a:buClr>
-              <a:buSzPts val="1666"/>
-              <a:buChar char="●"/>
+            <a:endParaRPr sz="651" dirty="0"/>
+          </a:p>
+          <a:p>
+            <a:pPr marL="0" lvl="0" indent="0" algn="l" rtl="0">
+              <a:spcBef>
+                <a:spcPts val="800"/>
+              </a:spcBef>
+              <a:spcAft>
+                <a:spcPts val="800"/>
+              </a:spcAft>
+              <a:buNone/>
             </a:pPr>
-            <a:r>
-              <a:rPr lang="en" sz="1666" b="1">
-                <a:solidFill>
-                  <a:srgbClr val="333333"/>
-                </a:solidFill>
-                <a:highlight>
-                  <a:srgbClr val="FFFFFF"/>
-                </a:highlight>
-              </a:rPr>
-              <a:t>Flight data</a:t>
-            </a:r>
-            <a:r>
-              <a:rPr lang="en" sz="1666">
-                <a:solidFill>
-                  <a:srgbClr val="333333"/>
-                </a:solidFill>
-                <a:highlight>
-                  <a:srgbClr val="FFFFFF"/>
-                </a:highlight>
-              </a:rPr>
-              <a:t> including departure date and time, carrier, destination</a:t>
-            </a:r>
-            <a:endParaRPr sz="1666">
+            <a:endParaRPr sz="1450" dirty="0">
               <a:solidFill>
                 <a:srgbClr val="333333"/>
               </a:solidFill>
@@ -8570,241 +8544,38 @@
               </a:highlight>
             </a:endParaRPr>
           </a:p>
-          <a:p>
-            <a:pPr marL="0" lvl="0" indent="0" algn="l" rtl="0">
-              <a:spcBef>
-                <a:spcPts val="800"/>
-              </a:spcBef>
-              <a:spcAft>
-                <a:spcPts val="0"/>
-              </a:spcAft>
-              <a:buNone/>
-            </a:pPr>
-            <a:endParaRPr sz="1666">
-              <a:solidFill>
-                <a:srgbClr val="333333"/>
-              </a:solidFill>
-              <a:highlight>
-                <a:srgbClr val="FFFFFF"/>
-              </a:highlight>
-            </a:endParaRPr>
-          </a:p>
-          <a:p>
-            <a:pPr marL="457200" lvl="0" indent="-334404" algn="l" rtl="0">
-              <a:spcBef>
-                <a:spcPts val="800"/>
-              </a:spcBef>
-              <a:spcAft>
-                <a:spcPts val="0"/>
-              </a:spcAft>
-              <a:buClr>
-                <a:srgbClr val="333333"/>
-              </a:buClr>
-              <a:buSzPts val="1666"/>
-              <a:buChar char="●"/>
-            </a:pPr>
-            <a:r>
-              <a:rPr lang="en" sz="1666" b="1">
-                <a:solidFill>
-                  <a:srgbClr val="333333"/>
-                </a:solidFill>
-                <a:highlight>
-                  <a:srgbClr val="FFFFFF"/>
-                </a:highlight>
-              </a:rPr>
-              <a:t>Weather</a:t>
-            </a:r>
-            <a:r>
-              <a:rPr lang="en" sz="1666">
-                <a:solidFill>
-                  <a:srgbClr val="333333"/>
-                </a:solidFill>
-                <a:highlight>
-                  <a:srgbClr val="FFFFFF"/>
-                </a:highlight>
-              </a:rPr>
-              <a:t> </a:t>
-            </a:r>
-            <a:r>
-              <a:rPr lang="en" sz="1666" b="1">
-                <a:solidFill>
-                  <a:srgbClr val="333333"/>
-                </a:solidFill>
-                <a:highlight>
-                  <a:srgbClr val="FFFFFF"/>
-                </a:highlight>
-              </a:rPr>
-              <a:t>data</a:t>
-            </a:r>
-            <a:r>
-              <a:rPr lang="en" sz="1666">
-                <a:solidFill>
-                  <a:srgbClr val="333333"/>
-                </a:solidFill>
-                <a:highlight>
-                  <a:srgbClr val="FFFFFF"/>
-                </a:highlight>
-              </a:rPr>
-              <a:t> including temperature, precipitation, snowfall, wind speed/direction, visibility</a:t>
-            </a:r>
-            <a:endParaRPr sz="1666">
-              <a:solidFill>
-                <a:srgbClr val="333333"/>
-              </a:solidFill>
-              <a:highlight>
-                <a:srgbClr val="FFFFFF"/>
-              </a:highlight>
-            </a:endParaRPr>
-          </a:p>
-          <a:p>
-            <a:pPr marL="457200" lvl="0" indent="0" algn="l" rtl="0">
-              <a:spcBef>
-                <a:spcPts val="800"/>
-              </a:spcBef>
-              <a:spcAft>
-                <a:spcPts val="0"/>
-              </a:spcAft>
-              <a:buNone/>
-            </a:pPr>
-            <a:endParaRPr sz="1666">
-              <a:solidFill>
-                <a:srgbClr val="333333"/>
-              </a:solidFill>
-              <a:highlight>
-                <a:srgbClr val="FFFFFF"/>
-              </a:highlight>
-            </a:endParaRPr>
-          </a:p>
-          <a:p>
-            <a:pPr marL="457200" lvl="0" indent="-334404" algn="l" rtl="0">
-              <a:spcBef>
-                <a:spcPts val="800"/>
-              </a:spcBef>
-              <a:spcAft>
-                <a:spcPts val="0"/>
-              </a:spcAft>
-              <a:buClr>
-                <a:srgbClr val="333333"/>
-              </a:buClr>
-              <a:buSzPts val="1666"/>
-              <a:buChar char="●"/>
-            </a:pPr>
-            <a:r>
-              <a:rPr lang="en" sz="1666" b="1">
-                <a:solidFill>
-                  <a:srgbClr val="333333"/>
-                </a:solidFill>
-                <a:highlight>
-                  <a:srgbClr val="FFFFFF"/>
-                </a:highlight>
-              </a:rPr>
-              <a:t>Aircraft data</a:t>
-            </a:r>
-            <a:r>
-              <a:rPr lang="en" sz="1666">
-                <a:solidFill>
-                  <a:srgbClr val="333333"/>
-                </a:solidFill>
-                <a:highlight>
-                  <a:srgbClr val="FFFFFF"/>
-                </a:highlight>
-              </a:rPr>
-              <a:t> including manufacturer, type and model</a:t>
-            </a:r>
-            <a:endParaRPr sz="1666">
-              <a:solidFill>
-                <a:srgbClr val="333333"/>
-              </a:solidFill>
-              <a:highlight>
-                <a:srgbClr val="FFFFFF"/>
-              </a:highlight>
-            </a:endParaRPr>
-          </a:p>
-          <a:p>
-            <a:pPr marL="0" lvl="0" indent="0" algn="l" rtl="0">
-              <a:spcBef>
-                <a:spcPts val="800"/>
-              </a:spcBef>
-              <a:spcAft>
-                <a:spcPts val="0"/>
-              </a:spcAft>
-              <a:buNone/>
-            </a:pPr>
-            <a:endParaRPr sz="1666">
-              <a:solidFill>
-                <a:srgbClr val="333333"/>
-              </a:solidFill>
-              <a:highlight>
-                <a:srgbClr val="FFFFFF"/>
-              </a:highlight>
-            </a:endParaRPr>
-          </a:p>
-          <a:p>
-            <a:pPr marL="457200" lvl="0" indent="-334404" algn="l" rtl="0">
-              <a:spcBef>
-                <a:spcPts val="800"/>
-              </a:spcBef>
-              <a:spcAft>
-                <a:spcPts val="0"/>
-              </a:spcAft>
-              <a:buClr>
-                <a:srgbClr val="333333"/>
-              </a:buClr>
-              <a:buSzPts val="1666"/>
-              <a:buChar char="●"/>
-            </a:pPr>
-            <a:r>
-              <a:rPr lang="en" sz="1666" b="1">
-                <a:solidFill>
-                  <a:srgbClr val="333333"/>
-                </a:solidFill>
-                <a:highlight>
-                  <a:srgbClr val="FFFFFF"/>
-                </a:highlight>
-              </a:rPr>
-              <a:t>Airport data</a:t>
-            </a:r>
-            <a:r>
-              <a:rPr lang="en" sz="1666">
-                <a:solidFill>
-                  <a:srgbClr val="333333"/>
-                </a:solidFill>
-                <a:highlight>
-                  <a:srgbClr val="FFFFFF"/>
-                </a:highlight>
-              </a:rPr>
-              <a:t> - latitude and longitude of destination</a:t>
-            </a:r>
-            <a:endParaRPr sz="1666">
-              <a:solidFill>
-                <a:srgbClr val="333333"/>
-              </a:solidFill>
-              <a:highlight>
-                <a:srgbClr val="FFFFFF"/>
-              </a:highlight>
-            </a:endParaRPr>
-          </a:p>
-          <a:p>
-            <a:pPr marL="0" lvl="0" indent="0" algn="l" rtl="0">
-              <a:spcBef>
-                <a:spcPts val="800"/>
-              </a:spcBef>
-              <a:spcAft>
-                <a:spcPts val="800"/>
-              </a:spcAft>
-              <a:buNone/>
-            </a:pPr>
-            <a:endParaRPr sz="1450">
-              <a:solidFill>
-                <a:srgbClr val="333333"/>
-              </a:solidFill>
-              <a:highlight>
-                <a:srgbClr val="FFFFFF"/>
-              </a:highlight>
-            </a:endParaRPr>
-          </a:p>
         </p:txBody>
       </p:sp>
+      <p:pic>
+        <p:nvPicPr>
+          <p:cNvPr id="3" name="Picture 2" descr="Diagram&#10;&#10;Description automatically generated">
+            <a:extLst>
+              <a:ext uri="{FF2B5EF4-FFF2-40B4-BE49-F238E27FC236}">
+                <a16:creationId xmlns:a16="http://schemas.microsoft.com/office/drawing/2014/main" id="{3924D71E-640B-D841-BAE0-F8D1093B1773}"/>
+              </a:ext>
+            </a:extLst>
+          </p:cNvPr>
+          <p:cNvPicPr>
+            <a:picLocks noChangeAspect="1"/>
+          </p:cNvPicPr>
+          <p:nvPr/>
+        </p:nvPicPr>
+        <p:blipFill>
+          <a:blip r:embed="rId3"/>
+          <a:stretch>
+            <a:fillRect/>
+          </a:stretch>
+        </p:blipFill>
+        <p:spPr>
+          <a:xfrm>
+            <a:off x="492979" y="1257508"/>
+            <a:ext cx="6575729" cy="3490134"/>
+          </a:xfrm>
+          <a:prstGeom prst="rect">
+            <a:avLst/>
+          </a:prstGeom>
+        </p:spPr>
+      </p:pic>
     </p:spTree>
   </p:cSld>
   <p:clrMapOvr>

--- a/documentation/presentation.pptx
+++ b/documentation/presentation.pptx
@@ -7831,7 +7831,7 @@
             </a:pPr>
             <a:r>
               <a:rPr lang="en" dirty="0"/>
-              <a:t>What do we want to know?</a:t>
+              <a:t>What does the client want to know?</a:t>
             </a:r>
             <a:endParaRPr dirty="0"/>
           </a:p>

--- a/documentation/presentation.pptx
+++ b/documentation/presentation.pptx
@@ -7504,21 +7504,9 @@
         </p:spPr>
         <p:txBody>
           <a:bodyPr spcFirstLastPara="1" wrap="square" lIns="91425" tIns="91425" rIns="91425" bIns="91425" anchor="t" anchorCtr="0">
-            <a:normAutofit fontScale="85000" lnSpcReduction="20000"/>
+            <a:normAutofit fontScale="77500" lnSpcReduction="20000"/>
           </a:bodyPr>
           <a:lstStyle/>
-          <a:p>
-            <a:pPr marL="0" lvl="0" indent="0" algn="l" rtl="0">
-              <a:spcBef>
-                <a:spcPts val="0"/>
-              </a:spcBef>
-              <a:spcAft>
-                <a:spcPts val="0"/>
-              </a:spcAft>
-              <a:buNone/>
-            </a:pPr>
-            <a:endParaRPr dirty="0"/>
-          </a:p>
           <a:p>
             <a:pPr marL="0" lvl="0" indent="0" algn="l" rtl="0">
               <a:spcBef>
@@ -7658,7 +7646,48 @@
                   <a:srgbClr val="FFFFFF"/>
                 </a:highlight>
               </a:rPr>
-              <a:t>on future investment at Newark - important factors (such as the knock-on effect of earlier flight delays) could not be assessed</a:t>
+              <a:t>on future investment at Newark</a:t>
+            </a:r>
+          </a:p>
+          <a:p>
+            <a:pPr marL="0" lvl="0" indent="0" algn="l" rtl="0">
+              <a:spcBef>
+                <a:spcPts val="800"/>
+              </a:spcBef>
+              <a:spcAft>
+                <a:spcPts val="0"/>
+              </a:spcAft>
+              <a:buNone/>
+            </a:pPr>
+            <a:endParaRPr lang="en" sz="1666" dirty="0">
+              <a:solidFill>
+                <a:srgbClr val="333333"/>
+              </a:solidFill>
+              <a:highlight>
+                <a:srgbClr val="FFFFFF"/>
+              </a:highlight>
+            </a:endParaRPr>
+          </a:p>
+          <a:p>
+            <a:pPr marL="0" lvl="0" indent="0" algn="l" rtl="0">
+              <a:spcBef>
+                <a:spcPts val="800"/>
+              </a:spcBef>
+              <a:spcAft>
+                <a:spcPts val="0"/>
+              </a:spcAft>
+              <a:buNone/>
+            </a:pPr>
+            <a:r>
+              <a:rPr lang="en" sz="1666" dirty="0">
+                <a:solidFill>
+                  <a:srgbClr val="333333"/>
+                </a:solidFill>
+                <a:highlight>
+                  <a:srgbClr val="FFFFFF"/>
+                </a:highlight>
+              </a:rPr>
+              <a:t>Important factors (such as the knock-on effect of earlier flight delays) could not be assessed</a:t>
             </a:r>
             <a:endParaRPr sz="1666" dirty="0">
               <a:solidFill>
